--- a/자료/수정용/안드로이드블록다이어그램.pptx
+++ b/자료/수정용/안드로이드블록다이어그램.pptx
@@ -6,6 +6,7 @@
   </p:sldMasterIdLst>
   <p:sldIdLst>
     <p:sldId id="258" r:id="rId2"/>
+    <p:sldId id="259" r:id="rId3"/>
   </p:sldIdLst>
   <p:sldSz cx="12192000" cy="6858000"/>
   <p:notesSz cx="6858000" cy="9144000"/>
@@ -243,7 +244,7 @@
           <a:p>
             <a:fld id="{3472C40B-9F89-483B-A6AF-7954C33CEF76}" type="datetimeFigureOut">
               <a:rPr lang="ko-KR" altLang="en-US" smtClean="0"/>
-              <a:t>2016-04-18</a:t>
+              <a:t>2016-04-26</a:t>
             </a:fld>
             <a:endParaRPr lang="ko-KR" altLang="en-US"/>
           </a:p>
@@ -413,7 +414,7 @@
           <a:p>
             <a:fld id="{3472C40B-9F89-483B-A6AF-7954C33CEF76}" type="datetimeFigureOut">
               <a:rPr lang="ko-KR" altLang="en-US" smtClean="0"/>
-              <a:t>2016-04-18</a:t>
+              <a:t>2016-04-26</a:t>
             </a:fld>
             <a:endParaRPr lang="ko-KR" altLang="en-US"/>
           </a:p>
@@ -593,7 +594,7 @@
           <a:p>
             <a:fld id="{3472C40B-9F89-483B-A6AF-7954C33CEF76}" type="datetimeFigureOut">
               <a:rPr lang="ko-KR" altLang="en-US" smtClean="0"/>
-              <a:t>2016-04-18</a:t>
+              <a:t>2016-04-26</a:t>
             </a:fld>
             <a:endParaRPr lang="ko-KR" altLang="en-US"/>
           </a:p>
@@ -763,7 +764,7 @@
           <a:p>
             <a:fld id="{3472C40B-9F89-483B-A6AF-7954C33CEF76}" type="datetimeFigureOut">
               <a:rPr lang="ko-KR" altLang="en-US" smtClean="0"/>
-              <a:t>2016-04-18</a:t>
+              <a:t>2016-04-26</a:t>
             </a:fld>
             <a:endParaRPr lang="ko-KR" altLang="en-US"/>
           </a:p>
@@ -1009,7 +1010,7 @@
           <a:p>
             <a:fld id="{3472C40B-9F89-483B-A6AF-7954C33CEF76}" type="datetimeFigureOut">
               <a:rPr lang="ko-KR" altLang="en-US" smtClean="0"/>
-              <a:t>2016-04-18</a:t>
+              <a:t>2016-04-26</a:t>
             </a:fld>
             <a:endParaRPr lang="ko-KR" altLang="en-US"/>
           </a:p>
@@ -1241,7 +1242,7 @@
           <a:p>
             <a:fld id="{3472C40B-9F89-483B-A6AF-7954C33CEF76}" type="datetimeFigureOut">
               <a:rPr lang="ko-KR" altLang="en-US" smtClean="0"/>
-              <a:t>2016-04-18</a:t>
+              <a:t>2016-04-26</a:t>
             </a:fld>
             <a:endParaRPr lang="ko-KR" altLang="en-US"/>
           </a:p>
@@ -1608,7 +1609,7 @@
           <a:p>
             <a:fld id="{3472C40B-9F89-483B-A6AF-7954C33CEF76}" type="datetimeFigureOut">
               <a:rPr lang="ko-KR" altLang="en-US" smtClean="0"/>
-              <a:t>2016-04-18</a:t>
+              <a:t>2016-04-26</a:t>
             </a:fld>
             <a:endParaRPr lang="ko-KR" altLang="en-US"/>
           </a:p>
@@ -1726,7 +1727,7 @@
           <a:p>
             <a:fld id="{3472C40B-9F89-483B-A6AF-7954C33CEF76}" type="datetimeFigureOut">
               <a:rPr lang="ko-KR" altLang="en-US" smtClean="0"/>
-              <a:t>2016-04-18</a:t>
+              <a:t>2016-04-26</a:t>
             </a:fld>
             <a:endParaRPr lang="ko-KR" altLang="en-US"/>
           </a:p>
@@ -1821,7 +1822,7 @@
           <a:p>
             <a:fld id="{3472C40B-9F89-483B-A6AF-7954C33CEF76}" type="datetimeFigureOut">
               <a:rPr lang="ko-KR" altLang="en-US" smtClean="0"/>
-              <a:t>2016-04-18</a:t>
+              <a:t>2016-04-26</a:t>
             </a:fld>
             <a:endParaRPr lang="ko-KR" altLang="en-US"/>
           </a:p>
@@ -2098,7 +2099,7 @@
           <a:p>
             <a:fld id="{3472C40B-9F89-483B-A6AF-7954C33CEF76}" type="datetimeFigureOut">
               <a:rPr lang="ko-KR" altLang="en-US" smtClean="0"/>
-              <a:t>2016-04-18</a:t>
+              <a:t>2016-04-26</a:t>
             </a:fld>
             <a:endParaRPr lang="ko-KR" altLang="en-US"/>
           </a:p>
@@ -2351,7 +2352,7 @@
           <a:p>
             <a:fld id="{3472C40B-9F89-483B-A6AF-7954C33CEF76}" type="datetimeFigureOut">
               <a:rPr lang="ko-KR" altLang="en-US" smtClean="0"/>
-              <a:t>2016-04-18</a:t>
+              <a:t>2016-04-26</a:t>
             </a:fld>
             <a:endParaRPr lang="ko-KR" altLang="en-US"/>
           </a:p>
@@ -2564,7 +2565,7 @@
           <a:p>
             <a:fld id="{3472C40B-9F89-483B-A6AF-7954C33CEF76}" type="datetimeFigureOut">
               <a:rPr lang="ko-KR" altLang="en-US" smtClean="0"/>
-              <a:t>2016-04-18</a:t>
+              <a:t>2016-04-26</a:t>
             </a:fld>
             <a:endParaRPr lang="ko-KR" altLang="en-US"/>
           </a:p>
@@ -4260,6 +4261,1002 @@
 </p:sld>
 </file>
 
+<file path=ppt/slides/slide2.xml><?xml version="1.0" encoding="utf-8"?>
+<p:sld xmlns:a="http://schemas.openxmlformats.org/drawingml/2006/main" xmlns:r="http://schemas.openxmlformats.org/officeDocument/2006/relationships" xmlns:p="http://schemas.openxmlformats.org/presentationml/2006/main">
+  <p:cSld>
+    <p:spTree>
+      <p:nvGrpSpPr>
+        <p:cNvPr id="1" name=""/>
+        <p:cNvGrpSpPr/>
+        <p:nvPr/>
+      </p:nvGrpSpPr>
+      <p:grpSpPr>
+        <a:xfrm>
+          <a:off x="0" y="0"/>
+          <a:ext cx="0" cy="0"/>
+          <a:chOff x="0" y="0"/>
+          <a:chExt cx="0" cy="0"/>
+        </a:xfrm>
+      </p:grpSpPr>
+      <p:sp>
+        <p:nvSpPr>
+          <p:cNvPr id="23" name="직사각형 22"/>
+          <p:cNvSpPr/>
+          <p:nvPr/>
+        </p:nvSpPr>
+        <p:spPr>
+          <a:xfrm>
+            <a:off x="759854" y="142720"/>
+            <a:ext cx="10380372" cy="4403523"/>
+          </a:xfrm>
+          <a:prstGeom prst="rect">
+            <a:avLst/>
+          </a:prstGeom>
+        </p:spPr>
+        <p:style>
+          <a:lnRef idx="2">
+            <a:schemeClr val="accent4">
+              <a:shade val="50000"/>
+            </a:schemeClr>
+          </a:lnRef>
+          <a:fillRef idx="1">
+            <a:schemeClr val="accent4"/>
+          </a:fillRef>
+          <a:effectRef idx="0">
+            <a:schemeClr val="accent4"/>
+          </a:effectRef>
+          <a:fontRef idx="minor">
+            <a:schemeClr val="lt1"/>
+          </a:fontRef>
+        </p:style>
+        <p:txBody>
+          <a:bodyPr rtlCol="0" anchor="ctr"/>
+          <a:lstStyle/>
+          <a:p>
+            <a:pPr algn="ctr"/>
+            <a:endParaRPr lang="ko-KR" altLang="en-US"/>
+          </a:p>
+        </p:txBody>
+      </p:sp>
+      <p:sp>
+        <p:nvSpPr>
+          <p:cNvPr id="26" name="직사각형 25"/>
+          <p:cNvSpPr/>
+          <p:nvPr/>
+        </p:nvSpPr>
+        <p:spPr>
+          <a:xfrm>
+            <a:off x="1088264" y="3348508"/>
+            <a:ext cx="9420897" cy="1017431"/>
+          </a:xfrm>
+          <a:prstGeom prst="rect">
+            <a:avLst/>
+          </a:prstGeom>
+        </p:spPr>
+        <p:style>
+          <a:lnRef idx="3">
+            <a:schemeClr val="lt1"/>
+          </a:lnRef>
+          <a:fillRef idx="1">
+            <a:schemeClr val="accent6"/>
+          </a:fillRef>
+          <a:effectRef idx="1">
+            <a:schemeClr val="accent6"/>
+          </a:effectRef>
+          <a:fontRef idx="minor">
+            <a:schemeClr val="lt1"/>
+          </a:fontRef>
+        </p:style>
+        <p:txBody>
+          <a:bodyPr rtlCol="0" anchor="ctr"/>
+          <a:lstStyle/>
+          <a:p>
+            <a:pPr algn="ctr"/>
+            <a:endParaRPr lang="ko-KR" altLang="en-US"/>
+          </a:p>
+        </p:txBody>
+      </p:sp>
+      <p:sp>
+        <p:nvSpPr>
+          <p:cNvPr id="2" name="순서도: 카드 1"/>
+          <p:cNvSpPr/>
+          <p:nvPr/>
+        </p:nvSpPr>
+        <p:spPr>
+          <a:xfrm>
+            <a:off x="1210614" y="798492"/>
+            <a:ext cx="1378039" cy="631065"/>
+          </a:xfrm>
+          <a:prstGeom prst="flowChartPunchedCard">
+            <a:avLst/>
+          </a:prstGeom>
+        </p:spPr>
+        <p:style>
+          <a:lnRef idx="2">
+            <a:schemeClr val="dk1"/>
+          </a:lnRef>
+          <a:fillRef idx="1">
+            <a:schemeClr val="lt1"/>
+          </a:fillRef>
+          <a:effectRef idx="0">
+            <a:schemeClr val="dk1"/>
+          </a:effectRef>
+          <a:fontRef idx="minor">
+            <a:schemeClr val="dk1"/>
+          </a:fontRef>
+        </p:style>
+        <p:txBody>
+          <a:bodyPr rtlCol="0" anchor="ctr"/>
+          <a:lstStyle/>
+          <a:p>
+            <a:pPr algn="ctr"/>
+            <a:r>
+              <a:rPr lang="en-US" altLang="ko-KR" smtClean="0"/>
+              <a:t>SD</a:t>
+            </a:r>
+            <a:r>
+              <a:rPr lang="ko-KR" altLang="en-US" smtClean="0"/>
+              <a:t>카드</a:t>
+            </a:r>
+            <a:endParaRPr lang="ko-KR" altLang="en-US"/>
+          </a:p>
+        </p:txBody>
+      </p:sp>
+      <p:sp>
+        <p:nvSpPr>
+          <p:cNvPr id="8" name="직사각형 7"/>
+          <p:cNvSpPr/>
+          <p:nvPr/>
+        </p:nvSpPr>
+        <p:spPr>
+          <a:xfrm>
+            <a:off x="1210614" y="1754478"/>
+            <a:ext cx="1378039" cy="631064"/>
+          </a:xfrm>
+          <a:prstGeom prst="rect">
+            <a:avLst/>
+          </a:prstGeom>
+        </p:spPr>
+        <p:style>
+          <a:lnRef idx="2">
+            <a:schemeClr val="dk1"/>
+          </a:lnRef>
+          <a:fillRef idx="1">
+            <a:schemeClr val="lt1"/>
+          </a:fillRef>
+          <a:effectRef idx="0">
+            <a:schemeClr val="dk1"/>
+          </a:effectRef>
+          <a:fontRef idx="minor">
+            <a:schemeClr val="dk1"/>
+          </a:fontRef>
+        </p:style>
+        <p:txBody>
+          <a:bodyPr rtlCol="0" anchor="ctr"/>
+          <a:lstStyle/>
+          <a:p>
+            <a:pPr algn="ctr"/>
+            <a:r>
+              <a:rPr lang="ko-KR" altLang="en-US" smtClean="0"/>
+              <a:t>재생화면</a:t>
+            </a:r>
+            <a:endParaRPr lang="ko-KR" altLang="en-US"/>
+          </a:p>
+        </p:txBody>
+      </p:sp>
+      <p:sp>
+        <p:nvSpPr>
+          <p:cNvPr id="9" name="직사각형 8"/>
+          <p:cNvSpPr/>
+          <p:nvPr/>
+        </p:nvSpPr>
+        <p:spPr>
+          <a:xfrm>
+            <a:off x="3705359" y="798490"/>
+            <a:ext cx="1378039" cy="631065"/>
+          </a:xfrm>
+          <a:prstGeom prst="rect">
+            <a:avLst/>
+          </a:prstGeom>
+        </p:spPr>
+        <p:style>
+          <a:lnRef idx="2">
+            <a:schemeClr val="dk1"/>
+          </a:lnRef>
+          <a:fillRef idx="1">
+            <a:schemeClr val="lt1"/>
+          </a:fillRef>
+          <a:effectRef idx="0">
+            <a:schemeClr val="dk1"/>
+          </a:effectRef>
+          <a:fontRef idx="minor">
+            <a:schemeClr val="dk1"/>
+          </a:fontRef>
+        </p:style>
+        <p:txBody>
+          <a:bodyPr rtlCol="0" anchor="ctr"/>
+          <a:lstStyle/>
+          <a:p>
+            <a:pPr algn="ctr"/>
+            <a:r>
+              <a:rPr lang="ko-KR" altLang="en-US" smtClean="0"/>
+              <a:t>음악목록</a:t>
+            </a:r>
+            <a:endParaRPr lang="ko-KR" altLang="en-US"/>
+          </a:p>
+        </p:txBody>
+      </p:sp>
+      <p:sp>
+        <p:nvSpPr>
+          <p:cNvPr id="10" name="직사각형 9"/>
+          <p:cNvSpPr/>
+          <p:nvPr/>
+        </p:nvSpPr>
+        <p:spPr>
+          <a:xfrm>
+            <a:off x="6200104" y="798490"/>
+            <a:ext cx="1378039" cy="631065"/>
+          </a:xfrm>
+          <a:prstGeom prst="rect">
+            <a:avLst/>
+          </a:prstGeom>
+        </p:spPr>
+        <p:style>
+          <a:lnRef idx="2">
+            <a:schemeClr val="dk1"/>
+          </a:lnRef>
+          <a:fillRef idx="1">
+            <a:schemeClr val="lt1"/>
+          </a:fillRef>
+          <a:effectRef idx="0">
+            <a:schemeClr val="dk1"/>
+          </a:effectRef>
+          <a:fontRef idx="minor">
+            <a:schemeClr val="dk1"/>
+          </a:fontRef>
+        </p:style>
+        <p:txBody>
+          <a:bodyPr rtlCol="0" anchor="ctr"/>
+          <a:lstStyle/>
+          <a:p>
+            <a:pPr algn="ctr"/>
+            <a:r>
+              <a:rPr lang="ko-KR" altLang="en-US" smtClean="0"/>
+              <a:t>노래선택</a:t>
+            </a:r>
+            <a:endParaRPr lang="ko-KR" altLang="en-US"/>
+          </a:p>
+        </p:txBody>
+      </p:sp>
+      <p:sp>
+        <p:nvSpPr>
+          <p:cNvPr id="11" name="직사각형 10"/>
+          <p:cNvSpPr/>
+          <p:nvPr/>
+        </p:nvSpPr>
+        <p:spPr>
+          <a:xfrm>
+            <a:off x="8873544" y="798490"/>
+            <a:ext cx="1378039" cy="631064"/>
+          </a:xfrm>
+          <a:prstGeom prst="rect">
+            <a:avLst/>
+          </a:prstGeom>
+        </p:spPr>
+        <p:style>
+          <a:lnRef idx="2">
+            <a:schemeClr val="dk1"/>
+          </a:lnRef>
+          <a:fillRef idx="1">
+            <a:schemeClr val="lt1"/>
+          </a:fillRef>
+          <a:effectRef idx="0">
+            <a:schemeClr val="dk1"/>
+          </a:effectRef>
+          <a:fontRef idx="minor">
+            <a:schemeClr val="dk1"/>
+          </a:fontRef>
+        </p:style>
+        <p:txBody>
+          <a:bodyPr rtlCol="0" anchor="ctr"/>
+          <a:lstStyle/>
+          <a:p>
+            <a:pPr algn="ctr"/>
+            <a:r>
+              <a:rPr lang="en-US" altLang="ko-KR" smtClean="0"/>
+              <a:t>FFT</a:t>
+            </a:r>
+            <a:r>
+              <a:rPr lang="ko-KR" altLang="en-US" smtClean="0"/>
+              <a:t>변환</a:t>
+            </a:r>
+            <a:endParaRPr lang="ko-KR" altLang="en-US"/>
+          </a:p>
+        </p:txBody>
+      </p:sp>
+      <p:sp>
+        <p:nvSpPr>
+          <p:cNvPr id="12" name="직사각형 11"/>
+          <p:cNvSpPr/>
+          <p:nvPr/>
+        </p:nvSpPr>
+        <p:spPr>
+          <a:xfrm>
+            <a:off x="8873544" y="3553931"/>
+            <a:ext cx="1435992" cy="646114"/>
+          </a:xfrm>
+          <a:prstGeom prst="rect">
+            <a:avLst/>
+          </a:prstGeom>
+        </p:spPr>
+        <p:style>
+          <a:lnRef idx="2">
+            <a:schemeClr val="dk1"/>
+          </a:lnRef>
+          <a:fillRef idx="1">
+            <a:schemeClr val="lt1"/>
+          </a:fillRef>
+          <a:effectRef idx="0">
+            <a:schemeClr val="dk1"/>
+          </a:effectRef>
+          <a:fontRef idx="minor">
+            <a:schemeClr val="dk1"/>
+          </a:fontRef>
+        </p:style>
+        <p:txBody>
+          <a:bodyPr rtlCol="0" anchor="ctr"/>
+          <a:lstStyle/>
+          <a:p>
+            <a:pPr algn="ctr"/>
+            <a:r>
+              <a:rPr lang="ko-KR" altLang="en-US" smtClean="0"/>
+              <a:t>배열값전송</a:t>
+            </a:r>
+            <a:endParaRPr lang="ko-KR" altLang="en-US"/>
+          </a:p>
+        </p:txBody>
+      </p:sp>
+      <p:sp>
+        <p:nvSpPr>
+          <p:cNvPr id="13" name="직사각형 12"/>
+          <p:cNvSpPr/>
+          <p:nvPr/>
+        </p:nvSpPr>
+        <p:spPr>
+          <a:xfrm>
+            <a:off x="6569835" y="3553931"/>
+            <a:ext cx="1534731" cy="646114"/>
+          </a:xfrm>
+          <a:prstGeom prst="rect">
+            <a:avLst/>
+          </a:prstGeom>
+        </p:spPr>
+        <p:style>
+          <a:lnRef idx="2">
+            <a:schemeClr val="dk1"/>
+          </a:lnRef>
+          <a:fillRef idx="1">
+            <a:schemeClr val="lt1"/>
+          </a:fillRef>
+          <a:effectRef idx="0">
+            <a:schemeClr val="dk1"/>
+          </a:effectRef>
+          <a:fontRef idx="minor">
+            <a:schemeClr val="dk1"/>
+          </a:fontRef>
+        </p:style>
+        <p:txBody>
+          <a:bodyPr rtlCol="0" anchor="ctr"/>
+          <a:lstStyle/>
+          <a:p>
+            <a:pPr algn="ctr"/>
+            <a:r>
+              <a:rPr lang="en-US" altLang="ko-KR" smtClean="0"/>
+              <a:t>FFT</a:t>
+            </a:r>
+            <a:r>
+              <a:rPr lang="ko-KR" altLang="en-US" smtClean="0"/>
+              <a:t>전송완료</a:t>
+            </a:r>
+            <a:endParaRPr lang="ko-KR" altLang="en-US"/>
+          </a:p>
+        </p:txBody>
+      </p:sp>
+      <p:sp>
+        <p:nvSpPr>
+          <p:cNvPr id="14" name="직사각형 13"/>
+          <p:cNvSpPr/>
+          <p:nvPr/>
+        </p:nvSpPr>
+        <p:spPr>
+          <a:xfrm>
+            <a:off x="1251932" y="3546138"/>
+            <a:ext cx="1295401" cy="646112"/>
+          </a:xfrm>
+          <a:prstGeom prst="rect">
+            <a:avLst/>
+          </a:prstGeom>
+        </p:spPr>
+        <p:style>
+          <a:lnRef idx="2">
+            <a:schemeClr val="dk1"/>
+          </a:lnRef>
+          <a:fillRef idx="1">
+            <a:schemeClr val="lt1"/>
+          </a:fillRef>
+          <a:effectRef idx="0">
+            <a:schemeClr val="dk1"/>
+          </a:effectRef>
+          <a:fontRef idx="minor">
+            <a:schemeClr val="dk1"/>
+          </a:fontRef>
+        </p:style>
+        <p:txBody>
+          <a:bodyPr rtlCol="0" anchor="ctr"/>
+          <a:lstStyle/>
+          <a:p>
+            <a:pPr algn="ctr"/>
+            <a:r>
+              <a:rPr lang="ko-KR" altLang="en-US" smtClean="0"/>
+              <a:t>장치연결</a:t>
+            </a:r>
+            <a:endParaRPr lang="ko-KR" altLang="en-US"/>
+          </a:p>
+        </p:txBody>
+      </p:sp>
+      <p:sp>
+        <p:nvSpPr>
+          <p:cNvPr id="15" name="직사각형 14"/>
+          <p:cNvSpPr/>
+          <p:nvPr/>
+        </p:nvSpPr>
+        <p:spPr>
+          <a:xfrm>
+            <a:off x="3705359" y="1754478"/>
+            <a:ext cx="1378039" cy="631064"/>
+          </a:xfrm>
+          <a:prstGeom prst="rect">
+            <a:avLst/>
+          </a:prstGeom>
+        </p:spPr>
+        <p:style>
+          <a:lnRef idx="2">
+            <a:schemeClr val="dk1"/>
+          </a:lnRef>
+          <a:fillRef idx="1">
+            <a:schemeClr val="lt1"/>
+          </a:fillRef>
+          <a:effectRef idx="0">
+            <a:schemeClr val="dk1"/>
+          </a:effectRef>
+          <a:fontRef idx="minor">
+            <a:schemeClr val="dk1"/>
+          </a:fontRef>
+        </p:style>
+        <p:txBody>
+          <a:bodyPr rtlCol="0" anchor="ctr"/>
+          <a:lstStyle/>
+          <a:p>
+            <a:pPr algn="ctr"/>
+            <a:r>
+              <a:rPr lang="en-US" altLang="ko-KR" smtClean="0"/>
+              <a:t>SET =1</a:t>
+            </a:r>
+            <a:endParaRPr lang="ko-KR" altLang="en-US"/>
+          </a:p>
+        </p:txBody>
+      </p:sp>
+      <p:sp>
+        <p:nvSpPr>
+          <p:cNvPr id="16" name="순서도: 판단 15"/>
+          <p:cNvSpPr/>
+          <p:nvPr/>
+        </p:nvSpPr>
+        <p:spPr>
+          <a:xfrm>
+            <a:off x="1088264" y="2639632"/>
+            <a:ext cx="1622738" cy="531235"/>
+          </a:xfrm>
+          <a:prstGeom prst="flowChartDecision">
+            <a:avLst/>
+          </a:prstGeom>
+        </p:spPr>
+        <p:style>
+          <a:lnRef idx="2">
+            <a:schemeClr val="accent1">
+              <a:shade val="50000"/>
+            </a:schemeClr>
+          </a:lnRef>
+          <a:fillRef idx="1">
+            <a:schemeClr val="accent1"/>
+          </a:fillRef>
+          <a:effectRef idx="0">
+            <a:schemeClr val="accent1"/>
+          </a:effectRef>
+          <a:fontRef idx="minor">
+            <a:schemeClr val="lt1"/>
+          </a:fontRef>
+        </p:style>
+        <p:txBody>
+          <a:bodyPr rtlCol="0" anchor="ctr"/>
+          <a:lstStyle/>
+          <a:p>
+            <a:pPr algn="ctr"/>
+            <a:r>
+              <a:rPr lang="en-US" altLang="ko-KR" sz="1600" smtClean="0"/>
+              <a:t>SET=1</a:t>
+            </a:r>
+            <a:endParaRPr lang="ko-KR" altLang="en-US" sz="1600"/>
+          </a:p>
+        </p:txBody>
+      </p:sp>
+      <p:sp>
+        <p:nvSpPr>
+          <p:cNvPr id="20" name="직사각형 19"/>
+          <p:cNvSpPr/>
+          <p:nvPr/>
+        </p:nvSpPr>
+        <p:spPr>
+          <a:xfrm>
+            <a:off x="3185120" y="3553931"/>
+            <a:ext cx="1030308" cy="646111"/>
+          </a:xfrm>
+          <a:prstGeom prst="rect">
+            <a:avLst/>
+          </a:prstGeom>
+        </p:spPr>
+        <p:style>
+          <a:lnRef idx="2">
+            <a:schemeClr val="dk1"/>
+          </a:lnRef>
+          <a:fillRef idx="1">
+            <a:schemeClr val="lt1"/>
+          </a:fillRef>
+          <a:effectRef idx="0">
+            <a:schemeClr val="dk1"/>
+          </a:effectRef>
+          <a:fontRef idx="minor">
+            <a:schemeClr val="dk1"/>
+          </a:fontRef>
+        </p:style>
+        <p:txBody>
+          <a:bodyPr rtlCol="0" anchor="ctr"/>
+          <a:lstStyle/>
+          <a:p>
+            <a:pPr algn="ctr"/>
+            <a:r>
+              <a:rPr lang="en-US" altLang="ko-KR" smtClean="0"/>
+              <a:t>START</a:t>
+            </a:r>
+            <a:endParaRPr lang="ko-KR" altLang="en-US"/>
+          </a:p>
+        </p:txBody>
+      </p:sp>
+      <p:sp>
+        <p:nvSpPr>
+          <p:cNvPr id="21" name="직사각형 20"/>
+          <p:cNvSpPr/>
+          <p:nvPr/>
+        </p:nvSpPr>
+        <p:spPr>
+          <a:xfrm>
+            <a:off x="4770550" y="3553931"/>
+            <a:ext cx="1030307" cy="646111"/>
+          </a:xfrm>
+          <a:prstGeom prst="rect">
+            <a:avLst/>
+          </a:prstGeom>
+        </p:spPr>
+        <p:style>
+          <a:lnRef idx="2">
+            <a:schemeClr val="dk1"/>
+          </a:lnRef>
+          <a:fillRef idx="1">
+            <a:schemeClr val="lt1"/>
+          </a:fillRef>
+          <a:effectRef idx="0">
+            <a:schemeClr val="dk1"/>
+          </a:effectRef>
+          <a:fontRef idx="minor">
+            <a:schemeClr val="dk1"/>
+          </a:fontRef>
+        </p:style>
+        <p:txBody>
+          <a:bodyPr rtlCol="0" anchor="ctr"/>
+          <a:lstStyle/>
+          <a:p>
+            <a:pPr algn="ctr"/>
+            <a:r>
+              <a:rPr lang="en-US" altLang="ko-KR" smtClean="0"/>
+              <a:t>PAUSE</a:t>
+            </a:r>
+            <a:endParaRPr lang="ko-KR" altLang="en-US"/>
+          </a:p>
+        </p:txBody>
+      </p:sp>
+      <p:sp>
+        <p:nvSpPr>
+          <p:cNvPr id="24" name="직사각형 23"/>
+          <p:cNvSpPr/>
+          <p:nvPr/>
+        </p:nvSpPr>
+        <p:spPr>
+          <a:xfrm>
+            <a:off x="3185120" y="2590152"/>
+            <a:ext cx="1030308" cy="646111"/>
+          </a:xfrm>
+          <a:prstGeom prst="rect">
+            <a:avLst/>
+          </a:prstGeom>
+        </p:spPr>
+        <p:style>
+          <a:lnRef idx="2">
+            <a:schemeClr val="dk1"/>
+          </a:lnRef>
+          <a:fillRef idx="1">
+            <a:schemeClr val="lt1"/>
+          </a:fillRef>
+          <a:effectRef idx="0">
+            <a:schemeClr val="dk1"/>
+          </a:effectRef>
+          <a:fontRef idx="minor">
+            <a:schemeClr val="dk1"/>
+          </a:fontRef>
+        </p:style>
+        <p:txBody>
+          <a:bodyPr rtlCol="0" anchor="ctr"/>
+          <a:lstStyle/>
+          <a:p>
+            <a:pPr algn="ctr"/>
+            <a:r>
+              <a:rPr lang="ko-KR" altLang="en-US" smtClean="0"/>
+              <a:t>재생</a:t>
+            </a:r>
+            <a:endParaRPr lang="ko-KR" altLang="en-US"/>
+          </a:p>
+        </p:txBody>
+      </p:sp>
+      <p:sp>
+        <p:nvSpPr>
+          <p:cNvPr id="25" name="직사각형 24"/>
+          <p:cNvSpPr/>
+          <p:nvPr/>
+        </p:nvSpPr>
+        <p:spPr>
+          <a:xfrm>
+            <a:off x="4770549" y="2590152"/>
+            <a:ext cx="1030308" cy="646111"/>
+          </a:xfrm>
+          <a:prstGeom prst="rect">
+            <a:avLst/>
+          </a:prstGeom>
+        </p:spPr>
+        <p:style>
+          <a:lnRef idx="2">
+            <a:schemeClr val="dk1"/>
+          </a:lnRef>
+          <a:fillRef idx="1">
+            <a:schemeClr val="lt1"/>
+          </a:fillRef>
+          <a:effectRef idx="0">
+            <a:schemeClr val="dk1"/>
+          </a:effectRef>
+          <a:fontRef idx="minor">
+            <a:schemeClr val="dk1"/>
+          </a:fontRef>
+        </p:style>
+        <p:txBody>
+          <a:bodyPr rtlCol="0" anchor="ctr"/>
+          <a:lstStyle/>
+          <a:p>
+            <a:pPr algn="ctr"/>
+            <a:r>
+              <a:rPr lang="ko-KR" altLang="en-US" smtClean="0"/>
+              <a:t>중지</a:t>
+            </a:r>
+            <a:endParaRPr lang="ko-KR" altLang="en-US"/>
+          </a:p>
+        </p:txBody>
+      </p:sp>
+      <p:sp>
+        <p:nvSpPr>
+          <p:cNvPr id="27" name="직사각형 26"/>
+          <p:cNvSpPr/>
+          <p:nvPr/>
+        </p:nvSpPr>
+        <p:spPr>
+          <a:xfrm>
+            <a:off x="2356834" y="4871164"/>
+            <a:ext cx="8783392" cy="1748577"/>
+          </a:xfrm>
+          <a:prstGeom prst="rect">
+            <a:avLst/>
+          </a:prstGeom>
+        </p:spPr>
+        <p:style>
+          <a:lnRef idx="2">
+            <a:schemeClr val="accent1">
+              <a:shade val="50000"/>
+            </a:schemeClr>
+          </a:lnRef>
+          <a:fillRef idx="1">
+            <a:schemeClr val="accent1"/>
+          </a:fillRef>
+          <a:effectRef idx="0">
+            <a:schemeClr val="accent1"/>
+          </a:effectRef>
+          <a:fontRef idx="minor">
+            <a:schemeClr val="lt1"/>
+          </a:fontRef>
+        </p:style>
+        <p:txBody>
+          <a:bodyPr rtlCol="0" anchor="ctr"/>
+          <a:lstStyle/>
+          <a:p>
+            <a:pPr algn="ctr"/>
+            <a:endParaRPr lang="ko-KR" altLang="en-US"/>
+          </a:p>
+        </p:txBody>
+      </p:sp>
+      <p:sp>
+        <p:nvSpPr>
+          <p:cNvPr id="28" name="직사각형 27"/>
+          <p:cNvSpPr/>
+          <p:nvPr/>
+        </p:nvSpPr>
+        <p:spPr>
+          <a:xfrm>
+            <a:off x="8870323" y="5386364"/>
+            <a:ext cx="1534731" cy="417785"/>
+          </a:xfrm>
+          <a:prstGeom prst="rect">
+            <a:avLst/>
+          </a:prstGeom>
+        </p:spPr>
+        <p:style>
+          <a:lnRef idx="2">
+            <a:schemeClr val="dk1"/>
+          </a:lnRef>
+          <a:fillRef idx="1">
+            <a:schemeClr val="lt1"/>
+          </a:fillRef>
+          <a:effectRef idx="0">
+            <a:schemeClr val="dk1"/>
+          </a:effectRef>
+          <a:fontRef idx="minor">
+            <a:schemeClr val="dk1"/>
+          </a:fontRef>
+        </p:style>
+        <p:txBody>
+          <a:bodyPr rtlCol="0" anchor="ctr"/>
+          <a:lstStyle/>
+          <a:p>
+            <a:pPr algn="ctr"/>
+            <a:r>
+              <a:rPr lang="ko-KR" altLang="en-US" smtClean="0"/>
+              <a:t>배열값 </a:t>
+            </a:r>
+            <a:r>
+              <a:rPr lang="en-US" altLang="ko-KR" smtClean="0"/>
+              <a:t>read</a:t>
+            </a:r>
+            <a:endParaRPr lang="ko-KR" altLang="en-US"/>
+          </a:p>
+        </p:txBody>
+      </p:sp>
+      <p:sp>
+        <p:nvSpPr>
+          <p:cNvPr id="29" name="직사각형 28"/>
+          <p:cNvSpPr/>
+          <p:nvPr/>
+        </p:nvSpPr>
+        <p:spPr>
+          <a:xfrm>
+            <a:off x="8870323" y="5972211"/>
+            <a:ext cx="1534731" cy="417785"/>
+          </a:xfrm>
+          <a:prstGeom prst="rect">
+            <a:avLst/>
+          </a:prstGeom>
+        </p:spPr>
+        <p:style>
+          <a:lnRef idx="2">
+            <a:schemeClr val="dk1"/>
+          </a:lnRef>
+          <a:fillRef idx="1">
+            <a:schemeClr val="lt1"/>
+          </a:fillRef>
+          <a:effectRef idx="0">
+            <a:schemeClr val="dk1"/>
+          </a:effectRef>
+          <a:fontRef idx="minor">
+            <a:schemeClr val="dk1"/>
+          </a:fontRef>
+        </p:style>
+        <p:txBody>
+          <a:bodyPr rtlCol="0" anchor="ctr"/>
+          <a:lstStyle/>
+          <a:p>
+            <a:pPr algn="ctr"/>
+            <a:r>
+              <a:rPr lang="ko-KR" altLang="en-US" smtClean="0"/>
+              <a:t>배열값 복사</a:t>
+            </a:r>
+            <a:endParaRPr lang="ko-KR" altLang="en-US"/>
+          </a:p>
+        </p:txBody>
+      </p:sp>
+      <p:sp>
+        <p:nvSpPr>
+          <p:cNvPr id="30" name="직사각형 29"/>
+          <p:cNvSpPr/>
+          <p:nvPr/>
+        </p:nvSpPr>
+        <p:spPr>
+          <a:xfrm>
+            <a:off x="6548364" y="5691849"/>
+            <a:ext cx="1669426" cy="417785"/>
+          </a:xfrm>
+          <a:prstGeom prst="rect">
+            <a:avLst/>
+          </a:prstGeom>
+        </p:spPr>
+        <p:style>
+          <a:lnRef idx="2">
+            <a:schemeClr val="dk1"/>
+          </a:lnRef>
+          <a:fillRef idx="1">
+            <a:schemeClr val="lt1"/>
+          </a:fillRef>
+          <a:effectRef idx="0">
+            <a:schemeClr val="dk1"/>
+          </a:effectRef>
+          <a:fontRef idx="minor">
+            <a:schemeClr val="dk1"/>
+          </a:fontRef>
+        </p:style>
+        <p:txBody>
+          <a:bodyPr rtlCol="0" anchor="ctr"/>
+          <a:lstStyle/>
+          <a:p>
+            <a:pPr algn="ctr"/>
+            <a:r>
+              <a:rPr lang="ko-KR" altLang="en-US" smtClean="0"/>
+              <a:t>전송완료신호</a:t>
+            </a:r>
+            <a:endParaRPr lang="ko-KR" altLang="en-US"/>
+          </a:p>
+        </p:txBody>
+      </p:sp>
+      <p:sp>
+        <p:nvSpPr>
+          <p:cNvPr id="31" name="직사각형 30"/>
+          <p:cNvSpPr/>
+          <p:nvPr/>
+        </p:nvSpPr>
+        <p:spPr>
+          <a:xfrm>
+            <a:off x="2547333" y="4984124"/>
+            <a:ext cx="3776194" cy="1457927"/>
+          </a:xfrm>
+          <a:prstGeom prst="rect">
+            <a:avLst/>
+          </a:prstGeom>
+        </p:spPr>
+        <p:style>
+          <a:lnRef idx="2">
+            <a:schemeClr val="dk1"/>
+          </a:lnRef>
+          <a:fillRef idx="1">
+            <a:schemeClr val="lt1"/>
+          </a:fillRef>
+          <a:effectRef idx="0">
+            <a:schemeClr val="dk1"/>
+          </a:effectRef>
+          <a:fontRef idx="minor">
+            <a:schemeClr val="dk1"/>
+          </a:fontRef>
+        </p:style>
+        <p:txBody>
+          <a:bodyPr rtlCol="0" anchor="ctr"/>
+          <a:lstStyle/>
+          <a:p>
+            <a:r>
+              <a:rPr lang="en-US" altLang="ko-KR" sz="1600" smtClean="0"/>
+              <a:t>for(i=n;i&lt;600;i++){</a:t>
+            </a:r>
+          </a:p>
+          <a:p>
+            <a:r>
+              <a:rPr lang="en-US" altLang="ko-KR" sz="1600" smtClean="0"/>
+              <a:t>  for(j=0;j&lt;5;j++){</a:t>
+            </a:r>
+          </a:p>
+          <a:p>
+            <a:r>
+              <a:rPr lang="en-US" altLang="ko-KR" sz="1600" smtClean="0"/>
+              <a:t>   if(array[i][j]==1) turn on(red);</a:t>
+            </a:r>
+          </a:p>
+          <a:p>
+            <a:r>
+              <a:rPr lang="en-US" altLang="ko-KR" sz="1600"/>
+              <a:t> </a:t>
+            </a:r>
+            <a:r>
+              <a:rPr lang="en-US" altLang="ko-KR" sz="1600" smtClean="0"/>
+              <a:t> else if(arrary[i][j]==2) turn on(green);</a:t>
+            </a:r>
+          </a:p>
+          <a:p>
+            <a:r>
+              <a:rPr lang="en-US" altLang="ko-KR" sz="1600" smtClean="0"/>
+              <a:t>  else turn on(blue); }}</a:t>
+            </a:r>
+            <a:endParaRPr lang="ko-KR" altLang="en-US" sz="1600"/>
+          </a:p>
+        </p:txBody>
+      </p:sp>
+      <p:sp>
+        <p:nvSpPr>
+          <p:cNvPr id="32" name="폭발 1 31"/>
+          <p:cNvSpPr/>
+          <p:nvPr/>
+        </p:nvSpPr>
+        <p:spPr>
+          <a:xfrm>
+            <a:off x="480808" y="5188113"/>
+            <a:ext cx="1223493" cy="1096779"/>
+          </a:xfrm>
+          <a:prstGeom prst="irregularSeal1">
+            <a:avLst/>
+          </a:prstGeom>
+        </p:spPr>
+        <p:style>
+          <a:lnRef idx="2">
+            <a:schemeClr val="accent1">
+              <a:shade val="50000"/>
+            </a:schemeClr>
+          </a:lnRef>
+          <a:fillRef idx="1">
+            <a:schemeClr val="accent1"/>
+          </a:fillRef>
+          <a:effectRef idx="0">
+            <a:schemeClr val="accent1"/>
+          </a:effectRef>
+          <a:fontRef idx="minor">
+            <a:schemeClr val="lt1"/>
+          </a:fontRef>
+        </p:style>
+        <p:txBody>
+          <a:bodyPr rtlCol="0" anchor="ctr"/>
+          <a:lstStyle/>
+          <a:p>
+            <a:pPr algn="ctr"/>
+            <a:endParaRPr lang="ko-KR" altLang="en-US"/>
+          </a:p>
+        </p:txBody>
+      </p:sp>
+    </p:spTree>
+    <p:extLst>
+      <p:ext uri="{BB962C8B-B14F-4D97-AF65-F5344CB8AC3E}">
+        <p14:creationId xmlns:p14="http://schemas.microsoft.com/office/powerpoint/2010/main" val="2713518494"/>
+      </p:ext>
+    </p:extLst>
+  </p:cSld>
+  <p:clrMapOvr>
+    <a:masterClrMapping/>
+  </p:clrMapOvr>
+  <p:timing>
+    <p:tnLst>
+      <p:par>
+        <p:cTn id="1" dur="indefinite" restart="never" nodeType="tmRoot"/>
+      </p:par>
+    </p:tnLst>
+  </p:timing>
+</p:sld>
+</file>
+
 <file path=ppt/theme/theme1.xml><?xml version="1.0" encoding="utf-8"?>
 <a:theme xmlns:a="http://schemas.openxmlformats.org/drawingml/2006/main" name="Office 테마">
   <a:themeElements>

--- a/자료/수정용/안드로이드블록다이어그램.pptx
+++ b/자료/수정용/안드로이드블록다이어그램.pptx
@@ -244,7 +244,7 @@
           <a:p>
             <a:fld id="{3472C40B-9F89-483B-A6AF-7954C33CEF76}" type="datetimeFigureOut">
               <a:rPr lang="ko-KR" altLang="en-US" smtClean="0"/>
-              <a:t>2016-04-26</a:t>
+              <a:t>2016-05-02</a:t>
             </a:fld>
             <a:endParaRPr lang="ko-KR" altLang="en-US"/>
           </a:p>
@@ -414,7 +414,7 @@
           <a:p>
             <a:fld id="{3472C40B-9F89-483B-A6AF-7954C33CEF76}" type="datetimeFigureOut">
               <a:rPr lang="ko-KR" altLang="en-US" smtClean="0"/>
-              <a:t>2016-04-26</a:t>
+              <a:t>2016-05-02</a:t>
             </a:fld>
             <a:endParaRPr lang="ko-KR" altLang="en-US"/>
           </a:p>
@@ -594,7 +594,7 @@
           <a:p>
             <a:fld id="{3472C40B-9F89-483B-A6AF-7954C33CEF76}" type="datetimeFigureOut">
               <a:rPr lang="ko-KR" altLang="en-US" smtClean="0"/>
-              <a:t>2016-04-26</a:t>
+              <a:t>2016-05-02</a:t>
             </a:fld>
             <a:endParaRPr lang="ko-KR" altLang="en-US"/>
           </a:p>
@@ -764,7 +764,7 @@
           <a:p>
             <a:fld id="{3472C40B-9F89-483B-A6AF-7954C33CEF76}" type="datetimeFigureOut">
               <a:rPr lang="ko-KR" altLang="en-US" smtClean="0"/>
-              <a:t>2016-04-26</a:t>
+              <a:t>2016-05-02</a:t>
             </a:fld>
             <a:endParaRPr lang="ko-KR" altLang="en-US"/>
           </a:p>
@@ -1010,7 +1010,7 @@
           <a:p>
             <a:fld id="{3472C40B-9F89-483B-A6AF-7954C33CEF76}" type="datetimeFigureOut">
               <a:rPr lang="ko-KR" altLang="en-US" smtClean="0"/>
-              <a:t>2016-04-26</a:t>
+              <a:t>2016-05-02</a:t>
             </a:fld>
             <a:endParaRPr lang="ko-KR" altLang="en-US"/>
           </a:p>
@@ -1242,7 +1242,7 @@
           <a:p>
             <a:fld id="{3472C40B-9F89-483B-A6AF-7954C33CEF76}" type="datetimeFigureOut">
               <a:rPr lang="ko-KR" altLang="en-US" smtClean="0"/>
-              <a:t>2016-04-26</a:t>
+              <a:t>2016-05-02</a:t>
             </a:fld>
             <a:endParaRPr lang="ko-KR" altLang="en-US"/>
           </a:p>
@@ -1609,7 +1609,7 @@
           <a:p>
             <a:fld id="{3472C40B-9F89-483B-A6AF-7954C33CEF76}" type="datetimeFigureOut">
               <a:rPr lang="ko-KR" altLang="en-US" smtClean="0"/>
-              <a:t>2016-04-26</a:t>
+              <a:t>2016-05-02</a:t>
             </a:fld>
             <a:endParaRPr lang="ko-KR" altLang="en-US"/>
           </a:p>
@@ -1727,7 +1727,7 @@
           <a:p>
             <a:fld id="{3472C40B-9F89-483B-A6AF-7954C33CEF76}" type="datetimeFigureOut">
               <a:rPr lang="ko-KR" altLang="en-US" smtClean="0"/>
-              <a:t>2016-04-26</a:t>
+              <a:t>2016-05-02</a:t>
             </a:fld>
             <a:endParaRPr lang="ko-KR" altLang="en-US"/>
           </a:p>
@@ -1822,7 +1822,7 @@
           <a:p>
             <a:fld id="{3472C40B-9F89-483B-A6AF-7954C33CEF76}" type="datetimeFigureOut">
               <a:rPr lang="ko-KR" altLang="en-US" smtClean="0"/>
-              <a:t>2016-04-26</a:t>
+              <a:t>2016-05-02</a:t>
             </a:fld>
             <a:endParaRPr lang="ko-KR" altLang="en-US"/>
           </a:p>
@@ -2099,7 +2099,7 @@
           <a:p>
             <a:fld id="{3472C40B-9F89-483B-A6AF-7954C33CEF76}" type="datetimeFigureOut">
               <a:rPr lang="ko-KR" altLang="en-US" smtClean="0"/>
-              <a:t>2016-04-26</a:t>
+              <a:t>2016-05-02</a:t>
             </a:fld>
             <a:endParaRPr lang="ko-KR" altLang="en-US"/>
           </a:p>
@@ -2352,7 +2352,7 @@
           <a:p>
             <a:fld id="{3472C40B-9F89-483B-A6AF-7954C33CEF76}" type="datetimeFigureOut">
               <a:rPr lang="ko-KR" altLang="en-US" smtClean="0"/>
-              <a:t>2016-04-26</a:t>
+              <a:t>2016-05-02</a:t>
             </a:fld>
             <a:endParaRPr lang="ko-KR" altLang="en-US"/>
           </a:p>
@@ -2565,7 +2565,7 @@
           <a:p>
             <a:fld id="{3472C40B-9F89-483B-A6AF-7954C33CEF76}" type="datetimeFigureOut">
               <a:rPr lang="ko-KR" altLang="en-US" smtClean="0"/>
-              <a:t>2016-04-26</a:t>
+              <a:t>2016-05-02</a:t>
             </a:fld>
             <a:endParaRPr lang="ko-KR" altLang="en-US"/>
           </a:p>
@@ -4280,30 +4280,33 @@
       </p:grpSpPr>
       <p:sp>
         <p:nvSpPr>
-          <p:cNvPr id="23" name="직사각형 22"/>
+          <p:cNvPr id="59" name="직사각형 58"/>
           <p:cNvSpPr/>
           <p:nvPr/>
         </p:nvSpPr>
         <p:spPr>
           <a:xfrm>
-            <a:off x="759854" y="142720"/>
-            <a:ext cx="10380372" cy="4403523"/>
+            <a:off x="682580" y="489397"/>
+            <a:ext cx="10457646" cy="4082603"/>
           </a:xfrm>
           <a:prstGeom prst="rect">
             <a:avLst/>
           </a:prstGeom>
-        </p:spPr>
-        <p:style>
-          <a:lnRef idx="2">
-            <a:schemeClr val="accent4">
-              <a:shade val="50000"/>
+          <a:solidFill>
+            <a:schemeClr val="bg1">
+              <a:lumMod val="85000"/>
             </a:schemeClr>
-          </a:lnRef>
-          <a:fillRef idx="1">
-            <a:schemeClr val="accent4"/>
-          </a:fillRef>
-          <a:effectRef idx="0">
-            <a:schemeClr val="accent4"/>
+          </a:solidFill>
+        </p:spPr>
+        <p:style>
+          <a:lnRef idx="0">
+            <a:schemeClr val="accent3"/>
+          </a:lnRef>
+          <a:fillRef idx="3">
+            <a:schemeClr val="accent3"/>
+          </a:fillRef>
+          <a:effectRef idx="3">
+            <a:schemeClr val="accent3"/>
           </a:effectRef>
           <a:fontRef idx="minor">
             <a:schemeClr val="lt1"/>
@@ -4332,15 +4335,18 @@
           <a:prstGeom prst="rect">
             <a:avLst/>
           </a:prstGeom>
-        </p:spPr>
-        <p:style>
-          <a:lnRef idx="3">
-            <a:schemeClr val="lt1"/>
-          </a:lnRef>
-          <a:fillRef idx="1">
+          <a:solidFill>
+            <a:srgbClr val="CC0099"/>
+          </a:solidFill>
+        </p:spPr>
+        <p:style>
+          <a:lnRef idx="0">
             <a:schemeClr val="accent6"/>
-          </a:fillRef>
-          <a:effectRef idx="1">
+          </a:lnRef>
+          <a:fillRef idx="3">
+            <a:schemeClr val="accent6"/>
+          </a:fillRef>
+          <a:effectRef idx="3">
             <a:schemeClr val="accent6"/>
           </a:effectRef>
           <a:fontRef idx="minor">
@@ -4372,6 +4378,2377 @@
           </a:prstGeom>
         </p:spPr>
         <p:style>
+          <a:lnRef idx="0">
+            <a:schemeClr val="accent2"/>
+          </a:lnRef>
+          <a:fillRef idx="3">
+            <a:schemeClr val="accent2"/>
+          </a:fillRef>
+          <a:effectRef idx="3">
+            <a:schemeClr val="accent2"/>
+          </a:effectRef>
+          <a:fontRef idx="minor">
+            <a:schemeClr val="lt1"/>
+          </a:fontRef>
+        </p:style>
+        <p:txBody>
+          <a:bodyPr rtlCol="0" anchor="ctr"/>
+          <a:lstStyle/>
+          <a:p>
+            <a:pPr algn="ctr"/>
+            <a:r>
+              <a:rPr lang="en-US" altLang="ko-KR" smtClean="0"/>
+              <a:t>SD</a:t>
+            </a:r>
+            <a:r>
+              <a:rPr lang="ko-KR" altLang="en-US" smtClean="0"/>
+              <a:t>카드</a:t>
+            </a:r>
+            <a:endParaRPr lang="ko-KR" altLang="en-US"/>
+          </a:p>
+        </p:txBody>
+      </p:sp>
+      <p:sp>
+        <p:nvSpPr>
+          <p:cNvPr id="8" name="직사각형 7"/>
+          <p:cNvSpPr/>
+          <p:nvPr/>
+        </p:nvSpPr>
+        <p:spPr>
+          <a:xfrm>
+            <a:off x="1210614" y="1754478"/>
+            <a:ext cx="1378039" cy="631064"/>
+          </a:xfrm>
+          <a:prstGeom prst="rect">
+            <a:avLst/>
+          </a:prstGeom>
+        </p:spPr>
+        <p:style>
+          <a:lnRef idx="0">
+            <a:schemeClr val="accent4"/>
+          </a:lnRef>
+          <a:fillRef idx="3">
+            <a:schemeClr val="accent4"/>
+          </a:fillRef>
+          <a:effectRef idx="3">
+            <a:schemeClr val="accent4"/>
+          </a:effectRef>
+          <a:fontRef idx="minor">
+            <a:schemeClr val="lt1"/>
+          </a:fontRef>
+        </p:style>
+        <p:txBody>
+          <a:bodyPr rtlCol="0" anchor="ctr"/>
+          <a:lstStyle/>
+          <a:p>
+            <a:pPr algn="ctr"/>
+            <a:r>
+              <a:rPr lang="ko-KR" altLang="en-US" smtClean="0"/>
+              <a:t>재생화면</a:t>
+            </a:r>
+            <a:endParaRPr lang="ko-KR" altLang="en-US"/>
+          </a:p>
+        </p:txBody>
+      </p:sp>
+      <p:sp>
+        <p:nvSpPr>
+          <p:cNvPr id="9" name="직사각형 8"/>
+          <p:cNvSpPr/>
+          <p:nvPr/>
+        </p:nvSpPr>
+        <p:spPr>
+          <a:xfrm>
+            <a:off x="3705359" y="798490"/>
+            <a:ext cx="1378039" cy="631065"/>
+          </a:xfrm>
+          <a:prstGeom prst="rect">
+            <a:avLst/>
+          </a:prstGeom>
+        </p:spPr>
+        <p:style>
+          <a:lnRef idx="0">
+            <a:schemeClr val="accent6"/>
+          </a:lnRef>
+          <a:fillRef idx="3">
+            <a:schemeClr val="accent6"/>
+          </a:fillRef>
+          <a:effectRef idx="3">
+            <a:schemeClr val="accent6"/>
+          </a:effectRef>
+          <a:fontRef idx="minor">
+            <a:schemeClr val="lt1"/>
+          </a:fontRef>
+        </p:style>
+        <p:txBody>
+          <a:bodyPr rtlCol="0" anchor="ctr"/>
+          <a:lstStyle/>
+          <a:p>
+            <a:pPr algn="ctr"/>
+            <a:r>
+              <a:rPr lang="ko-KR" altLang="en-US" smtClean="0"/>
+              <a:t>음악목록</a:t>
+            </a:r>
+            <a:endParaRPr lang="ko-KR" altLang="en-US"/>
+          </a:p>
+        </p:txBody>
+      </p:sp>
+      <p:sp>
+        <p:nvSpPr>
+          <p:cNvPr id="10" name="직사각형 9"/>
+          <p:cNvSpPr/>
+          <p:nvPr/>
+        </p:nvSpPr>
+        <p:spPr>
+          <a:xfrm>
+            <a:off x="6200104" y="798490"/>
+            <a:ext cx="1378039" cy="631065"/>
+          </a:xfrm>
+          <a:prstGeom prst="rect">
+            <a:avLst/>
+          </a:prstGeom>
+        </p:spPr>
+        <p:style>
+          <a:lnRef idx="0">
+            <a:schemeClr val="accent6"/>
+          </a:lnRef>
+          <a:fillRef idx="3">
+            <a:schemeClr val="accent6"/>
+          </a:fillRef>
+          <a:effectRef idx="3">
+            <a:schemeClr val="accent6"/>
+          </a:effectRef>
+          <a:fontRef idx="minor">
+            <a:schemeClr val="lt1"/>
+          </a:fontRef>
+        </p:style>
+        <p:txBody>
+          <a:bodyPr rtlCol="0" anchor="ctr"/>
+          <a:lstStyle/>
+          <a:p>
+            <a:pPr algn="ctr"/>
+            <a:r>
+              <a:rPr lang="ko-KR" altLang="en-US" smtClean="0"/>
+              <a:t>노래선택</a:t>
+            </a:r>
+            <a:endParaRPr lang="ko-KR" altLang="en-US"/>
+          </a:p>
+        </p:txBody>
+      </p:sp>
+      <p:sp>
+        <p:nvSpPr>
+          <p:cNvPr id="11" name="직사각형 10"/>
+          <p:cNvSpPr/>
+          <p:nvPr/>
+        </p:nvSpPr>
+        <p:spPr>
+          <a:xfrm>
+            <a:off x="8873544" y="798490"/>
+            <a:ext cx="1378039" cy="631064"/>
+          </a:xfrm>
+          <a:prstGeom prst="rect">
+            <a:avLst/>
+          </a:prstGeom>
+        </p:spPr>
+        <p:style>
+          <a:lnRef idx="0">
+            <a:schemeClr val="accent6"/>
+          </a:lnRef>
+          <a:fillRef idx="3">
+            <a:schemeClr val="accent6"/>
+          </a:fillRef>
+          <a:effectRef idx="3">
+            <a:schemeClr val="accent6"/>
+          </a:effectRef>
+          <a:fontRef idx="minor">
+            <a:schemeClr val="lt1"/>
+          </a:fontRef>
+        </p:style>
+        <p:txBody>
+          <a:bodyPr rtlCol="0" anchor="ctr"/>
+          <a:lstStyle/>
+          <a:p>
+            <a:pPr algn="ctr"/>
+            <a:r>
+              <a:rPr lang="en-US" altLang="ko-KR" smtClean="0"/>
+              <a:t>FFT</a:t>
+            </a:r>
+            <a:r>
+              <a:rPr lang="ko-KR" altLang="en-US" smtClean="0"/>
+              <a:t>변환</a:t>
+            </a:r>
+            <a:endParaRPr lang="ko-KR" altLang="en-US"/>
+          </a:p>
+        </p:txBody>
+      </p:sp>
+      <p:sp>
+        <p:nvSpPr>
+          <p:cNvPr id="12" name="직사각형 11"/>
+          <p:cNvSpPr/>
+          <p:nvPr/>
+        </p:nvSpPr>
+        <p:spPr>
+          <a:xfrm>
+            <a:off x="8873544" y="3553931"/>
+            <a:ext cx="1435992" cy="646114"/>
+          </a:xfrm>
+          <a:prstGeom prst="rect">
+            <a:avLst/>
+          </a:prstGeom>
+        </p:spPr>
+        <p:style>
+          <a:lnRef idx="0">
+            <a:schemeClr val="accent5"/>
+          </a:lnRef>
+          <a:fillRef idx="3">
+            <a:schemeClr val="accent5"/>
+          </a:fillRef>
+          <a:effectRef idx="3">
+            <a:schemeClr val="accent5"/>
+          </a:effectRef>
+          <a:fontRef idx="minor">
+            <a:schemeClr val="lt1"/>
+          </a:fontRef>
+        </p:style>
+        <p:txBody>
+          <a:bodyPr rtlCol="0" anchor="ctr"/>
+          <a:lstStyle/>
+          <a:p>
+            <a:pPr algn="ctr"/>
+            <a:r>
+              <a:rPr lang="ko-KR" altLang="en-US" smtClean="0"/>
+              <a:t>배열값전송</a:t>
+            </a:r>
+            <a:endParaRPr lang="ko-KR" altLang="en-US"/>
+          </a:p>
+        </p:txBody>
+      </p:sp>
+      <p:sp>
+        <p:nvSpPr>
+          <p:cNvPr id="13" name="직사각형 12"/>
+          <p:cNvSpPr/>
+          <p:nvPr/>
+        </p:nvSpPr>
+        <p:spPr>
+          <a:xfrm>
+            <a:off x="6569835" y="3553931"/>
+            <a:ext cx="1534731" cy="646114"/>
+          </a:xfrm>
+          <a:prstGeom prst="rect">
+            <a:avLst/>
+          </a:prstGeom>
+        </p:spPr>
+        <p:style>
+          <a:lnRef idx="0">
+            <a:schemeClr val="accent2"/>
+          </a:lnRef>
+          <a:fillRef idx="3">
+            <a:schemeClr val="accent2"/>
+          </a:fillRef>
+          <a:effectRef idx="3">
+            <a:schemeClr val="accent2"/>
+          </a:effectRef>
+          <a:fontRef idx="minor">
+            <a:schemeClr val="lt1"/>
+          </a:fontRef>
+        </p:style>
+        <p:txBody>
+          <a:bodyPr rtlCol="0" anchor="ctr"/>
+          <a:lstStyle/>
+          <a:p>
+            <a:pPr algn="ctr"/>
+            <a:r>
+              <a:rPr lang="en-US" altLang="ko-KR" smtClean="0"/>
+              <a:t>FFT</a:t>
+            </a:r>
+            <a:r>
+              <a:rPr lang="ko-KR" altLang="en-US" smtClean="0"/>
+              <a:t>전송완료</a:t>
+            </a:r>
+            <a:endParaRPr lang="ko-KR" altLang="en-US"/>
+          </a:p>
+        </p:txBody>
+      </p:sp>
+      <p:sp>
+        <p:nvSpPr>
+          <p:cNvPr id="14" name="직사각형 13"/>
+          <p:cNvSpPr/>
+          <p:nvPr/>
+        </p:nvSpPr>
+        <p:spPr>
+          <a:xfrm>
+            <a:off x="1251932" y="3546138"/>
+            <a:ext cx="1295401" cy="646112"/>
+          </a:xfrm>
+          <a:prstGeom prst="rect">
+            <a:avLst/>
+          </a:prstGeom>
+        </p:spPr>
+        <p:style>
+          <a:lnRef idx="0">
+            <a:schemeClr val="accent5"/>
+          </a:lnRef>
+          <a:fillRef idx="3">
+            <a:schemeClr val="accent5"/>
+          </a:fillRef>
+          <a:effectRef idx="3">
+            <a:schemeClr val="accent5"/>
+          </a:effectRef>
+          <a:fontRef idx="minor">
+            <a:schemeClr val="lt1"/>
+          </a:fontRef>
+        </p:style>
+        <p:txBody>
+          <a:bodyPr rtlCol="0" anchor="ctr"/>
+          <a:lstStyle/>
+          <a:p>
+            <a:pPr algn="ctr"/>
+            <a:r>
+              <a:rPr lang="ko-KR" altLang="en-US" smtClean="0"/>
+              <a:t>장치연결</a:t>
+            </a:r>
+            <a:endParaRPr lang="ko-KR" altLang="en-US"/>
+          </a:p>
+        </p:txBody>
+      </p:sp>
+      <p:sp>
+        <p:nvSpPr>
+          <p:cNvPr id="15" name="직사각형 14"/>
+          <p:cNvSpPr/>
+          <p:nvPr/>
+        </p:nvSpPr>
+        <p:spPr>
+          <a:xfrm>
+            <a:off x="3705359" y="1754478"/>
+            <a:ext cx="1378039" cy="631064"/>
+          </a:xfrm>
+          <a:prstGeom prst="rect">
+            <a:avLst/>
+          </a:prstGeom>
+        </p:spPr>
+        <p:style>
+          <a:lnRef idx="0">
+            <a:schemeClr val="accent4"/>
+          </a:lnRef>
+          <a:fillRef idx="3">
+            <a:schemeClr val="accent4"/>
+          </a:fillRef>
+          <a:effectRef idx="3">
+            <a:schemeClr val="accent4"/>
+          </a:effectRef>
+          <a:fontRef idx="minor">
+            <a:schemeClr val="lt1"/>
+          </a:fontRef>
+        </p:style>
+        <p:txBody>
+          <a:bodyPr rtlCol="0" anchor="ctr"/>
+          <a:lstStyle/>
+          <a:p>
+            <a:pPr algn="ctr"/>
+            <a:r>
+              <a:rPr lang="en-US" altLang="ko-KR" smtClean="0"/>
+              <a:t>SET =1</a:t>
+            </a:r>
+            <a:endParaRPr lang="ko-KR" altLang="en-US"/>
+          </a:p>
+        </p:txBody>
+      </p:sp>
+      <p:sp>
+        <p:nvSpPr>
+          <p:cNvPr id="16" name="순서도: 판단 15"/>
+          <p:cNvSpPr/>
+          <p:nvPr/>
+        </p:nvSpPr>
+        <p:spPr>
+          <a:xfrm>
+            <a:off x="1088264" y="2639632"/>
+            <a:ext cx="1622738" cy="531235"/>
+          </a:xfrm>
+          <a:prstGeom prst="flowChartDecision">
+            <a:avLst/>
+          </a:prstGeom>
+        </p:spPr>
+        <p:style>
+          <a:lnRef idx="0">
+            <a:schemeClr val="accent3"/>
+          </a:lnRef>
+          <a:fillRef idx="3">
+            <a:schemeClr val="accent3"/>
+          </a:fillRef>
+          <a:effectRef idx="3">
+            <a:schemeClr val="accent3"/>
+          </a:effectRef>
+          <a:fontRef idx="minor">
+            <a:schemeClr val="lt1"/>
+          </a:fontRef>
+        </p:style>
+        <p:txBody>
+          <a:bodyPr rtlCol="0" anchor="ctr"/>
+          <a:lstStyle/>
+          <a:p>
+            <a:pPr algn="ctr"/>
+            <a:r>
+              <a:rPr lang="en-US" altLang="ko-KR" sz="1600" smtClean="0"/>
+              <a:t>SET=1</a:t>
+            </a:r>
+            <a:endParaRPr lang="ko-KR" altLang="en-US" sz="1600"/>
+          </a:p>
+        </p:txBody>
+      </p:sp>
+      <p:sp>
+        <p:nvSpPr>
+          <p:cNvPr id="20" name="직사각형 19"/>
+          <p:cNvSpPr/>
+          <p:nvPr/>
+        </p:nvSpPr>
+        <p:spPr>
+          <a:xfrm>
+            <a:off x="3185120" y="3553931"/>
+            <a:ext cx="1030308" cy="646111"/>
+          </a:xfrm>
+          <a:prstGeom prst="rect">
+            <a:avLst/>
+          </a:prstGeom>
+        </p:spPr>
+        <p:style>
+          <a:lnRef idx="0">
+            <a:schemeClr val="accent4"/>
+          </a:lnRef>
+          <a:fillRef idx="3">
+            <a:schemeClr val="accent4"/>
+          </a:fillRef>
+          <a:effectRef idx="3">
+            <a:schemeClr val="accent4"/>
+          </a:effectRef>
+          <a:fontRef idx="minor">
+            <a:schemeClr val="lt1"/>
+          </a:fontRef>
+        </p:style>
+        <p:txBody>
+          <a:bodyPr rtlCol="0" anchor="ctr"/>
+          <a:lstStyle/>
+          <a:p>
+            <a:pPr algn="ctr"/>
+            <a:r>
+              <a:rPr lang="en-US" altLang="ko-KR" smtClean="0"/>
+              <a:t>START</a:t>
+            </a:r>
+            <a:endParaRPr lang="ko-KR" altLang="en-US"/>
+          </a:p>
+        </p:txBody>
+      </p:sp>
+      <p:sp>
+        <p:nvSpPr>
+          <p:cNvPr id="21" name="직사각형 20"/>
+          <p:cNvSpPr/>
+          <p:nvPr/>
+        </p:nvSpPr>
+        <p:spPr>
+          <a:xfrm>
+            <a:off x="4512448" y="3541187"/>
+            <a:ext cx="1030307" cy="646111"/>
+          </a:xfrm>
+          <a:prstGeom prst="rect">
+            <a:avLst/>
+          </a:prstGeom>
+        </p:spPr>
+        <p:style>
+          <a:lnRef idx="0">
+            <a:schemeClr val="accent4"/>
+          </a:lnRef>
+          <a:fillRef idx="3">
+            <a:schemeClr val="accent4"/>
+          </a:fillRef>
+          <a:effectRef idx="3">
+            <a:schemeClr val="accent4"/>
+          </a:effectRef>
+          <a:fontRef idx="minor">
+            <a:schemeClr val="lt1"/>
+          </a:fontRef>
+        </p:style>
+        <p:txBody>
+          <a:bodyPr rtlCol="0" anchor="ctr"/>
+          <a:lstStyle/>
+          <a:p>
+            <a:pPr algn="ctr"/>
+            <a:r>
+              <a:rPr lang="en-US" altLang="ko-KR" smtClean="0"/>
+              <a:t>PAUSE</a:t>
+            </a:r>
+            <a:endParaRPr lang="ko-KR" altLang="en-US"/>
+          </a:p>
+        </p:txBody>
+      </p:sp>
+      <p:sp>
+        <p:nvSpPr>
+          <p:cNvPr id="24" name="직사각형 23"/>
+          <p:cNvSpPr/>
+          <p:nvPr/>
+        </p:nvSpPr>
+        <p:spPr>
+          <a:xfrm>
+            <a:off x="3185120" y="2590152"/>
+            <a:ext cx="1030308" cy="646111"/>
+          </a:xfrm>
+          <a:prstGeom prst="rect">
+            <a:avLst/>
+          </a:prstGeom>
+        </p:spPr>
+        <p:style>
+          <a:lnRef idx="0">
+            <a:schemeClr val="accent4"/>
+          </a:lnRef>
+          <a:fillRef idx="3">
+            <a:schemeClr val="accent4"/>
+          </a:fillRef>
+          <a:effectRef idx="3">
+            <a:schemeClr val="accent4"/>
+          </a:effectRef>
+          <a:fontRef idx="minor">
+            <a:schemeClr val="lt1"/>
+          </a:fontRef>
+        </p:style>
+        <p:txBody>
+          <a:bodyPr rtlCol="0" anchor="ctr"/>
+          <a:lstStyle/>
+          <a:p>
+            <a:pPr algn="ctr"/>
+            <a:r>
+              <a:rPr lang="ko-KR" altLang="en-US" smtClean="0"/>
+              <a:t>재생</a:t>
+            </a:r>
+            <a:endParaRPr lang="ko-KR" altLang="en-US"/>
+          </a:p>
+        </p:txBody>
+      </p:sp>
+      <p:sp>
+        <p:nvSpPr>
+          <p:cNvPr id="25" name="직사각형 24"/>
+          <p:cNvSpPr/>
+          <p:nvPr/>
+        </p:nvSpPr>
+        <p:spPr>
+          <a:xfrm>
+            <a:off x="4537122" y="2602896"/>
+            <a:ext cx="1030308" cy="646111"/>
+          </a:xfrm>
+          <a:prstGeom prst="rect">
+            <a:avLst/>
+          </a:prstGeom>
+        </p:spPr>
+        <p:style>
+          <a:lnRef idx="0">
+            <a:schemeClr val="accent4"/>
+          </a:lnRef>
+          <a:fillRef idx="3">
+            <a:schemeClr val="accent4"/>
+          </a:fillRef>
+          <a:effectRef idx="3">
+            <a:schemeClr val="accent4"/>
+          </a:effectRef>
+          <a:fontRef idx="minor">
+            <a:schemeClr val="lt1"/>
+          </a:fontRef>
+        </p:style>
+        <p:txBody>
+          <a:bodyPr rtlCol="0" anchor="ctr"/>
+          <a:lstStyle/>
+          <a:p>
+            <a:pPr algn="ctr"/>
+            <a:r>
+              <a:rPr lang="ko-KR" altLang="en-US" smtClean="0"/>
+              <a:t>중지</a:t>
+            </a:r>
+            <a:endParaRPr lang="ko-KR" altLang="en-US"/>
+          </a:p>
+        </p:txBody>
+      </p:sp>
+      <p:sp>
+        <p:nvSpPr>
+          <p:cNvPr id="27" name="직사각형 26"/>
+          <p:cNvSpPr/>
+          <p:nvPr/>
+        </p:nvSpPr>
+        <p:spPr>
+          <a:xfrm>
+            <a:off x="2356834" y="4871164"/>
+            <a:ext cx="8783392" cy="1748577"/>
+          </a:xfrm>
+          <a:prstGeom prst="rect">
+            <a:avLst/>
+          </a:prstGeom>
+          <a:solidFill>
+            <a:schemeClr val="bg1">
+              <a:lumMod val="85000"/>
+            </a:schemeClr>
+          </a:solidFill>
+        </p:spPr>
+        <p:style>
+          <a:lnRef idx="0">
+            <a:schemeClr val="accent3"/>
+          </a:lnRef>
+          <a:fillRef idx="3">
+            <a:schemeClr val="accent3"/>
+          </a:fillRef>
+          <a:effectRef idx="3">
+            <a:schemeClr val="accent3"/>
+          </a:effectRef>
+          <a:fontRef idx="minor">
+            <a:schemeClr val="lt1"/>
+          </a:fontRef>
+        </p:style>
+        <p:txBody>
+          <a:bodyPr rtlCol="0" anchor="ctr"/>
+          <a:lstStyle/>
+          <a:p>
+            <a:pPr algn="ctr"/>
+            <a:endParaRPr lang="ko-KR" altLang="en-US"/>
+          </a:p>
+        </p:txBody>
+      </p:sp>
+      <p:sp>
+        <p:nvSpPr>
+          <p:cNvPr id="28" name="직사각형 27"/>
+          <p:cNvSpPr/>
+          <p:nvPr/>
+        </p:nvSpPr>
+        <p:spPr>
+          <a:xfrm>
+            <a:off x="8891794" y="5188113"/>
+            <a:ext cx="1534731" cy="417785"/>
+          </a:xfrm>
+          <a:prstGeom prst="rect">
+            <a:avLst/>
+          </a:prstGeom>
+        </p:spPr>
+        <p:style>
+          <a:lnRef idx="0">
+            <a:schemeClr val="accent5"/>
+          </a:lnRef>
+          <a:fillRef idx="3">
+            <a:schemeClr val="accent5"/>
+          </a:fillRef>
+          <a:effectRef idx="3">
+            <a:schemeClr val="accent5"/>
+          </a:effectRef>
+          <a:fontRef idx="minor">
+            <a:schemeClr val="lt1"/>
+          </a:fontRef>
+        </p:style>
+        <p:txBody>
+          <a:bodyPr rtlCol="0" anchor="ctr"/>
+          <a:lstStyle/>
+          <a:p>
+            <a:pPr algn="ctr"/>
+            <a:r>
+              <a:rPr lang="ko-KR" altLang="en-US" smtClean="0"/>
+              <a:t>배열값 </a:t>
+            </a:r>
+            <a:r>
+              <a:rPr lang="en-US" altLang="ko-KR" smtClean="0"/>
+              <a:t>read</a:t>
+            </a:r>
+            <a:endParaRPr lang="ko-KR" altLang="en-US"/>
+          </a:p>
+        </p:txBody>
+      </p:sp>
+      <p:sp>
+        <p:nvSpPr>
+          <p:cNvPr id="29" name="직사각형 28"/>
+          <p:cNvSpPr/>
+          <p:nvPr/>
+        </p:nvSpPr>
+        <p:spPr>
+          <a:xfrm>
+            <a:off x="8873544" y="5972210"/>
+            <a:ext cx="1534731" cy="417785"/>
+          </a:xfrm>
+          <a:prstGeom prst="rect">
+            <a:avLst/>
+          </a:prstGeom>
+        </p:spPr>
+        <p:style>
+          <a:lnRef idx="0">
+            <a:schemeClr val="accent5"/>
+          </a:lnRef>
+          <a:fillRef idx="3">
+            <a:schemeClr val="accent5"/>
+          </a:fillRef>
+          <a:effectRef idx="3">
+            <a:schemeClr val="accent5"/>
+          </a:effectRef>
+          <a:fontRef idx="minor">
+            <a:schemeClr val="lt1"/>
+          </a:fontRef>
+        </p:style>
+        <p:txBody>
+          <a:bodyPr rtlCol="0" anchor="ctr"/>
+          <a:lstStyle/>
+          <a:p>
+            <a:pPr algn="ctr"/>
+            <a:r>
+              <a:rPr lang="ko-KR" altLang="en-US" smtClean="0"/>
+              <a:t>배열값 복사</a:t>
+            </a:r>
+            <a:endParaRPr lang="ko-KR" altLang="en-US"/>
+          </a:p>
+        </p:txBody>
+      </p:sp>
+      <p:sp>
+        <p:nvSpPr>
+          <p:cNvPr id="30" name="직사각형 29"/>
+          <p:cNvSpPr/>
+          <p:nvPr/>
+        </p:nvSpPr>
+        <p:spPr>
+          <a:xfrm>
+            <a:off x="6569835" y="5972209"/>
+            <a:ext cx="1669426" cy="417785"/>
+          </a:xfrm>
+          <a:prstGeom prst="rect">
+            <a:avLst/>
+          </a:prstGeom>
+        </p:spPr>
+        <p:style>
+          <a:lnRef idx="0">
+            <a:schemeClr val="accent2"/>
+          </a:lnRef>
+          <a:fillRef idx="3">
+            <a:schemeClr val="accent2"/>
+          </a:fillRef>
+          <a:effectRef idx="3">
+            <a:schemeClr val="accent2"/>
+          </a:effectRef>
+          <a:fontRef idx="minor">
+            <a:schemeClr val="lt1"/>
+          </a:fontRef>
+        </p:style>
+        <p:txBody>
+          <a:bodyPr rtlCol="0" anchor="ctr"/>
+          <a:lstStyle/>
+          <a:p>
+            <a:pPr algn="ctr"/>
+            <a:r>
+              <a:rPr lang="ko-KR" altLang="en-US" smtClean="0"/>
+              <a:t>전송완료신호</a:t>
+            </a:r>
+            <a:endParaRPr lang="ko-KR" altLang="en-US"/>
+          </a:p>
+        </p:txBody>
+      </p:sp>
+      <p:sp>
+        <p:nvSpPr>
+          <p:cNvPr id="31" name="직사각형 30"/>
+          <p:cNvSpPr/>
+          <p:nvPr/>
+        </p:nvSpPr>
+        <p:spPr>
+          <a:xfrm>
+            <a:off x="2547333" y="4984124"/>
+            <a:ext cx="3776194" cy="1457927"/>
+          </a:xfrm>
+          <a:prstGeom prst="rect">
+            <a:avLst/>
+          </a:prstGeom>
+        </p:spPr>
+        <p:style>
+          <a:lnRef idx="0">
+            <a:schemeClr val="accent4"/>
+          </a:lnRef>
+          <a:fillRef idx="3">
+            <a:schemeClr val="accent4"/>
+          </a:fillRef>
+          <a:effectRef idx="3">
+            <a:schemeClr val="accent4"/>
+          </a:effectRef>
+          <a:fontRef idx="minor">
+            <a:schemeClr val="lt1"/>
+          </a:fontRef>
+        </p:style>
+        <p:txBody>
+          <a:bodyPr rtlCol="0" anchor="ctr"/>
+          <a:lstStyle/>
+          <a:p>
+            <a:r>
+              <a:rPr lang="en-US" altLang="ko-KR" sz="1600" smtClean="0"/>
+              <a:t>for(i=n;i&lt;600;i++){</a:t>
+            </a:r>
+          </a:p>
+          <a:p>
+            <a:r>
+              <a:rPr lang="en-US" altLang="ko-KR" sz="1600" smtClean="0"/>
+              <a:t>  for(j=0;j&lt;5;j++){</a:t>
+            </a:r>
+          </a:p>
+          <a:p>
+            <a:r>
+              <a:rPr lang="en-US" altLang="ko-KR" sz="1600" smtClean="0"/>
+              <a:t>   if(array[i][j]==1) turn on(red);</a:t>
+            </a:r>
+          </a:p>
+          <a:p>
+            <a:r>
+              <a:rPr lang="en-US" altLang="ko-KR" sz="1600"/>
+              <a:t> </a:t>
+            </a:r>
+            <a:r>
+              <a:rPr lang="en-US" altLang="ko-KR" sz="1600" smtClean="0"/>
+              <a:t> else if(arrary[i][j]==2) turn on(green);</a:t>
+            </a:r>
+          </a:p>
+          <a:p>
+            <a:r>
+              <a:rPr lang="en-US" altLang="ko-KR" sz="1600" smtClean="0"/>
+              <a:t>  else turn on(blue); }}</a:t>
+            </a:r>
+            <a:endParaRPr lang="ko-KR" altLang="en-US" sz="1600"/>
+          </a:p>
+        </p:txBody>
+      </p:sp>
+      <p:sp>
+        <p:nvSpPr>
+          <p:cNvPr id="33" name="직사각형 32"/>
+          <p:cNvSpPr/>
+          <p:nvPr/>
+        </p:nvSpPr>
+        <p:spPr>
+          <a:xfrm>
+            <a:off x="6569835" y="5190032"/>
+            <a:ext cx="1669426" cy="417785"/>
+          </a:xfrm>
+          <a:prstGeom prst="rect">
+            <a:avLst/>
+          </a:prstGeom>
+        </p:spPr>
+        <p:style>
+          <a:lnRef idx="0">
+            <a:schemeClr val="accent5"/>
+          </a:lnRef>
+          <a:fillRef idx="3">
+            <a:schemeClr val="accent5"/>
+          </a:fillRef>
+          <a:effectRef idx="3">
+            <a:schemeClr val="accent5"/>
+          </a:effectRef>
+          <a:fontRef idx="minor">
+            <a:schemeClr val="lt1"/>
+          </a:fontRef>
+        </p:style>
+        <p:txBody>
+          <a:bodyPr rtlCol="0" anchor="ctr"/>
+          <a:lstStyle/>
+          <a:p>
+            <a:pPr algn="ctr"/>
+            <a:r>
+              <a:rPr lang="ko-KR" altLang="en-US" smtClean="0"/>
+              <a:t>장치연결</a:t>
+            </a:r>
+            <a:endParaRPr lang="ko-KR" altLang="en-US"/>
+          </a:p>
+        </p:txBody>
+      </p:sp>
+      <p:cxnSp>
+        <p:nvCxnSpPr>
+          <p:cNvPr id="4" name="직선 화살표 연결선 3"/>
+          <p:cNvCxnSpPr>
+            <a:stCxn id="2" idx="3"/>
+            <a:endCxn id="9" idx="1"/>
+          </p:cNvCxnSpPr>
+          <p:nvPr/>
+        </p:nvCxnSpPr>
+        <p:spPr>
+          <a:xfrm flipV="1">
+            <a:off x="2588653" y="1114023"/>
+            <a:ext cx="1116706" cy="2"/>
+          </a:xfrm>
+          <a:prstGeom prst="straightConnector1">
+            <a:avLst/>
+          </a:prstGeom>
+          <a:ln w="28575">
+            <a:tailEnd type="triangle"/>
+          </a:ln>
+        </p:spPr>
+        <p:style>
+          <a:lnRef idx="3">
+            <a:schemeClr val="dk1"/>
+          </a:lnRef>
+          <a:fillRef idx="0">
+            <a:schemeClr val="dk1"/>
+          </a:fillRef>
+          <a:effectRef idx="2">
+            <a:schemeClr val="dk1"/>
+          </a:effectRef>
+          <a:fontRef idx="minor">
+            <a:schemeClr val="tx1"/>
+          </a:fontRef>
+        </p:style>
+      </p:cxnSp>
+      <p:cxnSp>
+        <p:nvCxnSpPr>
+          <p:cNvPr id="34" name="직선 화살표 연결선 33"/>
+          <p:cNvCxnSpPr/>
+          <p:nvPr/>
+        </p:nvCxnSpPr>
+        <p:spPr>
+          <a:xfrm flipV="1">
+            <a:off x="5083398" y="1110803"/>
+            <a:ext cx="1116706" cy="2"/>
+          </a:xfrm>
+          <a:prstGeom prst="straightConnector1">
+            <a:avLst/>
+          </a:prstGeom>
+          <a:ln w="28575">
+            <a:tailEnd type="triangle"/>
+          </a:ln>
+        </p:spPr>
+        <p:style>
+          <a:lnRef idx="3">
+            <a:schemeClr val="dk1"/>
+          </a:lnRef>
+          <a:fillRef idx="0">
+            <a:schemeClr val="dk1"/>
+          </a:fillRef>
+          <a:effectRef idx="2">
+            <a:schemeClr val="dk1"/>
+          </a:effectRef>
+          <a:fontRef idx="minor">
+            <a:schemeClr val="tx1"/>
+          </a:fontRef>
+        </p:style>
+      </p:cxnSp>
+      <p:cxnSp>
+        <p:nvCxnSpPr>
+          <p:cNvPr id="35" name="직선 화살표 연결선 34"/>
+          <p:cNvCxnSpPr>
+            <a:endCxn id="11" idx="1"/>
+          </p:cNvCxnSpPr>
+          <p:nvPr/>
+        </p:nvCxnSpPr>
+        <p:spPr>
+          <a:xfrm>
+            <a:off x="7578143" y="1101703"/>
+            <a:ext cx="1295401" cy="12319"/>
+          </a:xfrm>
+          <a:prstGeom prst="straightConnector1">
+            <a:avLst/>
+          </a:prstGeom>
+          <a:ln w="28575">
+            <a:tailEnd type="triangle"/>
+          </a:ln>
+        </p:spPr>
+        <p:style>
+          <a:lnRef idx="3">
+            <a:schemeClr val="dk1"/>
+          </a:lnRef>
+          <a:fillRef idx="0">
+            <a:schemeClr val="dk1"/>
+          </a:fillRef>
+          <a:effectRef idx="2">
+            <a:schemeClr val="dk1"/>
+          </a:effectRef>
+          <a:fontRef idx="minor">
+            <a:schemeClr val="tx1"/>
+          </a:fontRef>
+        </p:style>
+      </p:cxnSp>
+      <p:cxnSp>
+        <p:nvCxnSpPr>
+          <p:cNvPr id="19" name="직선 화살표 연결선 18"/>
+          <p:cNvCxnSpPr>
+            <a:stCxn id="11" idx="2"/>
+            <a:endCxn id="12" idx="0"/>
+          </p:cNvCxnSpPr>
+          <p:nvPr/>
+        </p:nvCxnSpPr>
+        <p:spPr>
+          <a:xfrm>
+            <a:off x="9562564" y="1429554"/>
+            <a:ext cx="28976" cy="2124377"/>
+          </a:xfrm>
+          <a:prstGeom prst="straightConnector1">
+            <a:avLst/>
+          </a:prstGeom>
+          <a:ln w="28575">
+            <a:tailEnd type="triangle"/>
+          </a:ln>
+        </p:spPr>
+        <p:style>
+          <a:lnRef idx="3">
+            <a:schemeClr val="dk1"/>
+          </a:lnRef>
+          <a:fillRef idx="0">
+            <a:schemeClr val="dk1"/>
+          </a:fillRef>
+          <a:effectRef idx="2">
+            <a:schemeClr val="dk1"/>
+          </a:effectRef>
+          <a:fontRef idx="minor">
+            <a:schemeClr val="tx1"/>
+          </a:fontRef>
+        </p:style>
+      </p:cxnSp>
+      <p:cxnSp>
+        <p:nvCxnSpPr>
+          <p:cNvPr id="36" name="직선 화살표 연결선 35"/>
+          <p:cNvCxnSpPr>
+            <a:stCxn id="2" idx="2"/>
+            <a:endCxn id="8" idx="0"/>
+          </p:cNvCxnSpPr>
+          <p:nvPr/>
+        </p:nvCxnSpPr>
+        <p:spPr>
+          <a:xfrm>
+            <a:off x="1899634" y="1429557"/>
+            <a:ext cx="0" cy="324921"/>
+          </a:xfrm>
+          <a:prstGeom prst="straightConnector1">
+            <a:avLst/>
+          </a:prstGeom>
+          <a:ln w="28575">
+            <a:tailEnd type="triangle"/>
+          </a:ln>
+        </p:spPr>
+        <p:style>
+          <a:lnRef idx="3">
+            <a:schemeClr val="dk1"/>
+          </a:lnRef>
+          <a:fillRef idx="0">
+            <a:schemeClr val="dk1"/>
+          </a:fillRef>
+          <a:effectRef idx="2">
+            <a:schemeClr val="dk1"/>
+          </a:effectRef>
+          <a:fontRef idx="minor">
+            <a:schemeClr val="tx1"/>
+          </a:fontRef>
+        </p:style>
+      </p:cxnSp>
+      <p:cxnSp>
+        <p:nvCxnSpPr>
+          <p:cNvPr id="38" name="직선 화살표 연결선 37"/>
+          <p:cNvCxnSpPr>
+            <a:stCxn id="8" idx="2"/>
+            <a:endCxn id="16" idx="0"/>
+          </p:cNvCxnSpPr>
+          <p:nvPr/>
+        </p:nvCxnSpPr>
+        <p:spPr>
+          <a:xfrm flipH="1">
+            <a:off x="1899633" y="2385542"/>
+            <a:ext cx="1" cy="254090"/>
+          </a:xfrm>
+          <a:prstGeom prst="straightConnector1">
+            <a:avLst/>
+          </a:prstGeom>
+          <a:ln w="28575">
+            <a:tailEnd type="triangle"/>
+          </a:ln>
+        </p:spPr>
+        <p:style>
+          <a:lnRef idx="3">
+            <a:schemeClr val="dk1"/>
+          </a:lnRef>
+          <a:fillRef idx="0">
+            <a:schemeClr val="dk1"/>
+          </a:fillRef>
+          <a:effectRef idx="2">
+            <a:schemeClr val="dk1"/>
+          </a:effectRef>
+          <a:fontRef idx="minor">
+            <a:schemeClr val="tx1"/>
+          </a:fontRef>
+        </p:style>
+      </p:cxnSp>
+      <p:cxnSp>
+        <p:nvCxnSpPr>
+          <p:cNvPr id="47" name="직선 화살표 연결선 46"/>
+          <p:cNvCxnSpPr>
+            <a:stCxn id="16" idx="3"/>
+            <a:endCxn id="24" idx="1"/>
+          </p:cNvCxnSpPr>
+          <p:nvPr/>
+        </p:nvCxnSpPr>
+        <p:spPr>
+          <a:xfrm>
+            <a:off x="2711002" y="2905250"/>
+            <a:ext cx="474118" cy="7958"/>
+          </a:xfrm>
+          <a:prstGeom prst="straightConnector1">
+            <a:avLst/>
+          </a:prstGeom>
+          <a:ln w="28575">
+            <a:tailEnd type="triangle"/>
+          </a:ln>
+        </p:spPr>
+        <p:style>
+          <a:lnRef idx="3">
+            <a:schemeClr val="dk1"/>
+          </a:lnRef>
+          <a:fillRef idx="0">
+            <a:schemeClr val="dk1"/>
+          </a:fillRef>
+          <a:effectRef idx="2">
+            <a:schemeClr val="dk1"/>
+          </a:effectRef>
+          <a:fontRef idx="minor">
+            <a:schemeClr val="tx1"/>
+          </a:fontRef>
+        </p:style>
+      </p:cxnSp>
+      <p:cxnSp>
+        <p:nvCxnSpPr>
+          <p:cNvPr id="49" name="직선 화살표 연결선 48"/>
+          <p:cNvCxnSpPr>
+            <a:stCxn id="24" idx="3"/>
+          </p:cNvCxnSpPr>
+          <p:nvPr/>
+        </p:nvCxnSpPr>
+        <p:spPr>
+          <a:xfrm flipV="1">
+            <a:off x="4215428" y="2905249"/>
+            <a:ext cx="331172" cy="7959"/>
+          </a:xfrm>
+          <a:prstGeom prst="straightConnector1">
+            <a:avLst/>
+          </a:prstGeom>
+          <a:ln w="28575">
+            <a:tailEnd type="triangle"/>
+          </a:ln>
+        </p:spPr>
+        <p:style>
+          <a:lnRef idx="3">
+            <a:schemeClr val="dk1"/>
+          </a:lnRef>
+          <a:fillRef idx="0">
+            <a:schemeClr val="dk1"/>
+          </a:fillRef>
+          <a:effectRef idx="2">
+            <a:schemeClr val="dk1"/>
+          </a:effectRef>
+          <a:fontRef idx="minor">
+            <a:schemeClr val="tx1"/>
+          </a:fontRef>
+        </p:style>
+      </p:cxnSp>
+      <p:cxnSp>
+        <p:nvCxnSpPr>
+          <p:cNvPr id="51" name="직선 화살표 연결선 50"/>
+          <p:cNvCxnSpPr>
+            <a:stCxn id="24" idx="2"/>
+            <a:endCxn id="20" idx="0"/>
+          </p:cNvCxnSpPr>
+          <p:nvPr/>
+        </p:nvCxnSpPr>
+        <p:spPr>
+          <a:xfrm>
+            <a:off x="3700274" y="3236263"/>
+            <a:ext cx="0" cy="317668"/>
+          </a:xfrm>
+          <a:prstGeom prst="straightConnector1">
+            <a:avLst/>
+          </a:prstGeom>
+          <a:ln w="28575">
+            <a:tailEnd type="triangle"/>
+          </a:ln>
+        </p:spPr>
+        <p:style>
+          <a:lnRef idx="3">
+            <a:schemeClr val="dk1"/>
+          </a:lnRef>
+          <a:fillRef idx="0">
+            <a:schemeClr val="dk1"/>
+          </a:fillRef>
+          <a:effectRef idx="2">
+            <a:schemeClr val="dk1"/>
+          </a:effectRef>
+          <a:fontRef idx="minor">
+            <a:schemeClr val="tx1"/>
+          </a:fontRef>
+        </p:style>
+      </p:cxnSp>
+      <p:cxnSp>
+        <p:nvCxnSpPr>
+          <p:cNvPr id="52" name="직선 화살표 연결선 51"/>
+          <p:cNvCxnSpPr/>
+          <p:nvPr/>
+        </p:nvCxnSpPr>
+        <p:spPr>
+          <a:xfrm>
+            <a:off x="5052276" y="3236263"/>
+            <a:ext cx="0" cy="317668"/>
+          </a:xfrm>
+          <a:prstGeom prst="straightConnector1">
+            <a:avLst/>
+          </a:prstGeom>
+          <a:ln w="28575">
+            <a:tailEnd type="triangle"/>
+          </a:ln>
+        </p:spPr>
+        <p:style>
+          <a:lnRef idx="3">
+            <a:schemeClr val="dk1"/>
+          </a:lnRef>
+          <a:fillRef idx="0">
+            <a:schemeClr val="dk1"/>
+          </a:fillRef>
+          <a:effectRef idx="2">
+            <a:schemeClr val="dk1"/>
+          </a:effectRef>
+          <a:fontRef idx="minor">
+            <a:schemeClr val="tx1"/>
+          </a:fontRef>
+        </p:style>
+      </p:cxnSp>
+      <p:cxnSp>
+        <p:nvCxnSpPr>
+          <p:cNvPr id="54" name="꺾인 연결선 53"/>
+          <p:cNvCxnSpPr>
+            <a:stCxn id="13" idx="0"/>
+            <a:endCxn id="15" idx="3"/>
+          </p:cNvCxnSpPr>
+          <p:nvPr/>
+        </p:nvCxnSpPr>
+        <p:spPr>
+          <a:xfrm rot="16200000" flipV="1">
+            <a:off x="5468340" y="1685069"/>
+            <a:ext cx="1483921" cy="2253803"/>
+          </a:xfrm>
+          <a:prstGeom prst="bentConnector2">
+            <a:avLst/>
+          </a:prstGeom>
+          <a:ln w="28575">
+            <a:tailEnd type="triangle"/>
+          </a:ln>
+        </p:spPr>
+        <p:style>
+          <a:lnRef idx="3">
+            <a:schemeClr val="dk1"/>
+          </a:lnRef>
+          <a:fillRef idx="0">
+            <a:schemeClr val="dk1"/>
+          </a:fillRef>
+          <a:effectRef idx="2">
+            <a:schemeClr val="dk1"/>
+          </a:effectRef>
+          <a:fontRef idx="minor">
+            <a:schemeClr val="tx1"/>
+          </a:fontRef>
+        </p:style>
+      </p:cxnSp>
+      <p:sp>
+        <p:nvSpPr>
+          <p:cNvPr id="55" name="TextBox 54"/>
+          <p:cNvSpPr txBox="1"/>
+          <p:nvPr/>
+        </p:nvSpPr>
+        <p:spPr>
+          <a:xfrm>
+            <a:off x="2748565" y="758911"/>
+            <a:ext cx="832298" cy="369332"/>
+          </a:xfrm>
+          <a:prstGeom prst="rect">
+            <a:avLst/>
+          </a:prstGeom>
+          <a:noFill/>
+        </p:spPr>
+        <p:txBody>
+          <a:bodyPr wrap="square" rtlCol="0">
+            <a:spAutoFit/>
+          </a:bodyPr>
+          <a:lstStyle/>
+          <a:p>
+            <a:r>
+              <a:rPr lang="en-US" altLang="ko-KR" b="1" smtClean="0"/>
+              <a:t>.</a:t>
+            </a:r>
+            <a:r>
+              <a:rPr lang="en-US" altLang="ko-KR" sz="1600" b="1" smtClean="0"/>
+              <a:t>mp3</a:t>
+            </a:r>
+            <a:endParaRPr lang="ko-KR" altLang="en-US" sz="1600" b="1"/>
+          </a:p>
+        </p:txBody>
+      </p:sp>
+      <p:sp>
+        <p:nvSpPr>
+          <p:cNvPr id="56" name="TextBox 55"/>
+          <p:cNvSpPr txBox="1"/>
+          <p:nvPr/>
+        </p:nvSpPr>
+        <p:spPr>
+          <a:xfrm>
+            <a:off x="2774325" y="1103577"/>
+            <a:ext cx="869861" cy="369332"/>
+          </a:xfrm>
+          <a:prstGeom prst="rect">
+            <a:avLst/>
+          </a:prstGeom>
+          <a:noFill/>
+        </p:spPr>
+        <p:txBody>
+          <a:bodyPr wrap="square" rtlCol="0">
+            <a:spAutoFit/>
+          </a:bodyPr>
+          <a:lstStyle/>
+          <a:p>
+            <a:r>
+              <a:rPr lang="en-US" altLang="ko-KR" b="1" smtClean="0"/>
+              <a:t>read</a:t>
+            </a:r>
+            <a:endParaRPr lang="ko-KR" altLang="en-US" b="1"/>
+          </a:p>
+        </p:txBody>
+      </p:sp>
+      <p:sp>
+        <p:nvSpPr>
+          <p:cNvPr id="57" name="TextBox 56"/>
+          <p:cNvSpPr txBox="1"/>
+          <p:nvPr/>
+        </p:nvSpPr>
+        <p:spPr>
+          <a:xfrm>
+            <a:off x="7578143" y="798490"/>
+            <a:ext cx="1295401" cy="369332"/>
+          </a:xfrm>
+          <a:prstGeom prst="rect">
+            <a:avLst/>
+          </a:prstGeom>
+          <a:noFill/>
+        </p:spPr>
+        <p:txBody>
+          <a:bodyPr wrap="square" rtlCol="0">
+            <a:spAutoFit/>
+          </a:bodyPr>
+          <a:lstStyle/>
+          <a:p>
+            <a:r>
+              <a:rPr lang="en-US" altLang="ko-KR" b="1" smtClean="0"/>
+              <a:t>.mp3 read</a:t>
+            </a:r>
+            <a:endParaRPr lang="ko-KR" altLang="en-US" b="1"/>
+          </a:p>
+        </p:txBody>
+      </p:sp>
+      <p:sp>
+        <p:nvSpPr>
+          <p:cNvPr id="58" name="TextBox 57"/>
+          <p:cNvSpPr txBox="1"/>
+          <p:nvPr/>
+        </p:nvSpPr>
+        <p:spPr>
+          <a:xfrm>
+            <a:off x="7767433" y="1146217"/>
+            <a:ext cx="1222957" cy="338554"/>
+          </a:xfrm>
+          <a:prstGeom prst="rect">
+            <a:avLst/>
+          </a:prstGeom>
+          <a:noFill/>
+        </p:spPr>
+        <p:txBody>
+          <a:bodyPr wrap="square" rtlCol="0">
+            <a:spAutoFit/>
+          </a:bodyPr>
+          <a:lstStyle/>
+          <a:p>
+            <a:r>
+              <a:rPr lang="en-US" altLang="ko-KR" sz="1600" b="1" smtClean="0"/>
+              <a:t>SET=0</a:t>
+            </a:r>
+            <a:endParaRPr lang="ko-KR" altLang="en-US" sz="1600" b="1"/>
+          </a:p>
+        </p:txBody>
+      </p:sp>
+      <p:sp>
+        <p:nvSpPr>
+          <p:cNvPr id="60" name="TextBox 59"/>
+          <p:cNvSpPr txBox="1"/>
+          <p:nvPr/>
+        </p:nvSpPr>
+        <p:spPr>
+          <a:xfrm>
+            <a:off x="9468669" y="1993301"/>
+            <a:ext cx="1827864" cy="646331"/>
+          </a:xfrm>
+          <a:prstGeom prst="rect">
+            <a:avLst/>
+          </a:prstGeom>
+          <a:noFill/>
+        </p:spPr>
+        <p:txBody>
+          <a:bodyPr wrap="square" rtlCol="0">
+            <a:spAutoFit/>
+          </a:bodyPr>
+          <a:lstStyle/>
+          <a:p>
+            <a:pPr algn="ctr"/>
+            <a:r>
+              <a:rPr lang="en-US" altLang="ko-KR" b="1" smtClean="0"/>
+              <a:t>int arr[600][6]</a:t>
+            </a:r>
+          </a:p>
+          <a:p>
+            <a:pPr algn="ctr"/>
+            <a:r>
+              <a:rPr lang="ko-KR" altLang="en-US" b="1" smtClean="0"/>
+              <a:t>동적할당</a:t>
+            </a:r>
+            <a:endParaRPr lang="ko-KR" altLang="en-US" b="1"/>
+          </a:p>
+        </p:txBody>
+      </p:sp>
+      <p:cxnSp>
+        <p:nvCxnSpPr>
+          <p:cNvPr id="65" name="꺾인 연결선 64"/>
+          <p:cNvCxnSpPr>
+            <a:stCxn id="15" idx="1"/>
+          </p:cNvCxnSpPr>
+          <p:nvPr/>
+        </p:nvCxnSpPr>
+        <p:spPr>
+          <a:xfrm rot="10800000" flipV="1">
+            <a:off x="1899633" y="2070010"/>
+            <a:ext cx="1805727" cy="421732"/>
+          </a:xfrm>
+          <a:prstGeom prst="bentConnector3">
+            <a:avLst/>
+          </a:prstGeom>
+          <a:ln w="28575">
+            <a:tailEnd type="triangle"/>
+          </a:ln>
+        </p:spPr>
+        <p:style>
+          <a:lnRef idx="3">
+            <a:schemeClr val="dk1"/>
+          </a:lnRef>
+          <a:fillRef idx="0">
+            <a:schemeClr val="dk1"/>
+          </a:fillRef>
+          <a:effectRef idx="2">
+            <a:schemeClr val="dk1"/>
+          </a:effectRef>
+          <a:fontRef idx="minor">
+            <a:schemeClr val="tx1"/>
+          </a:fontRef>
+        </p:style>
+      </p:cxnSp>
+      <p:cxnSp>
+        <p:nvCxnSpPr>
+          <p:cNvPr id="69" name="꺾인 연결선 68"/>
+          <p:cNvCxnSpPr>
+            <a:stCxn id="16" idx="1"/>
+          </p:cNvCxnSpPr>
+          <p:nvPr/>
+        </p:nvCxnSpPr>
+        <p:spPr>
+          <a:xfrm rot="10800000">
+            <a:off x="869324" y="558632"/>
+            <a:ext cx="218940" cy="2346618"/>
+          </a:xfrm>
+          <a:prstGeom prst="bentConnector2">
+            <a:avLst/>
+          </a:prstGeom>
+          <a:ln w="28575"/>
+        </p:spPr>
+        <p:style>
+          <a:lnRef idx="3">
+            <a:schemeClr val="dk1"/>
+          </a:lnRef>
+          <a:fillRef idx="0">
+            <a:schemeClr val="dk1"/>
+          </a:fillRef>
+          <a:effectRef idx="2">
+            <a:schemeClr val="dk1"/>
+          </a:effectRef>
+          <a:fontRef idx="minor">
+            <a:schemeClr val="tx1"/>
+          </a:fontRef>
+        </p:style>
+      </p:cxnSp>
+      <p:cxnSp>
+        <p:nvCxnSpPr>
+          <p:cNvPr id="74" name="꺾인 연결선 73"/>
+          <p:cNvCxnSpPr>
+            <a:endCxn id="11" idx="0"/>
+          </p:cNvCxnSpPr>
+          <p:nvPr/>
+        </p:nvCxnSpPr>
+        <p:spPr>
+          <a:xfrm>
+            <a:off x="869324" y="558632"/>
+            <a:ext cx="8693240" cy="239858"/>
+          </a:xfrm>
+          <a:prstGeom prst="bentConnector2">
+            <a:avLst/>
+          </a:prstGeom>
+          <a:ln w="28575">
+            <a:tailEnd type="triangle"/>
+          </a:ln>
+        </p:spPr>
+        <p:style>
+          <a:lnRef idx="3">
+            <a:schemeClr val="dk1"/>
+          </a:lnRef>
+          <a:fillRef idx="0">
+            <a:schemeClr val="dk1"/>
+          </a:fillRef>
+          <a:effectRef idx="2">
+            <a:schemeClr val="dk1"/>
+          </a:effectRef>
+          <a:fontRef idx="minor">
+            <a:schemeClr val="tx1"/>
+          </a:fontRef>
+        </p:style>
+      </p:cxnSp>
+      <p:sp>
+        <p:nvSpPr>
+          <p:cNvPr id="78" name="TextBox 77"/>
+          <p:cNvSpPr txBox="1"/>
+          <p:nvPr/>
+        </p:nvSpPr>
+        <p:spPr>
+          <a:xfrm>
+            <a:off x="903128" y="2645908"/>
+            <a:ext cx="515157" cy="276999"/>
+          </a:xfrm>
+          <a:prstGeom prst="rect">
+            <a:avLst/>
+          </a:prstGeom>
+          <a:noFill/>
+        </p:spPr>
+        <p:txBody>
+          <a:bodyPr wrap="square" rtlCol="0">
+            <a:spAutoFit/>
+          </a:bodyPr>
+          <a:lstStyle/>
+          <a:p>
+            <a:r>
+              <a:rPr lang="en-US" altLang="ko-KR" sz="1200" b="1" smtClean="0"/>
+              <a:t>NO</a:t>
+            </a:r>
+            <a:endParaRPr lang="ko-KR" altLang="en-US" sz="1200" b="1"/>
+          </a:p>
+        </p:txBody>
+      </p:sp>
+      <p:sp>
+        <p:nvSpPr>
+          <p:cNvPr id="79" name="TextBox 78"/>
+          <p:cNvSpPr txBox="1"/>
+          <p:nvPr/>
+        </p:nvSpPr>
+        <p:spPr>
+          <a:xfrm>
+            <a:off x="2691285" y="2894478"/>
+            <a:ext cx="523202" cy="276999"/>
+          </a:xfrm>
+          <a:prstGeom prst="rect">
+            <a:avLst/>
+          </a:prstGeom>
+          <a:noFill/>
+        </p:spPr>
+        <p:txBody>
+          <a:bodyPr wrap="square" rtlCol="0">
+            <a:spAutoFit/>
+          </a:bodyPr>
+          <a:lstStyle/>
+          <a:p>
+            <a:r>
+              <a:rPr lang="en-US" altLang="ko-KR" sz="1200" b="1" smtClean="0"/>
+              <a:t>YES</a:t>
+            </a:r>
+            <a:endParaRPr lang="ko-KR" altLang="en-US" sz="1200" b="1"/>
+          </a:p>
+        </p:txBody>
+      </p:sp>
+      <p:cxnSp>
+        <p:nvCxnSpPr>
+          <p:cNvPr id="85" name="직선 화살표 연결선 84"/>
+          <p:cNvCxnSpPr>
+            <a:stCxn id="20" idx="2"/>
+          </p:cNvCxnSpPr>
+          <p:nvPr/>
+        </p:nvCxnSpPr>
+        <p:spPr>
+          <a:xfrm>
+            <a:off x="3700274" y="4200042"/>
+            <a:ext cx="0" cy="784082"/>
+          </a:xfrm>
+          <a:prstGeom prst="straightConnector1">
+            <a:avLst/>
+          </a:prstGeom>
+          <a:ln w="28575">
+            <a:tailEnd type="triangle"/>
+          </a:ln>
+        </p:spPr>
+        <p:style>
+          <a:lnRef idx="3">
+            <a:schemeClr val="dk1"/>
+          </a:lnRef>
+          <a:fillRef idx="0">
+            <a:schemeClr val="dk1"/>
+          </a:fillRef>
+          <a:effectRef idx="2">
+            <a:schemeClr val="dk1"/>
+          </a:effectRef>
+          <a:fontRef idx="minor">
+            <a:schemeClr val="tx1"/>
+          </a:fontRef>
+        </p:style>
+      </p:cxnSp>
+      <p:cxnSp>
+        <p:nvCxnSpPr>
+          <p:cNvPr id="86" name="직선 화살표 연결선 85"/>
+          <p:cNvCxnSpPr/>
+          <p:nvPr/>
+        </p:nvCxnSpPr>
+        <p:spPr>
+          <a:xfrm>
+            <a:off x="5027601" y="4200042"/>
+            <a:ext cx="0" cy="784082"/>
+          </a:xfrm>
+          <a:prstGeom prst="straightConnector1">
+            <a:avLst/>
+          </a:prstGeom>
+          <a:ln w="28575">
+            <a:tailEnd type="triangle"/>
+          </a:ln>
+        </p:spPr>
+        <p:style>
+          <a:lnRef idx="3">
+            <a:schemeClr val="dk1"/>
+          </a:lnRef>
+          <a:fillRef idx="0">
+            <a:schemeClr val="dk1"/>
+          </a:fillRef>
+          <a:effectRef idx="2">
+            <a:schemeClr val="dk1"/>
+          </a:effectRef>
+          <a:fontRef idx="minor">
+            <a:schemeClr val="tx1"/>
+          </a:fontRef>
+        </p:style>
+      </p:cxnSp>
+      <p:cxnSp>
+        <p:nvCxnSpPr>
+          <p:cNvPr id="88" name="직선 화살표 연결선 87"/>
+          <p:cNvCxnSpPr>
+            <a:stCxn id="12" idx="2"/>
+          </p:cNvCxnSpPr>
+          <p:nvPr/>
+        </p:nvCxnSpPr>
+        <p:spPr>
+          <a:xfrm>
+            <a:off x="9591540" y="4200045"/>
+            <a:ext cx="0" cy="988068"/>
+          </a:xfrm>
+          <a:prstGeom prst="straightConnector1">
+            <a:avLst/>
+          </a:prstGeom>
+          <a:ln w="28575">
+            <a:tailEnd type="triangle"/>
+          </a:ln>
+        </p:spPr>
+        <p:style>
+          <a:lnRef idx="3">
+            <a:schemeClr val="dk1"/>
+          </a:lnRef>
+          <a:fillRef idx="0">
+            <a:schemeClr val="dk1"/>
+          </a:fillRef>
+          <a:effectRef idx="2">
+            <a:schemeClr val="dk1"/>
+          </a:effectRef>
+          <a:fontRef idx="minor">
+            <a:schemeClr val="tx1"/>
+          </a:fontRef>
+        </p:style>
+      </p:cxnSp>
+      <p:cxnSp>
+        <p:nvCxnSpPr>
+          <p:cNvPr id="98" name="직선 화살표 연결선 97"/>
+          <p:cNvCxnSpPr>
+            <a:stCxn id="29" idx="1"/>
+            <a:endCxn id="30" idx="3"/>
+          </p:cNvCxnSpPr>
+          <p:nvPr/>
+        </p:nvCxnSpPr>
+        <p:spPr>
+          <a:xfrm flipH="1" flipV="1">
+            <a:off x="8239261" y="6181102"/>
+            <a:ext cx="634283" cy="1"/>
+          </a:xfrm>
+          <a:prstGeom prst="straightConnector1">
+            <a:avLst/>
+          </a:prstGeom>
+          <a:ln w="28575">
+            <a:tailEnd type="triangle"/>
+          </a:ln>
+        </p:spPr>
+        <p:style>
+          <a:lnRef idx="3">
+            <a:schemeClr val="dk1"/>
+          </a:lnRef>
+          <a:fillRef idx="0">
+            <a:schemeClr val="dk1"/>
+          </a:fillRef>
+          <a:effectRef idx="2">
+            <a:schemeClr val="dk1"/>
+          </a:effectRef>
+          <a:fontRef idx="minor">
+            <a:schemeClr val="tx1"/>
+          </a:fontRef>
+        </p:style>
+      </p:cxnSp>
+      <p:cxnSp>
+        <p:nvCxnSpPr>
+          <p:cNvPr id="100" name="꺾인 연결선 99"/>
+          <p:cNvCxnSpPr>
+            <a:stCxn id="14" idx="2"/>
+          </p:cNvCxnSpPr>
+          <p:nvPr/>
+        </p:nvCxnSpPr>
+        <p:spPr>
+          <a:xfrm rot="16200000" flipH="1">
+            <a:off x="4375284" y="1716598"/>
+            <a:ext cx="553613" cy="5504915"/>
+          </a:xfrm>
+          <a:prstGeom prst="bentConnector2">
+            <a:avLst/>
+          </a:prstGeom>
+          <a:ln w="28575"/>
+        </p:spPr>
+        <p:style>
+          <a:lnRef idx="3">
+            <a:schemeClr val="dk1"/>
+          </a:lnRef>
+          <a:fillRef idx="0">
+            <a:schemeClr val="dk1"/>
+          </a:fillRef>
+          <a:effectRef idx="2">
+            <a:schemeClr val="dk1"/>
+          </a:effectRef>
+          <a:fontRef idx="minor">
+            <a:schemeClr val="tx1"/>
+          </a:fontRef>
+        </p:style>
+      </p:cxnSp>
+      <p:cxnSp>
+        <p:nvCxnSpPr>
+          <p:cNvPr id="102" name="직선 화살표 연결선 101"/>
+          <p:cNvCxnSpPr>
+            <a:endCxn id="33" idx="0"/>
+          </p:cNvCxnSpPr>
+          <p:nvPr/>
+        </p:nvCxnSpPr>
+        <p:spPr>
+          <a:xfrm>
+            <a:off x="7404548" y="4749031"/>
+            <a:ext cx="0" cy="441001"/>
+          </a:xfrm>
+          <a:prstGeom prst="straightConnector1">
+            <a:avLst/>
+          </a:prstGeom>
+          <a:ln w="28575">
+            <a:tailEnd type="triangle"/>
+          </a:ln>
+        </p:spPr>
+        <p:style>
+          <a:lnRef idx="3">
+            <a:schemeClr val="dk1"/>
+          </a:lnRef>
+          <a:fillRef idx="0">
+            <a:schemeClr val="dk1"/>
+          </a:fillRef>
+          <a:effectRef idx="2">
+            <a:schemeClr val="dk1"/>
+          </a:effectRef>
+          <a:fontRef idx="minor">
+            <a:schemeClr val="tx1"/>
+          </a:fontRef>
+        </p:style>
+      </p:cxnSp>
+      <p:cxnSp>
+        <p:nvCxnSpPr>
+          <p:cNvPr id="104" name="직선 화살표 연결선 103"/>
+          <p:cNvCxnSpPr>
+            <a:endCxn id="29" idx="0"/>
+          </p:cNvCxnSpPr>
+          <p:nvPr/>
+        </p:nvCxnSpPr>
+        <p:spPr>
+          <a:xfrm>
+            <a:off x="9640909" y="5644438"/>
+            <a:ext cx="1" cy="327772"/>
+          </a:xfrm>
+          <a:prstGeom prst="straightConnector1">
+            <a:avLst/>
+          </a:prstGeom>
+          <a:ln w="28575">
+            <a:tailEnd type="triangle"/>
+          </a:ln>
+        </p:spPr>
+        <p:style>
+          <a:lnRef idx="3">
+            <a:schemeClr val="dk1"/>
+          </a:lnRef>
+          <a:fillRef idx="0">
+            <a:schemeClr val="dk1"/>
+          </a:fillRef>
+          <a:effectRef idx="2">
+            <a:schemeClr val="dk1"/>
+          </a:effectRef>
+          <a:fontRef idx="minor">
+            <a:schemeClr val="tx1"/>
+          </a:fontRef>
+        </p:style>
+      </p:cxnSp>
+      <p:cxnSp>
+        <p:nvCxnSpPr>
+          <p:cNvPr id="108" name="꺾인 연결선 107"/>
+          <p:cNvCxnSpPr>
+            <a:stCxn id="30" idx="0"/>
+          </p:cNvCxnSpPr>
+          <p:nvPr/>
+        </p:nvCxnSpPr>
+        <p:spPr>
+          <a:xfrm rot="5400000" flipH="1" flipV="1">
+            <a:off x="7884203" y="5370844"/>
+            <a:ext cx="121710" cy="1081021"/>
+          </a:xfrm>
+          <a:prstGeom prst="bentConnector2">
+            <a:avLst/>
+          </a:prstGeom>
+          <a:ln w="28575"/>
+        </p:spPr>
+        <p:style>
+          <a:lnRef idx="3">
+            <a:schemeClr val="dk1"/>
+          </a:lnRef>
+          <a:fillRef idx="0">
+            <a:schemeClr val="dk1"/>
+          </a:fillRef>
+          <a:effectRef idx="2">
+            <a:schemeClr val="dk1"/>
+          </a:effectRef>
+          <a:fontRef idx="minor">
+            <a:schemeClr val="tx1"/>
+          </a:fontRef>
+        </p:style>
+      </p:cxnSp>
+      <p:cxnSp>
+        <p:nvCxnSpPr>
+          <p:cNvPr id="110" name="꺾인 연결선 109"/>
+          <p:cNvCxnSpPr>
+            <a:endCxn id="13" idx="3"/>
+          </p:cNvCxnSpPr>
+          <p:nvPr/>
+        </p:nvCxnSpPr>
+        <p:spPr>
+          <a:xfrm rot="16200000" flipV="1">
+            <a:off x="7309211" y="4672344"/>
+            <a:ext cx="1971715" cy="381003"/>
+          </a:xfrm>
+          <a:prstGeom prst="bentConnector2">
+            <a:avLst/>
+          </a:prstGeom>
+          <a:ln w="28575">
+            <a:tailEnd type="triangle"/>
+          </a:ln>
+        </p:spPr>
+        <p:style>
+          <a:lnRef idx="3">
+            <a:schemeClr val="dk1"/>
+          </a:lnRef>
+          <a:fillRef idx="0">
+            <a:schemeClr val="dk1"/>
+          </a:fillRef>
+          <a:effectRef idx="2">
+            <a:schemeClr val="dk1"/>
+          </a:effectRef>
+          <a:fontRef idx="minor">
+            <a:schemeClr val="tx1"/>
+          </a:fontRef>
+        </p:style>
+      </p:cxnSp>
+      <p:pic>
+        <p:nvPicPr>
+          <p:cNvPr id="111" name="그림 110"/>
+          <p:cNvPicPr>
+            <a:picLocks noChangeAspect="1"/>
+          </p:cNvPicPr>
+          <p:nvPr/>
+        </p:nvPicPr>
+        <p:blipFill>
+          <a:blip r:embed="rId2" cstate="print">
+            <a:extLst>
+              <a:ext uri="{28A0092B-C50C-407E-A947-70E740481C1C}">
+                <a14:useLocalDpi xmlns:a14="http://schemas.microsoft.com/office/drawing/2010/main" val="0"/>
+              </a:ext>
+            </a:extLst>
+          </a:blip>
+          <a:stretch>
+            <a:fillRect/>
+          </a:stretch>
+        </p:blipFill>
+        <p:spPr>
+          <a:xfrm>
+            <a:off x="59528" y="5202823"/>
+            <a:ext cx="2003467" cy="864510"/>
+          </a:xfrm>
+          <a:prstGeom prst="rect">
+            <a:avLst/>
+          </a:prstGeom>
+        </p:spPr>
+      </p:pic>
+      <p:cxnSp>
+        <p:nvCxnSpPr>
+          <p:cNvPr id="113" name="직선 화살표 연결선 112"/>
+          <p:cNvCxnSpPr>
+            <a:stCxn id="31" idx="1"/>
+          </p:cNvCxnSpPr>
+          <p:nvPr/>
+        </p:nvCxnSpPr>
+        <p:spPr>
+          <a:xfrm flipH="1" flipV="1">
+            <a:off x="2061029" y="5713087"/>
+            <a:ext cx="486304" cy="1"/>
+          </a:xfrm>
+          <a:prstGeom prst="straightConnector1">
+            <a:avLst/>
+          </a:prstGeom>
+          <a:ln w="28575">
+            <a:tailEnd type="triangle"/>
+          </a:ln>
+        </p:spPr>
+        <p:style>
+          <a:lnRef idx="3">
+            <a:schemeClr val="dk1"/>
+          </a:lnRef>
+          <a:fillRef idx="0">
+            <a:schemeClr val="dk1"/>
+          </a:fillRef>
+          <a:effectRef idx="2">
+            <a:schemeClr val="dk1"/>
+          </a:effectRef>
+          <a:fontRef idx="minor">
+            <a:schemeClr val="tx1"/>
+          </a:fontRef>
+        </p:style>
+      </p:cxnSp>
+      <p:sp>
+        <p:nvSpPr>
+          <p:cNvPr id="116" name="TextBox 115"/>
+          <p:cNvSpPr txBox="1"/>
+          <p:nvPr/>
+        </p:nvSpPr>
+        <p:spPr>
+          <a:xfrm>
+            <a:off x="3015704" y="3198836"/>
+            <a:ext cx="792714" cy="369332"/>
+          </a:xfrm>
+          <a:prstGeom prst="rect">
+            <a:avLst/>
+          </a:prstGeom>
+          <a:noFill/>
+        </p:spPr>
+        <p:txBody>
+          <a:bodyPr wrap="square" rtlCol="0">
+            <a:spAutoFit/>
+          </a:bodyPr>
+          <a:lstStyle/>
+          <a:p>
+            <a:r>
+              <a:rPr lang="en-US" altLang="ko-KR" b="1" smtClean="0"/>
+              <a:t>n=0</a:t>
+            </a:r>
+            <a:endParaRPr lang="ko-KR" altLang="en-US" b="1"/>
+          </a:p>
+        </p:txBody>
+      </p:sp>
+      <p:sp>
+        <p:nvSpPr>
+          <p:cNvPr id="118" name="TextBox 117"/>
+          <p:cNvSpPr txBox="1"/>
+          <p:nvPr/>
+        </p:nvSpPr>
+        <p:spPr>
+          <a:xfrm>
+            <a:off x="9640909" y="4550605"/>
+            <a:ext cx="1655624" cy="369332"/>
+          </a:xfrm>
+          <a:prstGeom prst="rect">
+            <a:avLst/>
+          </a:prstGeom>
+          <a:noFill/>
+        </p:spPr>
+        <p:txBody>
+          <a:bodyPr wrap="square" rtlCol="0">
+            <a:spAutoFit/>
+          </a:bodyPr>
+          <a:lstStyle/>
+          <a:p>
+            <a:r>
+              <a:rPr lang="en-US" altLang="ko-KR" b="1" smtClean="0"/>
+              <a:t>int arr[600][6]</a:t>
+            </a:r>
+            <a:endParaRPr lang="ko-KR" altLang="en-US" b="1"/>
+          </a:p>
+        </p:txBody>
+      </p:sp>
+      <p:sp>
+        <p:nvSpPr>
+          <p:cNvPr id="119" name="TextBox 118"/>
+          <p:cNvSpPr txBox="1"/>
+          <p:nvPr/>
+        </p:nvSpPr>
+        <p:spPr>
+          <a:xfrm>
+            <a:off x="10407338" y="5674641"/>
+            <a:ext cx="1465777" cy="861774"/>
+          </a:xfrm>
+          <a:prstGeom prst="rect">
+            <a:avLst/>
+          </a:prstGeom>
+          <a:noFill/>
+        </p:spPr>
+        <p:txBody>
+          <a:bodyPr wrap="square" rtlCol="0">
+            <a:spAutoFit/>
+          </a:bodyPr>
+          <a:lstStyle/>
+          <a:p>
+            <a:r>
+              <a:rPr lang="en-US" altLang="ko-KR" sz="1600" b="1" smtClean="0"/>
+              <a:t>int array[600][6] </a:t>
+            </a:r>
+          </a:p>
+          <a:p>
+            <a:r>
+              <a:rPr lang="ko-KR" altLang="en-US" sz="1600" b="1" smtClean="0"/>
+              <a:t>동적할당</a:t>
+            </a:r>
+            <a:endParaRPr lang="ko-KR" altLang="en-US" sz="1600" b="1"/>
+          </a:p>
+        </p:txBody>
+      </p:sp>
+      <p:sp>
+        <p:nvSpPr>
+          <p:cNvPr id="120" name="TextBox 119"/>
+          <p:cNvSpPr txBox="1"/>
+          <p:nvPr/>
+        </p:nvSpPr>
+        <p:spPr>
+          <a:xfrm>
+            <a:off x="1899632" y="1396383"/>
+            <a:ext cx="874693" cy="369332"/>
+          </a:xfrm>
+          <a:prstGeom prst="rect">
+            <a:avLst/>
+          </a:prstGeom>
+          <a:noFill/>
+        </p:spPr>
+        <p:txBody>
+          <a:bodyPr wrap="square" rtlCol="0">
+            <a:spAutoFit/>
+          </a:bodyPr>
+          <a:lstStyle/>
+          <a:p>
+            <a:r>
+              <a:rPr lang="en-US" altLang="ko-KR" b="1" smtClean="0"/>
+              <a:t>.mp3</a:t>
+            </a:r>
+            <a:endParaRPr lang="ko-KR" altLang="en-US" b="1"/>
+          </a:p>
+        </p:txBody>
+      </p:sp>
+      <p:sp>
+        <p:nvSpPr>
+          <p:cNvPr id="124" name="직사각형 123"/>
+          <p:cNvSpPr/>
+          <p:nvPr/>
+        </p:nvSpPr>
+        <p:spPr>
+          <a:xfrm>
+            <a:off x="5883098" y="2588661"/>
+            <a:ext cx="1030308" cy="646111"/>
+          </a:xfrm>
+          <a:prstGeom prst="rect">
+            <a:avLst/>
+          </a:prstGeom>
+        </p:spPr>
+        <p:style>
+          <a:lnRef idx="0">
+            <a:schemeClr val="accent4"/>
+          </a:lnRef>
+          <a:fillRef idx="3">
+            <a:schemeClr val="accent4"/>
+          </a:fillRef>
+          <a:effectRef idx="3">
+            <a:schemeClr val="accent4"/>
+          </a:effectRef>
+          <a:fontRef idx="minor">
+            <a:schemeClr val="lt1"/>
+          </a:fontRef>
+        </p:style>
+        <p:txBody>
+          <a:bodyPr rtlCol="0" anchor="ctr"/>
+          <a:lstStyle/>
+          <a:p>
+            <a:pPr algn="ctr"/>
+            <a:r>
+              <a:rPr lang="ko-KR" altLang="en-US" sz="1600" smtClean="0"/>
+              <a:t>다시시작</a:t>
+            </a:r>
+            <a:endParaRPr lang="ko-KR" altLang="en-US" sz="1600"/>
+          </a:p>
+        </p:txBody>
+      </p:sp>
+      <p:cxnSp>
+        <p:nvCxnSpPr>
+          <p:cNvPr id="125" name="직선 화살표 연결선 124"/>
+          <p:cNvCxnSpPr/>
+          <p:nvPr/>
+        </p:nvCxnSpPr>
+        <p:spPr>
+          <a:xfrm flipV="1">
+            <a:off x="5561205" y="2918679"/>
+            <a:ext cx="331172" cy="7959"/>
+          </a:xfrm>
+          <a:prstGeom prst="straightConnector1">
+            <a:avLst/>
+          </a:prstGeom>
+          <a:ln w="28575">
+            <a:tailEnd type="triangle"/>
+          </a:ln>
+        </p:spPr>
+        <p:style>
+          <a:lnRef idx="3">
+            <a:schemeClr val="dk1"/>
+          </a:lnRef>
+          <a:fillRef idx="0">
+            <a:schemeClr val="dk1"/>
+          </a:fillRef>
+          <a:effectRef idx="2">
+            <a:schemeClr val="dk1"/>
+          </a:effectRef>
+          <a:fontRef idx="minor">
+            <a:schemeClr val="tx1"/>
+          </a:fontRef>
+        </p:style>
+      </p:cxnSp>
+      <p:cxnSp>
+        <p:nvCxnSpPr>
+          <p:cNvPr id="129" name="직선 화살표 연결선 128"/>
+          <p:cNvCxnSpPr/>
+          <p:nvPr/>
+        </p:nvCxnSpPr>
+        <p:spPr>
+          <a:xfrm flipV="1">
+            <a:off x="6200104" y="3249007"/>
+            <a:ext cx="0" cy="1720524"/>
+          </a:xfrm>
+          <a:prstGeom prst="straightConnector1">
+            <a:avLst/>
+          </a:prstGeom>
+          <a:ln w="28575">
+            <a:tailEnd type="triangle"/>
+          </a:ln>
+        </p:spPr>
+        <p:style>
+          <a:lnRef idx="3">
+            <a:schemeClr val="dk1"/>
+          </a:lnRef>
+          <a:fillRef idx="0">
+            <a:schemeClr val="dk1"/>
+          </a:fillRef>
+          <a:effectRef idx="2">
+            <a:schemeClr val="dk1"/>
+          </a:effectRef>
+          <a:fontRef idx="minor">
+            <a:schemeClr val="tx1"/>
+          </a:fontRef>
+        </p:style>
+      </p:cxnSp>
+      <p:sp>
+        <p:nvSpPr>
+          <p:cNvPr id="131" name="TextBox 130"/>
+          <p:cNvSpPr txBox="1"/>
+          <p:nvPr/>
+        </p:nvSpPr>
+        <p:spPr>
+          <a:xfrm>
+            <a:off x="5641751" y="3782626"/>
+            <a:ext cx="728459" cy="369332"/>
+          </a:xfrm>
+          <a:prstGeom prst="rect">
+            <a:avLst/>
+          </a:prstGeom>
+          <a:noFill/>
+        </p:spPr>
+        <p:txBody>
+          <a:bodyPr wrap="square" rtlCol="0">
+            <a:spAutoFit/>
+          </a:bodyPr>
+          <a:lstStyle/>
+          <a:p>
+            <a:r>
+              <a:rPr lang="en-US" altLang="ko-KR" b="1" smtClean="0"/>
+              <a:t>a=n</a:t>
+            </a:r>
+            <a:endParaRPr lang="ko-KR" altLang="en-US" b="1"/>
+          </a:p>
+        </p:txBody>
+      </p:sp>
+      <p:cxnSp>
+        <p:nvCxnSpPr>
+          <p:cNvPr id="142" name="꺾인 연결선 141"/>
+          <p:cNvCxnSpPr/>
+          <p:nvPr/>
+        </p:nvCxnSpPr>
+        <p:spPr>
+          <a:xfrm rot="10800000" flipV="1">
+            <a:off x="4025900" y="3234772"/>
+            <a:ext cx="2032000" cy="125266"/>
+          </a:xfrm>
+          <a:prstGeom prst="bentConnector3">
+            <a:avLst>
+              <a:gd name="adj1" fmla="val 291"/>
+            </a:avLst>
+          </a:prstGeom>
+          <a:ln w="28575"/>
+        </p:spPr>
+        <p:style>
+          <a:lnRef idx="3">
+            <a:schemeClr val="dk1"/>
+          </a:lnRef>
+          <a:fillRef idx="0">
+            <a:schemeClr val="dk1"/>
+          </a:fillRef>
+          <a:effectRef idx="2">
+            <a:schemeClr val="dk1"/>
+          </a:effectRef>
+          <a:fontRef idx="minor">
+            <a:schemeClr val="tx1"/>
+          </a:fontRef>
+        </p:style>
+      </p:cxnSp>
+      <p:cxnSp>
+        <p:nvCxnSpPr>
+          <p:cNvPr id="145" name="직선 화살표 연결선 144"/>
+          <p:cNvCxnSpPr/>
+          <p:nvPr/>
+        </p:nvCxnSpPr>
+        <p:spPr>
+          <a:xfrm>
+            <a:off x="4025900" y="3344865"/>
+            <a:ext cx="0" cy="232837"/>
+          </a:xfrm>
+          <a:prstGeom prst="straightConnector1">
+            <a:avLst/>
+          </a:prstGeom>
+          <a:ln w="28575">
+            <a:tailEnd type="triangle"/>
+          </a:ln>
+        </p:spPr>
+        <p:style>
+          <a:lnRef idx="3">
+            <a:schemeClr val="dk1"/>
+          </a:lnRef>
+          <a:fillRef idx="0">
+            <a:schemeClr val="dk1"/>
+          </a:fillRef>
+          <a:effectRef idx="2">
+            <a:schemeClr val="dk1"/>
+          </a:effectRef>
+          <a:fontRef idx="minor">
+            <a:schemeClr val="tx1"/>
+          </a:fontRef>
+        </p:style>
+      </p:cxnSp>
+      <p:sp>
+        <p:nvSpPr>
+          <p:cNvPr id="148" name="TextBox 147"/>
+          <p:cNvSpPr txBox="1"/>
+          <p:nvPr/>
+        </p:nvSpPr>
+        <p:spPr>
+          <a:xfrm>
+            <a:off x="4089717" y="3250962"/>
+            <a:ext cx="673691" cy="369332"/>
+          </a:xfrm>
+          <a:prstGeom prst="rect">
+            <a:avLst/>
+          </a:prstGeom>
+          <a:noFill/>
+        </p:spPr>
+        <p:txBody>
+          <a:bodyPr wrap="square" rtlCol="0">
+            <a:spAutoFit/>
+          </a:bodyPr>
+          <a:lstStyle/>
+          <a:p>
+            <a:r>
+              <a:rPr lang="en-US" altLang="ko-KR" b="1" smtClean="0"/>
+              <a:t>n=a</a:t>
+            </a:r>
+            <a:endParaRPr lang="ko-KR" altLang="en-US" b="1"/>
+          </a:p>
+        </p:txBody>
+      </p:sp>
+      <p:cxnSp>
+        <p:nvCxnSpPr>
+          <p:cNvPr id="150" name="꺾인 연결선 149"/>
+          <p:cNvCxnSpPr>
+            <a:stCxn id="24" idx="0"/>
+          </p:cNvCxnSpPr>
+          <p:nvPr/>
+        </p:nvCxnSpPr>
+        <p:spPr>
+          <a:xfrm rot="5400000" flipH="1" flipV="1">
+            <a:off x="5863638" y="349224"/>
+            <a:ext cx="77565" cy="4404292"/>
+          </a:xfrm>
+          <a:prstGeom prst="bentConnector2">
+            <a:avLst/>
+          </a:prstGeom>
+          <a:ln w="28575">
+            <a:tailEnd type="triangle"/>
+          </a:ln>
+        </p:spPr>
+        <p:style>
+          <a:lnRef idx="3">
+            <a:schemeClr val="dk1"/>
+          </a:lnRef>
+          <a:fillRef idx="0">
+            <a:schemeClr val="dk1"/>
+          </a:fillRef>
+          <a:effectRef idx="2">
+            <a:schemeClr val="dk1"/>
+          </a:effectRef>
+          <a:fontRef idx="minor">
+            <a:schemeClr val="tx1"/>
+          </a:fontRef>
+        </p:style>
+      </p:cxnSp>
+      <p:sp>
+        <p:nvSpPr>
+          <p:cNvPr id="151" name="실행 단추: 소리 150">
+            <a:hlinkClick r:id="" action="ppaction://noaction" highlightClick="1">
+              <a:snd r:embed="rId3" name="applause.wav"/>
+            </a:hlinkClick>
+          </p:cNvPr>
+          <p:cNvSpPr/>
+          <p:nvPr/>
+        </p:nvSpPr>
+        <p:spPr>
+          <a:xfrm>
+            <a:off x="8163737" y="2263901"/>
+            <a:ext cx="644889" cy="573097"/>
+          </a:xfrm>
+          <a:prstGeom prst="actionButtonSound">
+            <a:avLst/>
+          </a:prstGeom>
+        </p:spPr>
+        <p:style>
           <a:lnRef idx="2">
             <a:schemeClr val="dk1"/>
           </a:lnRef>
@@ -4383,849 +6760,6 @@
           </a:effectRef>
           <a:fontRef idx="minor">
             <a:schemeClr val="dk1"/>
-          </a:fontRef>
-        </p:style>
-        <p:txBody>
-          <a:bodyPr rtlCol="0" anchor="ctr"/>
-          <a:lstStyle/>
-          <a:p>
-            <a:pPr algn="ctr"/>
-            <a:r>
-              <a:rPr lang="en-US" altLang="ko-KR" smtClean="0"/>
-              <a:t>SD</a:t>
-            </a:r>
-            <a:r>
-              <a:rPr lang="ko-KR" altLang="en-US" smtClean="0"/>
-              <a:t>카드</a:t>
-            </a:r>
-            <a:endParaRPr lang="ko-KR" altLang="en-US"/>
-          </a:p>
-        </p:txBody>
-      </p:sp>
-      <p:sp>
-        <p:nvSpPr>
-          <p:cNvPr id="8" name="직사각형 7"/>
-          <p:cNvSpPr/>
-          <p:nvPr/>
-        </p:nvSpPr>
-        <p:spPr>
-          <a:xfrm>
-            <a:off x="1210614" y="1754478"/>
-            <a:ext cx="1378039" cy="631064"/>
-          </a:xfrm>
-          <a:prstGeom prst="rect">
-            <a:avLst/>
-          </a:prstGeom>
-        </p:spPr>
-        <p:style>
-          <a:lnRef idx="2">
-            <a:schemeClr val="dk1"/>
-          </a:lnRef>
-          <a:fillRef idx="1">
-            <a:schemeClr val="lt1"/>
-          </a:fillRef>
-          <a:effectRef idx="0">
-            <a:schemeClr val="dk1"/>
-          </a:effectRef>
-          <a:fontRef idx="minor">
-            <a:schemeClr val="dk1"/>
-          </a:fontRef>
-        </p:style>
-        <p:txBody>
-          <a:bodyPr rtlCol="0" anchor="ctr"/>
-          <a:lstStyle/>
-          <a:p>
-            <a:pPr algn="ctr"/>
-            <a:r>
-              <a:rPr lang="ko-KR" altLang="en-US" smtClean="0"/>
-              <a:t>재생화면</a:t>
-            </a:r>
-            <a:endParaRPr lang="ko-KR" altLang="en-US"/>
-          </a:p>
-        </p:txBody>
-      </p:sp>
-      <p:sp>
-        <p:nvSpPr>
-          <p:cNvPr id="9" name="직사각형 8"/>
-          <p:cNvSpPr/>
-          <p:nvPr/>
-        </p:nvSpPr>
-        <p:spPr>
-          <a:xfrm>
-            <a:off x="3705359" y="798490"/>
-            <a:ext cx="1378039" cy="631065"/>
-          </a:xfrm>
-          <a:prstGeom prst="rect">
-            <a:avLst/>
-          </a:prstGeom>
-        </p:spPr>
-        <p:style>
-          <a:lnRef idx="2">
-            <a:schemeClr val="dk1"/>
-          </a:lnRef>
-          <a:fillRef idx="1">
-            <a:schemeClr val="lt1"/>
-          </a:fillRef>
-          <a:effectRef idx="0">
-            <a:schemeClr val="dk1"/>
-          </a:effectRef>
-          <a:fontRef idx="minor">
-            <a:schemeClr val="dk1"/>
-          </a:fontRef>
-        </p:style>
-        <p:txBody>
-          <a:bodyPr rtlCol="0" anchor="ctr"/>
-          <a:lstStyle/>
-          <a:p>
-            <a:pPr algn="ctr"/>
-            <a:r>
-              <a:rPr lang="ko-KR" altLang="en-US" smtClean="0"/>
-              <a:t>음악목록</a:t>
-            </a:r>
-            <a:endParaRPr lang="ko-KR" altLang="en-US"/>
-          </a:p>
-        </p:txBody>
-      </p:sp>
-      <p:sp>
-        <p:nvSpPr>
-          <p:cNvPr id="10" name="직사각형 9"/>
-          <p:cNvSpPr/>
-          <p:nvPr/>
-        </p:nvSpPr>
-        <p:spPr>
-          <a:xfrm>
-            <a:off x="6200104" y="798490"/>
-            <a:ext cx="1378039" cy="631065"/>
-          </a:xfrm>
-          <a:prstGeom prst="rect">
-            <a:avLst/>
-          </a:prstGeom>
-        </p:spPr>
-        <p:style>
-          <a:lnRef idx="2">
-            <a:schemeClr val="dk1"/>
-          </a:lnRef>
-          <a:fillRef idx="1">
-            <a:schemeClr val="lt1"/>
-          </a:fillRef>
-          <a:effectRef idx="0">
-            <a:schemeClr val="dk1"/>
-          </a:effectRef>
-          <a:fontRef idx="minor">
-            <a:schemeClr val="dk1"/>
-          </a:fontRef>
-        </p:style>
-        <p:txBody>
-          <a:bodyPr rtlCol="0" anchor="ctr"/>
-          <a:lstStyle/>
-          <a:p>
-            <a:pPr algn="ctr"/>
-            <a:r>
-              <a:rPr lang="ko-KR" altLang="en-US" smtClean="0"/>
-              <a:t>노래선택</a:t>
-            </a:r>
-            <a:endParaRPr lang="ko-KR" altLang="en-US"/>
-          </a:p>
-        </p:txBody>
-      </p:sp>
-      <p:sp>
-        <p:nvSpPr>
-          <p:cNvPr id="11" name="직사각형 10"/>
-          <p:cNvSpPr/>
-          <p:nvPr/>
-        </p:nvSpPr>
-        <p:spPr>
-          <a:xfrm>
-            <a:off x="8873544" y="798490"/>
-            <a:ext cx="1378039" cy="631064"/>
-          </a:xfrm>
-          <a:prstGeom prst="rect">
-            <a:avLst/>
-          </a:prstGeom>
-        </p:spPr>
-        <p:style>
-          <a:lnRef idx="2">
-            <a:schemeClr val="dk1"/>
-          </a:lnRef>
-          <a:fillRef idx="1">
-            <a:schemeClr val="lt1"/>
-          </a:fillRef>
-          <a:effectRef idx="0">
-            <a:schemeClr val="dk1"/>
-          </a:effectRef>
-          <a:fontRef idx="minor">
-            <a:schemeClr val="dk1"/>
-          </a:fontRef>
-        </p:style>
-        <p:txBody>
-          <a:bodyPr rtlCol="0" anchor="ctr"/>
-          <a:lstStyle/>
-          <a:p>
-            <a:pPr algn="ctr"/>
-            <a:r>
-              <a:rPr lang="en-US" altLang="ko-KR" smtClean="0"/>
-              <a:t>FFT</a:t>
-            </a:r>
-            <a:r>
-              <a:rPr lang="ko-KR" altLang="en-US" smtClean="0"/>
-              <a:t>변환</a:t>
-            </a:r>
-            <a:endParaRPr lang="ko-KR" altLang="en-US"/>
-          </a:p>
-        </p:txBody>
-      </p:sp>
-      <p:sp>
-        <p:nvSpPr>
-          <p:cNvPr id="12" name="직사각형 11"/>
-          <p:cNvSpPr/>
-          <p:nvPr/>
-        </p:nvSpPr>
-        <p:spPr>
-          <a:xfrm>
-            <a:off x="8873544" y="3553931"/>
-            <a:ext cx="1435992" cy="646114"/>
-          </a:xfrm>
-          <a:prstGeom prst="rect">
-            <a:avLst/>
-          </a:prstGeom>
-        </p:spPr>
-        <p:style>
-          <a:lnRef idx="2">
-            <a:schemeClr val="dk1"/>
-          </a:lnRef>
-          <a:fillRef idx="1">
-            <a:schemeClr val="lt1"/>
-          </a:fillRef>
-          <a:effectRef idx="0">
-            <a:schemeClr val="dk1"/>
-          </a:effectRef>
-          <a:fontRef idx="minor">
-            <a:schemeClr val="dk1"/>
-          </a:fontRef>
-        </p:style>
-        <p:txBody>
-          <a:bodyPr rtlCol="0" anchor="ctr"/>
-          <a:lstStyle/>
-          <a:p>
-            <a:pPr algn="ctr"/>
-            <a:r>
-              <a:rPr lang="ko-KR" altLang="en-US" smtClean="0"/>
-              <a:t>배열값전송</a:t>
-            </a:r>
-            <a:endParaRPr lang="ko-KR" altLang="en-US"/>
-          </a:p>
-        </p:txBody>
-      </p:sp>
-      <p:sp>
-        <p:nvSpPr>
-          <p:cNvPr id="13" name="직사각형 12"/>
-          <p:cNvSpPr/>
-          <p:nvPr/>
-        </p:nvSpPr>
-        <p:spPr>
-          <a:xfrm>
-            <a:off x="6569835" y="3553931"/>
-            <a:ext cx="1534731" cy="646114"/>
-          </a:xfrm>
-          <a:prstGeom prst="rect">
-            <a:avLst/>
-          </a:prstGeom>
-        </p:spPr>
-        <p:style>
-          <a:lnRef idx="2">
-            <a:schemeClr val="dk1"/>
-          </a:lnRef>
-          <a:fillRef idx="1">
-            <a:schemeClr val="lt1"/>
-          </a:fillRef>
-          <a:effectRef idx="0">
-            <a:schemeClr val="dk1"/>
-          </a:effectRef>
-          <a:fontRef idx="minor">
-            <a:schemeClr val="dk1"/>
-          </a:fontRef>
-        </p:style>
-        <p:txBody>
-          <a:bodyPr rtlCol="0" anchor="ctr"/>
-          <a:lstStyle/>
-          <a:p>
-            <a:pPr algn="ctr"/>
-            <a:r>
-              <a:rPr lang="en-US" altLang="ko-KR" smtClean="0"/>
-              <a:t>FFT</a:t>
-            </a:r>
-            <a:r>
-              <a:rPr lang="ko-KR" altLang="en-US" smtClean="0"/>
-              <a:t>전송완료</a:t>
-            </a:r>
-            <a:endParaRPr lang="ko-KR" altLang="en-US"/>
-          </a:p>
-        </p:txBody>
-      </p:sp>
-      <p:sp>
-        <p:nvSpPr>
-          <p:cNvPr id="14" name="직사각형 13"/>
-          <p:cNvSpPr/>
-          <p:nvPr/>
-        </p:nvSpPr>
-        <p:spPr>
-          <a:xfrm>
-            <a:off x="1251932" y="3546138"/>
-            <a:ext cx="1295401" cy="646112"/>
-          </a:xfrm>
-          <a:prstGeom prst="rect">
-            <a:avLst/>
-          </a:prstGeom>
-        </p:spPr>
-        <p:style>
-          <a:lnRef idx="2">
-            <a:schemeClr val="dk1"/>
-          </a:lnRef>
-          <a:fillRef idx="1">
-            <a:schemeClr val="lt1"/>
-          </a:fillRef>
-          <a:effectRef idx="0">
-            <a:schemeClr val="dk1"/>
-          </a:effectRef>
-          <a:fontRef idx="minor">
-            <a:schemeClr val="dk1"/>
-          </a:fontRef>
-        </p:style>
-        <p:txBody>
-          <a:bodyPr rtlCol="0" anchor="ctr"/>
-          <a:lstStyle/>
-          <a:p>
-            <a:pPr algn="ctr"/>
-            <a:r>
-              <a:rPr lang="ko-KR" altLang="en-US" smtClean="0"/>
-              <a:t>장치연결</a:t>
-            </a:r>
-            <a:endParaRPr lang="ko-KR" altLang="en-US"/>
-          </a:p>
-        </p:txBody>
-      </p:sp>
-      <p:sp>
-        <p:nvSpPr>
-          <p:cNvPr id="15" name="직사각형 14"/>
-          <p:cNvSpPr/>
-          <p:nvPr/>
-        </p:nvSpPr>
-        <p:spPr>
-          <a:xfrm>
-            <a:off x="3705359" y="1754478"/>
-            <a:ext cx="1378039" cy="631064"/>
-          </a:xfrm>
-          <a:prstGeom prst="rect">
-            <a:avLst/>
-          </a:prstGeom>
-        </p:spPr>
-        <p:style>
-          <a:lnRef idx="2">
-            <a:schemeClr val="dk1"/>
-          </a:lnRef>
-          <a:fillRef idx="1">
-            <a:schemeClr val="lt1"/>
-          </a:fillRef>
-          <a:effectRef idx="0">
-            <a:schemeClr val="dk1"/>
-          </a:effectRef>
-          <a:fontRef idx="minor">
-            <a:schemeClr val="dk1"/>
-          </a:fontRef>
-        </p:style>
-        <p:txBody>
-          <a:bodyPr rtlCol="0" anchor="ctr"/>
-          <a:lstStyle/>
-          <a:p>
-            <a:pPr algn="ctr"/>
-            <a:r>
-              <a:rPr lang="en-US" altLang="ko-KR" smtClean="0"/>
-              <a:t>SET =1</a:t>
-            </a:r>
-            <a:endParaRPr lang="ko-KR" altLang="en-US"/>
-          </a:p>
-        </p:txBody>
-      </p:sp>
-      <p:sp>
-        <p:nvSpPr>
-          <p:cNvPr id="16" name="순서도: 판단 15"/>
-          <p:cNvSpPr/>
-          <p:nvPr/>
-        </p:nvSpPr>
-        <p:spPr>
-          <a:xfrm>
-            <a:off x="1088264" y="2639632"/>
-            <a:ext cx="1622738" cy="531235"/>
-          </a:xfrm>
-          <a:prstGeom prst="flowChartDecision">
-            <a:avLst/>
-          </a:prstGeom>
-        </p:spPr>
-        <p:style>
-          <a:lnRef idx="2">
-            <a:schemeClr val="accent1">
-              <a:shade val="50000"/>
-            </a:schemeClr>
-          </a:lnRef>
-          <a:fillRef idx="1">
-            <a:schemeClr val="accent1"/>
-          </a:fillRef>
-          <a:effectRef idx="0">
-            <a:schemeClr val="accent1"/>
-          </a:effectRef>
-          <a:fontRef idx="minor">
-            <a:schemeClr val="lt1"/>
-          </a:fontRef>
-        </p:style>
-        <p:txBody>
-          <a:bodyPr rtlCol="0" anchor="ctr"/>
-          <a:lstStyle/>
-          <a:p>
-            <a:pPr algn="ctr"/>
-            <a:r>
-              <a:rPr lang="en-US" altLang="ko-KR" sz="1600" smtClean="0"/>
-              <a:t>SET=1</a:t>
-            </a:r>
-            <a:endParaRPr lang="ko-KR" altLang="en-US" sz="1600"/>
-          </a:p>
-        </p:txBody>
-      </p:sp>
-      <p:sp>
-        <p:nvSpPr>
-          <p:cNvPr id="20" name="직사각형 19"/>
-          <p:cNvSpPr/>
-          <p:nvPr/>
-        </p:nvSpPr>
-        <p:spPr>
-          <a:xfrm>
-            <a:off x="3185120" y="3553931"/>
-            <a:ext cx="1030308" cy="646111"/>
-          </a:xfrm>
-          <a:prstGeom prst="rect">
-            <a:avLst/>
-          </a:prstGeom>
-        </p:spPr>
-        <p:style>
-          <a:lnRef idx="2">
-            <a:schemeClr val="dk1"/>
-          </a:lnRef>
-          <a:fillRef idx="1">
-            <a:schemeClr val="lt1"/>
-          </a:fillRef>
-          <a:effectRef idx="0">
-            <a:schemeClr val="dk1"/>
-          </a:effectRef>
-          <a:fontRef idx="minor">
-            <a:schemeClr val="dk1"/>
-          </a:fontRef>
-        </p:style>
-        <p:txBody>
-          <a:bodyPr rtlCol="0" anchor="ctr"/>
-          <a:lstStyle/>
-          <a:p>
-            <a:pPr algn="ctr"/>
-            <a:r>
-              <a:rPr lang="en-US" altLang="ko-KR" smtClean="0"/>
-              <a:t>START</a:t>
-            </a:r>
-            <a:endParaRPr lang="ko-KR" altLang="en-US"/>
-          </a:p>
-        </p:txBody>
-      </p:sp>
-      <p:sp>
-        <p:nvSpPr>
-          <p:cNvPr id="21" name="직사각형 20"/>
-          <p:cNvSpPr/>
-          <p:nvPr/>
-        </p:nvSpPr>
-        <p:spPr>
-          <a:xfrm>
-            <a:off x="4770550" y="3553931"/>
-            <a:ext cx="1030307" cy="646111"/>
-          </a:xfrm>
-          <a:prstGeom prst="rect">
-            <a:avLst/>
-          </a:prstGeom>
-        </p:spPr>
-        <p:style>
-          <a:lnRef idx="2">
-            <a:schemeClr val="dk1"/>
-          </a:lnRef>
-          <a:fillRef idx="1">
-            <a:schemeClr val="lt1"/>
-          </a:fillRef>
-          <a:effectRef idx="0">
-            <a:schemeClr val="dk1"/>
-          </a:effectRef>
-          <a:fontRef idx="minor">
-            <a:schemeClr val="dk1"/>
-          </a:fontRef>
-        </p:style>
-        <p:txBody>
-          <a:bodyPr rtlCol="0" anchor="ctr"/>
-          <a:lstStyle/>
-          <a:p>
-            <a:pPr algn="ctr"/>
-            <a:r>
-              <a:rPr lang="en-US" altLang="ko-KR" smtClean="0"/>
-              <a:t>PAUSE</a:t>
-            </a:r>
-            <a:endParaRPr lang="ko-KR" altLang="en-US"/>
-          </a:p>
-        </p:txBody>
-      </p:sp>
-      <p:sp>
-        <p:nvSpPr>
-          <p:cNvPr id="24" name="직사각형 23"/>
-          <p:cNvSpPr/>
-          <p:nvPr/>
-        </p:nvSpPr>
-        <p:spPr>
-          <a:xfrm>
-            <a:off x="3185120" y="2590152"/>
-            <a:ext cx="1030308" cy="646111"/>
-          </a:xfrm>
-          <a:prstGeom prst="rect">
-            <a:avLst/>
-          </a:prstGeom>
-        </p:spPr>
-        <p:style>
-          <a:lnRef idx="2">
-            <a:schemeClr val="dk1"/>
-          </a:lnRef>
-          <a:fillRef idx="1">
-            <a:schemeClr val="lt1"/>
-          </a:fillRef>
-          <a:effectRef idx="0">
-            <a:schemeClr val="dk1"/>
-          </a:effectRef>
-          <a:fontRef idx="minor">
-            <a:schemeClr val="dk1"/>
-          </a:fontRef>
-        </p:style>
-        <p:txBody>
-          <a:bodyPr rtlCol="0" anchor="ctr"/>
-          <a:lstStyle/>
-          <a:p>
-            <a:pPr algn="ctr"/>
-            <a:r>
-              <a:rPr lang="ko-KR" altLang="en-US" smtClean="0"/>
-              <a:t>재생</a:t>
-            </a:r>
-            <a:endParaRPr lang="ko-KR" altLang="en-US"/>
-          </a:p>
-        </p:txBody>
-      </p:sp>
-      <p:sp>
-        <p:nvSpPr>
-          <p:cNvPr id="25" name="직사각형 24"/>
-          <p:cNvSpPr/>
-          <p:nvPr/>
-        </p:nvSpPr>
-        <p:spPr>
-          <a:xfrm>
-            <a:off x="4770549" y="2590152"/>
-            <a:ext cx="1030308" cy="646111"/>
-          </a:xfrm>
-          <a:prstGeom prst="rect">
-            <a:avLst/>
-          </a:prstGeom>
-        </p:spPr>
-        <p:style>
-          <a:lnRef idx="2">
-            <a:schemeClr val="dk1"/>
-          </a:lnRef>
-          <a:fillRef idx="1">
-            <a:schemeClr val="lt1"/>
-          </a:fillRef>
-          <a:effectRef idx="0">
-            <a:schemeClr val="dk1"/>
-          </a:effectRef>
-          <a:fontRef idx="minor">
-            <a:schemeClr val="dk1"/>
-          </a:fontRef>
-        </p:style>
-        <p:txBody>
-          <a:bodyPr rtlCol="0" anchor="ctr"/>
-          <a:lstStyle/>
-          <a:p>
-            <a:pPr algn="ctr"/>
-            <a:r>
-              <a:rPr lang="ko-KR" altLang="en-US" smtClean="0"/>
-              <a:t>중지</a:t>
-            </a:r>
-            <a:endParaRPr lang="ko-KR" altLang="en-US"/>
-          </a:p>
-        </p:txBody>
-      </p:sp>
-      <p:sp>
-        <p:nvSpPr>
-          <p:cNvPr id="27" name="직사각형 26"/>
-          <p:cNvSpPr/>
-          <p:nvPr/>
-        </p:nvSpPr>
-        <p:spPr>
-          <a:xfrm>
-            <a:off x="2356834" y="4871164"/>
-            <a:ext cx="8783392" cy="1748577"/>
-          </a:xfrm>
-          <a:prstGeom prst="rect">
-            <a:avLst/>
-          </a:prstGeom>
-        </p:spPr>
-        <p:style>
-          <a:lnRef idx="2">
-            <a:schemeClr val="accent1">
-              <a:shade val="50000"/>
-            </a:schemeClr>
-          </a:lnRef>
-          <a:fillRef idx="1">
-            <a:schemeClr val="accent1"/>
-          </a:fillRef>
-          <a:effectRef idx="0">
-            <a:schemeClr val="accent1"/>
-          </a:effectRef>
-          <a:fontRef idx="minor">
-            <a:schemeClr val="lt1"/>
-          </a:fontRef>
-        </p:style>
-        <p:txBody>
-          <a:bodyPr rtlCol="0" anchor="ctr"/>
-          <a:lstStyle/>
-          <a:p>
-            <a:pPr algn="ctr"/>
-            <a:endParaRPr lang="ko-KR" altLang="en-US"/>
-          </a:p>
-        </p:txBody>
-      </p:sp>
-      <p:sp>
-        <p:nvSpPr>
-          <p:cNvPr id="28" name="직사각형 27"/>
-          <p:cNvSpPr/>
-          <p:nvPr/>
-        </p:nvSpPr>
-        <p:spPr>
-          <a:xfrm>
-            <a:off x="8870323" y="5386364"/>
-            <a:ext cx="1534731" cy="417785"/>
-          </a:xfrm>
-          <a:prstGeom prst="rect">
-            <a:avLst/>
-          </a:prstGeom>
-        </p:spPr>
-        <p:style>
-          <a:lnRef idx="2">
-            <a:schemeClr val="dk1"/>
-          </a:lnRef>
-          <a:fillRef idx="1">
-            <a:schemeClr val="lt1"/>
-          </a:fillRef>
-          <a:effectRef idx="0">
-            <a:schemeClr val="dk1"/>
-          </a:effectRef>
-          <a:fontRef idx="minor">
-            <a:schemeClr val="dk1"/>
-          </a:fontRef>
-        </p:style>
-        <p:txBody>
-          <a:bodyPr rtlCol="0" anchor="ctr"/>
-          <a:lstStyle/>
-          <a:p>
-            <a:pPr algn="ctr"/>
-            <a:r>
-              <a:rPr lang="ko-KR" altLang="en-US" smtClean="0"/>
-              <a:t>배열값 </a:t>
-            </a:r>
-            <a:r>
-              <a:rPr lang="en-US" altLang="ko-KR" smtClean="0"/>
-              <a:t>read</a:t>
-            </a:r>
-            <a:endParaRPr lang="ko-KR" altLang="en-US"/>
-          </a:p>
-        </p:txBody>
-      </p:sp>
-      <p:sp>
-        <p:nvSpPr>
-          <p:cNvPr id="29" name="직사각형 28"/>
-          <p:cNvSpPr/>
-          <p:nvPr/>
-        </p:nvSpPr>
-        <p:spPr>
-          <a:xfrm>
-            <a:off x="8870323" y="5972211"/>
-            <a:ext cx="1534731" cy="417785"/>
-          </a:xfrm>
-          <a:prstGeom prst="rect">
-            <a:avLst/>
-          </a:prstGeom>
-        </p:spPr>
-        <p:style>
-          <a:lnRef idx="2">
-            <a:schemeClr val="dk1"/>
-          </a:lnRef>
-          <a:fillRef idx="1">
-            <a:schemeClr val="lt1"/>
-          </a:fillRef>
-          <a:effectRef idx="0">
-            <a:schemeClr val="dk1"/>
-          </a:effectRef>
-          <a:fontRef idx="minor">
-            <a:schemeClr val="dk1"/>
-          </a:fontRef>
-        </p:style>
-        <p:txBody>
-          <a:bodyPr rtlCol="0" anchor="ctr"/>
-          <a:lstStyle/>
-          <a:p>
-            <a:pPr algn="ctr"/>
-            <a:r>
-              <a:rPr lang="ko-KR" altLang="en-US" smtClean="0"/>
-              <a:t>배열값 복사</a:t>
-            </a:r>
-            <a:endParaRPr lang="ko-KR" altLang="en-US"/>
-          </a:p>
-        </p:txBody>
-      </p:sp>
-      <p:sp>
-        <p:nvSpPr>
-          <p:cNvPr id="30" name="직사각형 29"/>
-          <p:cNvSpPr/>
-          <p:nvPr/>
-        </p:nvSpPr>
-        <p:spPr>
-          <a:xfrm>
-            <a:off x="6548364" y="5691849"/>
-            <a:ext cx="1669426" cy="417785"/>
-          </a:xfrm>
-          <a:prstGeom prst="rect">
-            <a:avLst/>
-          </a:prstGeom>
-        </p:spPr>
-        <p:style>
-          <a:lnRef idx="2">
-            <a:schemeClr val="dk1"/>
-          </a:lnRef>
-          <a:fillRef idx="1">
-            <a:schemeClr val="lt1"/>
-          </a:fillRef>
-          <a:effectRef idx="0">
-            <a:schemeClr val="dk1"/>
-          </a:effectRef>
-          <a:fontRef idx="minor">
-            <a:schemeClr val="dk1"/>
-          </a:fontRef>
-        </p:style>
-        <p:txBody>
-          <a:bodyPr rtlCol="0" anchor="ctr"/>
-          <a:lstStyle/>
-          <a:p>
-            <a:pPr algn="ctr"/>
-            <a:r>
-              <a:rPr lang="ko-KR" altLang="en-US" smtClean="0"/>
-              <a:t>전송완료신호</a:t>
-            </a:r>
-            <a:endParaRPr lang="ko-KR" altLang="en-US"/>
-          </a:p>
-        </p:txBody>
-      </p:sp>
-      <p:sp>
-        <p:nvSpPr>
-          <p:cNvPr id="31" name="직사각형 30"/>
-          <p:cNvSpPr/>
-          <p:nvPr/>
-        </p:nvSpPr>
-        <p:spPr>
-          <a:xfrm>
-            <a:off x="2547333" y="4984124"/>
-            <a:ext cx="3776194" cy="1457927"/>
-          </a:xfrm>
-          <a:prstGeom prst="rect">
-            <a:avLst/>
-          </a:prstGeom>
-        </p:spPr>
-        <p:style>
-          <a:lnRef idx="2">
-            <a:schemeClr val="dk1"/>
-          </a:lnRef>
-          <a:fillRef idx="1">
-            <a:schemeClr val="lt1"/>
-          </a:fillRef>
-          <a:effectRef idx="0">
-            <a:schemeClr val="dk1"/>
-          </a:effectRef>
-          <a:fontRef idx="minor">
-            <a:schemeClr val="dk1"/>
-          </a:fontRef>
-        </p:style>
-        <p:txBody>
-          <a:bodyPr rtlCol="0" anchor="ctr"/>
-          <a:lstStyle/>
-          <a:p>
-            <a:r>
-              <a:rPr lang="en-US" altLang="ko-KR" sz="1600" smtClean="0"/>
-              <a:t>for(i=n;i&lt;600;i++){</a:t>
-            </a:r>
-          </a:p>
-          <a:p>
-            <a:r>
-              <a:rPr lang="en-US" altLang="ko-KR" sz="1600" smtClean="0"/>
-              <a:t>  for(j=0;j&lt;5;j++){</a:t>
-            </a:r>
-          </a:p>
-          <a:p>
-            <a:r>
-              <a:rPr lang="en-US" altLang="ko-KR" sz="1600" smtClean="0"/>
-              <a:t>   if(array[i][j]==1) turn on(red);</a:t>
-            </a:r>
-          </a:p>
-          <a:p>
-            <a:r>
-              <a:rPr lang="en-US" altLang="ko-KR" sz="1600"/>
-              <a:t> </a:t>
-            </a:r>
-            <a:r>
-              <a:rPr lang="en-US" altLang="ko-KR" sz="1600" smtClean="0"/>
-              <a:t> else if(arrary[i][j]==2) turn on(green);</a:t>
-            </a:r>
-          </a:p>
-          <a:p>
-            <a:r>
-              <a:rPr lang="en-US" altLang="ko-KR" sz="1600" smtClean="0"/>
-              <a:t>  else turn on(blue); }}</a:t>
-            </a:r>
-            <a:endParaRPr lang="ko-KR" altLang="en-US" sz="1600"/>
-          </a:p>
-        </p:txBody>
-      </p:sp>
-      <p:sp>
-        <p:nvSpPr>
-          <p:cNvPr id="32" name="폭발 1 31"/>
-          <p:cNvSpPr/>
-          <p:nvPr/>
-        </p:nvSpPr>
-        <p:spPr>
-          <a:xfrm>
-            <a:off x="480808" y="5188113"/>
-            <a:ext cx="1223493" cy="1096779"/>
-          </a:xfrm>
-          <a:prstGeom prst="irregularSeal1">
-            <a:avLst/>
-          </a:prstGeom>
-        </p:spPr>
-        <p:style>
-          <a:lnRef idx="2">
-            <a:schemeClr val="accent1">
-              <a:shade val="50000"/>
-            </a:schemeClr>
-          </a:lnRef>
-          <a:fillRef idx="1">
-            <a:schemeClr val="accent1"/>
-          </a:fillRef>
-          <a:effectRef idx="0">
-            <a:schemeClr val="accent1"/>
-          </a:effectRef>
-          <a:fontRef idx="minor">
-            <a:schemeClr val="lt1"/>
           </a:fontRef>
         </p:style>
         <p:txBody>

--- a/자료/수정용/안드로이드블록다이어그램.pptx
+++ b/자료/수정용/안드로이드블록다이어그램.pptx
@@ -7,6 +7,7 @@
   <p:sldIdLst>
     <p:sldId id="258" r:id="rId2"/>
     <p:sldId id="259" r:id="rId3"/>
+    <p:sldId id="260" r:id="rId4"/>
   </p:sldIdLst>
   <p:sldSz cx="12192000" cy="6858000"/>
   <p:notesSz cx="6858000" cy="9144000"/>
@@ -155,10 +156,9 @@
           </a:lstStyle>
           <a:p>
             <a:r>
-              <a:rPr lang="ko-KR" altLang="en-US" smtClean="0"/>
+              <a:rPr lang="ko-KR" altLang="en-US"/>
               <a:t>마스터 제목 스타일 편집</a:t>
             </a:r>
-            <a:endParaRPr lang="ko-KR" altLang="en-US"/>
           </a:p>
         </p:txBody>
       </p:sp>
@@ -220,10 +220,9 @@
           </a:lstStyle>
           <a:p>
             <a:r>
-              <a:rPr lang="ko-KR" altLang="en-US" smtClean="0"/>
+              <a:rPr lang="ko-KR" altLang="en-US"/>
               <a:t>마스터 부제목 스타일 편집</a:t>
             </a:r>
-            <a:endParaRPr lang="ko-KR" altLang="en-US"/>
           </a:p>
         </p:txBody>
       </p:sp>
@@ -244,7 +243,7 @@
           <a:p>
             <a:fld id="{3472C40B-9F89-483B-A6AF-7954C33CEF76}" type="datetimeFigureOut">
               <a:rPr lang="ko-KR" altLang="en-US" smtClean="0"/>
-              <a:t>2016-05-02</a:t>
+              <a:t>2016-10-23</a:t>
             </a:fld>
             <a:endParaRPr lang="ko-KR" altLang="en-US"/>
           </a:p>
@@ -338,10 +337,9 @@
           <a:lstStyle/>
           <a:p>
             <a:r>
-              <a:rPr lang="ko-KR" altLang="en-US" smtClean="0"/>
+              <a:rPr lang="ko-KR" altLang="en-US"/>
               <a:t>마스터 제목 스타일 편집</a:t>
             </a:r>
-            <a:endParaRPr lang="ko-KR" altLang="en-US"/>
           </a:p>
         </p:txBody>
       </p:sp>
@@ -362,38 +360,37 @@
           <a:p>
             <a:pPr lvl="0"/>
             <a:r>
-              <a:rPr lang="ko-KR" altLang="en-US" smtClean="0"/>
+              <a:rPr lang="ko-KR" altLang="en-US"/>
               <a:t>마스터 텍스트 스타일을 편집합니다</a:t>
             </a:r>
           </a:p>
           <a:p>
             <a:pPr lvl="1"/>
             <a:r>
-              <a:rPr lang="ko-KR" altLang="en-US" smtClean="0"/>
+              <a:rPr lang="ko-KR" altLang="en-US"/>
               <a:t>둘째 수준</a:t>
             </a:r>
           </a:p>
           <a:p>
             <a:pPr lvl="2"/>
             <a:r>
-              <a:rPr lang="ko-KR" altLang="en-US" smtClean="0"/>
+              <a:rPr lang="ko-KR" altLang="en-US"/>
               <a:t>셋째 수준</a:t>
             </a:r>
           </a:p>
           <a:p>
             <a:pPr lvl="3"/>
             <a:r>
-              <a:rPr lang="ko-KR" altLang="en-US" smtClean="0"/>
+              <a:rPr lang="ko-KR" altLang="en-US"/>
               <a:t>넷째 수준</a:t>
             </a:r>
           </a:p>
           <a:p>
             <a:pPr lvl="4"/>
             <a:r>
-              <a:rPr lang="ko-KR" altLang="en-US" smtClean="0"/>
+              <a:rPr lang="ko-KR" altLang="en-US"/>
               <a:t>다섯째 수준</a:t>
             </a:r>
-            <a:endParaRPr lang="ko-KR" altLang="en-US"/>
           </a:p>
         </p:txBody>
       </p:sp>
@@ -414,7 +411,7 @@
           <a:p>
             <a:fld id="{3472C40B-9F89-483B-A6AF-7954C33CEF76}" type="datetimeFigureOut">
               <a:rPr lang="ko-KR" altLang="en-US" smtClean="0"/>
-              <a:t>2016-05-02</a:t>
+              <a:t>2016-10-23</a:t>
             </a:fld>
             <a:endParaRPr lang="ko-KR" altLang="en-US"/>
           </a:p>
@@ -513,10 +510,9 @@
           <a:lstStyle/>
           <a:p>
             <a:r>
-              <a:rPr lang="ko-KR" altLang="en-US" smtClean="0"/>
+              <a:rPr lang="ko-KR" altLang="en-US"/>
               <a:t>마스터 제목 스타일 편집</a:t>
             </a:r>
-            <a:endParaRPr lang="ko-KR" altLang="en-US"/>
           </a:p>
         </p:txBody>
       </p:sp>
@@ -542,38 +538,37 @@
           <a:p>
             <a:pPr lvl="0"/>
             <a:r>
-              <a:rPr lang="ko-KR" altLang="en-US" smtClean="0"/>
+              <a:rPr lang="ko-KR" altLang="en-US"/>
               <a:t>마스터 텍스트 스타일을 편집합니다</a:t>
             </a:r>
           </a:p>
           <a:p>
             <a:pPr lvl="1"/>
             <a:r>
-              <a:rPr lang="ko-KR" altLang="en-US" smtClean="0"/>
+              <a:rPr lang="ko-KR" altLang="en-US"/>
               <a:t>둘째 수준</a:t>
             </a:r>
           </a:p>
           <a:p>
             <a:pPr lvl="2"/>
             <a:r>
-              <a:rPr lang="ko-KR" altLang="en-US" smtClean="0"/>
+              <a:rPr lang="ko-KR" altLang="en-US"/>
               <a:t>셋째 수준</a:t>
             </a:r>
           </a:p>
           <a:p>
             <a:pPr lvl="3"/>
             <a:r>
-              <a:rPr lang="ko-KR" altLang="en-US" smtClean="0"/>
+              <a:rPr lang="ko-KR" altLang="en-US"/>
               <a:t>넷째 수준</a:t>
             </a:r>
           </a:p>
           <a:p>
             <a:pPr lvl="4"/>
             <a:r>
-              <a:rPr lang="ko-KR" altLang="en-US" smtClean="0"/>
+              <a:rPr lang="ko-KR" altLang="en-US"/>
               <a:t>다섯째 수준</a:t>
             </a:r>
-            <a:endParaRPr lang="ko-KR" altLang="en-US"/>
           </a:p>
         </p:txBody>
       </p:sp>
@@ -594,7 +589,7 @@
           <a:p>
             <a:fld id="{3472C40B-9F89-483B-A6AF-7954C33CEF76}" type="datetimeFigureOut">
               <a:rPr lang="ko-KR" altLang="en-US" smtClean="0"/>
-              <a:t>2016-05-02</a:t>
+              <a:t>2016-10-23</a:t>
             </a:fld>
             <a:endParaRPr lang="ko-KR" altLang="en-US"/>
           </a:p>
@@ -688,10 +683,9 @@
           <a:lstStyle/>
           <a:p>
             <a:r>
-              <a:rPr lang="ko-KR" altLang="en-US" smtClean="0"/>
+              <a:rPr lang="ko-KR" altLang="en-US"/>
               <a:t>마스터 제목 스타일 편집</a:t>
             </a:r>
-            <a:endParaRPr lang="ko-KR" altLang="en-US"/>
           </a:p>
         </p:txBody>
       </p:sp>
@@ -712,38 +706,37 @@
           <a:p>
             <a:pPr lvl="0"/>
             <a:r>
-              <a:rPr lang="ko-KR" altLang="en-US" smtClean="0"/>
+              <a:rPr lang="ko-KR" altLang="en-US"/>
               <a:t>마스터 텍스트 스타일을 편집합니다</a:t>
             </a:r>
           </a:p>
           <a:p>
             <a:pPr lvl="1"/>
             <a:r>
-              <a:rPr lang="ko-KR" altLang="en-US" smtClean="0"/>
+              <a:rPr lang="ko-KR" altLang="en-US"/>
               <a:t>둘째 수준</a:t>
             </a:r>
           </a:p>
           <a:p>
             <a:pPr lvl="2"/>
             <a:r>
-              <a:rPr lang="ko-KR" altLang="en-US" smtClean="0"/>
+              <a:rPr lang="ko-KR" altLang="en-US"/>
               <a:t>셋째 수준</a:t>
             </a:r>
           </a:p>
           <a:p>
             <a:pPr lvl="3"/>
             <a:r>
-              <a:rPr lang="ko-KR" altLang="en-US" smtClean="0"/>
+              <a:rPr lang="ko-KR" altLang="en-US"/>
               <a:t>넷째 수준</a:t>
             </a:r>
           </a:p>
           <a:p>
             <a:pPr lvl="4"/>
             <a:r>
-              <a:rPr lang="ko-KR" altLang="en-US" smtClean="0"/>
+              <a:rPr lang="ko-KR" altLang="en-US"/>
               <a:t>다섯째 수준</a:t>
             </a:r>
-            <a:endParaRPr lang="ko-KR" altLang="en-US"/>
           </a:p>
         </p:txBody>
       </p:sp>
@@ -764,7 +757,7 @@
           <a:p>
             <a:fld id="{3472C40B-9F89-483B-A6AF-7954C33CEF76}" type="datetimeFigureOut">
               <a:rPr lang="ko-KR" altLang="en-US" smtClean="0"/>
-              <a:t>2016-05-02</a:t>
+              <a:t>2016-10-23</a:t>
             </a:fld>
             <a:endParaRPr lang="ko-KR" altLang="en-US"/>
           </a:p>
@@ -867,10 +860,9 @@
           </a:lstStyle>
           <a:p>
             <a:r>
-              <a:rPr lang="ko-KR" altLang="en-US" smtClean="0"/>
+              <a:rPr lang="ko-KR" altLang="en-US"/>
               <a:t>마스터 제목 스타일 편집</a:t>
             </a:r>
-            <a:endParaRPr lang="ko-KR" altLang="en-US"/>
           </a:p>
         </p:txBody>
       </p:sp>
@@ -987,7 +979,7 @@
           <a:p>
             <a:pPr lvl="0"/>
             <a:r>
-              <a:rPr lang="ko-KR" altLang="en-US" smtClean="0"/>
+              <a:rPr lang="ko-KR" altLang="en-US"/>
               <a:t>마스터 텍스트 스타일을 편집합니다</a:t>
             </a:r>
           </a:p>
@@ -1010,7 +1002,7 @@
           <a:p>
             <a:fld id="{3472C40B-9F89-483B-A6AF-7954C33CEF76}" type="datetimeFigureOut">
               <a:rPr lang="ko-KR" altLang="en-US" smtClean="0"/>
-              <a:t>2016-05-02</a:t>
+              <a:t>2016-10-23</a:t>
             </a:fld>
             <a:endParaRPr lang="ko-KR" altLang="en-US"/>
           </a:p>
@@ -1104,10 +1096,9 @@
           <a:lstStyle/>
           <a:p>
             <a:r>
-              <a:rPr lang="ko-KR" altLang="en-US" smtClean="0"/>
+              <a:rPr lang="ko-KR" altLang="en-US"/>
               <a:t>마스터 제목 스타일 편집</a:t>
             </a:r>
-            <a:endParaRPr lang="ko-KR" altLang="en-US"/>
           </a:p>
         </p:txBody>
       </p:sp>
@@ -1133,38 +1124,37 @@
           <a:p>
             <a:pPr lvl="0"/>
             <a:r>
-              <a:rPr lang="ko-KR" altLang="en-US" smtClean="0"/>
+              <a:rPr lang="ko-KR" altLang="en-US"/>
               <a:t>마스터 텍스트 스타일을 편집합니다</a:t>
             </a:r>
           </a:p>
           <a:p>
             <a:pPr lvl="1"/>
             <a:r>
-              <a:rPr lang="ko-KR" altLang="en-US" smtClean="0"/>
+              <a:rPr lang="ko-KR" altLang="en-US"/>
               <a:t>둘째 수준</a:t>
             </a:r>
           </a:p>
           <a:p>
             <a:pPr lvl="2"/>
             <a:r>
-              <a:rPr lang="ko-KR" altLang="en-US" smtClean="0"/>
+              <a:rPr lang="ko-KR" altLang="en-US"/>
               <a:t>셋째 수준</a:t>
             </a:r>
           </a:p>
           <a:p>
             <a:pPr lvl="3"/>
             <a:r>
-              <a:rPr lang="ko-KR" altLang="en-US" smtClean="0"/>
+              <a:rPr lang="ko-KR" altLang="en-US"/>
               <a:t>넷째 수준</a:t>
             </a:r>
           </a:p>
           <a:p>
             <a:pPr lvl="4"/>
             <a:r>
-              <a:rPr lang="ko-KR" altLang="en-US" smtClean="0"/>
+              <a:rPr lang="ko-KR" altLang="en-US"/>
               <a:t>다섯째 수준</a:t>
             </a:r>
-            <a:endParaRPr lang="ko-KR" altLang="en-US"/>
           </a:p>
         </p:txBody>
       </p:sp>
@@ -1190,38 +1180,37 @@
           <a:p>
             <a:pPr lvl="0"/>
             <a:r>
-              <a:rPr lang="ko-KR" altLang="en-US" smtClean="0"/>
+              <a:rPr lang="ko-KR" altLang="en-US"/>
               <a:t>마스터 텍스트 스타일을 편집합니다</a:t>
             </a:r>
           </a:p>
           <a:p>
             <a:pPr lvl="1"/>
             <a:r>
-              <a:rPr lang="ko-KR" altLang="en-US" smtClean="0"/>
+              <a:rPr lang="ko-KR" altLang="en-US"/>
               <a:t>둘째 수준</a:t>
             </a:r>
           </a:p>
           <a:p>
             <a:pPr lvl="2"/>
             <a:r>
-              <a:rPr lang="ko-KR" altLang="en-US" smtClean="0"/>
+              <a:rPr lang="ko-KR" altLang="en-US"/>
               <a:t>셋째 수준</a:t>
             </a:r>
           </a:p>
           <a:p>
             <a:pPr lvl="3"/>
             <a:r>
-              <a:rPr lang="ko-KR" altLang="en-US" smtClean="0"/>
+              <a:rPr lang="ko-KR" altLang="en-US"/>
               <a:t>넷째 수준</a:t>
             </a:r>
           </a:p>
           <a:p>
             <a:pPr lvl="4"/>
             <a:r>
-              <a:rPr lang="ko-KR" altLang="en-US" smtClean="0"/>
+              <a:rPr lang="ko-KR" altLang="en-US"/>
               <a:t>다섯째 수준</a:t>
             </a:r>
-            <a:endParaRPr lang="ko-KR" altLang="en-US"/>
           </a:p>
         </p:txBody>
       </p:sp>
@@ -1242,7 +1231,7 @@
           <a:p>
             <a:fld id="{3472C40B-9F89-483B-A6AF-7954C33CEF76}" type="datetimeFigureOut">
               <a:rPr lang="ko-KR" altLang="en-US" smtClean="0"/>
-              <a:t>2016-05-02</a:t>
+              <a:t>2016-10-23</a:t>
             </a:fld>
             <a:endParaRPr lang="ko-KR" altLang="en-US"/>
           </a:p>
@@ -1341,10 +1330,9 @@
           <a:lstStyle/>
           <a:p>
             <a:r>
-              <a:rPr lang="ko-KR" altLang="en-US" smtClean="0"/>
+              <a:rPr lang="ko-KR" altLang="en-US"/>
               <a:t>마스터 제목 스타일 편집</a:t>
             </a:r>
-            <a:endParaRPr lang="ko-KR" altLang="en-US"/>
           </a:p>
         </p:txBody>
       </p:sp>
@@ -1407,7 +1395,7 @@
           <a:p>
             <a:pPr lvl="0"/>
             <a:r>
-              <a:rPr lang="ko-KR" altLang="en-US" smtClean="0"/>
+              <a:rPr lang="ko-KR" altLang="en-US"/>
               <a:t>마스터 텍스트 스타일을 편집합니다</a:t>
             </a:r>
           </a:p>
@@ -1435,38 +1423,37 @@
           <a:p>
             <a:pPr lvl="0"/>
             <a:r>
-              <a:rPr lang="ko-KR" altLang="en-US" smtClean="0"/>
+              <a:rPr lang="ko-KR" altLang="en-US"/>
               <a:t>마스터 텍스트 스타일을 편집합니다</a:t>
             </a:r>
           </a:p>
           <a:p>
             <a:pPr lvl="1"/>
             <a:r>
-              <a:rPr lang="ko-KR" altLang="en-US" smtClean="0"/>
+              <a:rPr lang="ko-KR" altLang="en-US"/>
               <a:t>둘째 수준</a:t>
             </a:r>
           </a:p>
           <a:p>
             <a:pPr lvl="2"/>
             <a:r>
-              <a:rPr lang="ko-KR" altLang="en-US" smtClean="0"/>
+              <a:rPr lang="ko-KR" altLang="en-US"/>
               <a:t>셋째 수준</a:t>
             </a:r>
           </a:p>
           <a:p>
             <a:pPr lvl="3"/>
             <a:r>
-              <a:rPr lang="ko-KR" altLang="en-US" smtClean="0"/>
+              <a:rPr lang="ko-KR" altLang="en-US"/>
               <a:t>넷째 수준</a:t>
             </a:r>
           </a:p>
           <a:p>
             <a:pPr lvl="4"/>
             <a:r>
-              <a:rPr lang="ko-KR" altLang="en-US" smtClean="0"/>
+              <a:rPr lang="ko-KR" altLang="en-US"/>
               <a:t>다섯째 수준</a:t>
             </a:r>
-            <a:endParaRPr lang="ko-KR" altLang="en-US"/>
           </a:p>
         </p:txBody>
       </p:sp>
@@ -1529,7 +1516,7 @@
           <a:p>
             <a:pPr lvl="0"/>
             <a:r>
-              <a:rPr lang="ko-KR" altLang="en-US" smtClean="0"/>
+              <a:rPr lang="ko-KR" altLang="en-US"/>
               <a:t>마스터 텍스트 스타일을 편집합니다</a:t>
             </a:r>
           </a:p>
@@ -1557,38 +1544,37 @@
           <a:p>
             <a:pPr lvl="0"/>
             <a:r>
-              <a:rPr lang="ko-KR" altLang="en-US" smtClean="0"/>
+              <a:rPr lang="ko-KR" altLang="en-US"/>
               <a:t>마스터 텍스트 스타일을 편집합니다</a:t>
             </a:r>
           </a:p>
           <a:p>
             <a:pPr lvl="1"/>
             <a:r>
-              <a:rPr lang="ko-KR" altLang="en-US" smtClean="0"/>
+              <a:rPr lang="ko-KR" altLang="en-US"/>
               <a:t>둘째 수준</a:t>
             </a:r>
           </a:p>
           <a:p>
             <a:pPr lvl="2"/>
             <a:r>
-              <a:rPr lang="ko-KR" altLang="en-US" smtClean="0"/>
+              <a:rPr lang="ko-KR" altLang="en-US"/>
               <a:t>셋째 수준</a:t>
             </a:r>
           </a:p>
           <a:p>
             <a:pPr lvl="3"/>
             <a:r>
-              <a:rPr lang="ko-KR" altLang="en-US" smtClean="0"/>
+              <a:rPr lang="ko-KR" altLang="en-US"/>
               <a:t>넷째 수준</a:t>
             </a:r>
           </a:p>
           <a:p>
             <a:pPr lvl="4"/>
             <a:r>
-              <a:rPr lang="ko-KR" altLang="en-US" smtClean="0"/>
+              <a:rPr lang="ko-KR" altLang="en-US"/>
               <a:t>다섯째 수준</a:t>
             </a:r>
-            <a:endParaRPr lang="ko-KR" altLang="en-US"/>
           </a:p>
         </p:txBody>
       </p:sp>
@@ -1609,7 +1595,7 @@
           <a:p>
             <a:fld id="{3472C40B-9F89-483B-A6AF-7954C33CEF76}" type="datetimeFigureOut">
               <a:rPr lang="ko-KR" altLang="en-US" smtClean="0"/>
-              <a:t>2016-05-02</a:t>
+              <a:t>2016-10-23</a:t>
             </a:fld>
             <a:endParaRPr lang="ko-KR" altLang="en-US"/>
           </a:p>
@@ -1703,10 +1689,9 @@
           <a:lstStyle/>
           <a:p>
             <a:r>
-              <a:rPr lang="ko-KR" altLang="en-US" smtClean="0"/>
+              <a:rPr lang="ko-KR" altLang="en-US"/>
               <a:t>마스터 제목 스타일 편집</a:t>
             </a:r>
-            <a:endParaRPr lang="ko-KR" altLang="en-US"/>
           </a:p>
         </p:txBody>
       </p:sp>
@@ -1727,7 +1712,7 @@
           <a:p>
             <a:fld id="{3472C40B-9F89-483B-A6AF-7954C33CEF76}" type="datetimeFigureOut">
               <a:rPr lang="ko-KR" altLang="en-US" smtClean="0"/>
-              <a:t>2016-05-02</a:t>
+              <a:t>2016-10-23</a:t>
             </a:fld>
             <a:endParaRPr lang="ko-KR" altLang="en-US"/>
           </a:p>
@@ -1822,7 +1807,7 @@
           <a:p>
             <a:fld id="{3472C40B-9F89-483B-A6AF-7954C33CEF76}" type="datetimeFigureOut">
               <a:rPr lang="ko-KR" altLang="en-US" smtClean="0"/>
-              <a:t>2016-05-02</a:t>
+              <a:t>2016-10-23</a:t>
             </a:fld>
             <a:endParaRPr lang="ko-KR" altLang="en-US"/>
           </a:p>
@@ -1925,10 +1910,9 @@
           </a:lstStyle>
           <a:p>
             <a:r>
-              <a:rPr lang="ko-KR" altLang="en-US" smtClean="0"/>
+              <a:rPr lang="ko-KR" altLang="en-US"/>
               <a:t>마스터 제목 스타일 편집</a:t>
             </a:r>
-            <a:endParaRPr lang="ko-KR" altLang="en-US"/>
           </a:p>
         </p:txBody>
       </p:sp>
@@ -1982,38 +1966,37 @@
           <a:p>
             <a:pPr lvl="0"/>
             <a:r>
-              <a:rPr lang="ko-KR" altLang="en-US" smtClean="0"/>
+              <a:rPr lang="ko-KR" altLang="en-US"/>
               <a:t>마스터 텍스트 스타일을 편집합니다</a:t>
             </a:r>
           </a:p>
           <a:p>
             <a:pPr lvl="1"/>
             <a:r>
-              <a:rPr lang="ko-KR" altLang="en-US" smtClean="0"/>
+              <a:rPr lang="ko-KR" altLang="en-US"/>
               <a:t>둘째 수준</a:t>
             </a:r>
           </a:p>
           <a:p>
             <a:pPr lvl="2"/>
             <a:r>
-              <a:rPr lang="ko-KR" altLang="en-US" smtClean="0"/>
+              <a:rPr lang="ko-KR" altLang="en-US"/>
               <a:t>셋째 수준</a:t>
             </a:r>
           </a:p>
           <a:p>
             <a:pPr lvl="3"/>
             <a:r>
-              <a:rPr lang="ko-KR" altLang="en-US" smtClean="0"/>
+              <a:rPr lang="ko-KR" altLang="en-US"/>
               <a:t>넷째 수준</a:t>
             </a:r>
           </a:p>
           <a:p>
             <a:pPr lvl="4"/>
             <a:r>
-              <a:rPr lang="ko-KR" altLang="en-US" smtClean="0"/>
+              <a:rPr lang="ko-KR" altLang="en-US"/>
               <a:t>다섯째 수준</a:t>
             </a:r>
-            <a:endParaRPr lang="ko-KR" altLang="en-US"/>
           </a:p>
         </p:txBody>
       </p:sp>
@@ -2076,7 +2059,7 @@
           <a:p>
             <a:pPr lvl="0"/>
             <a:r>
-              <a:rPr lang="ko-KR" altLang="en-US" smtClean="0"/>
+              <a:rPr lang="ko-KR" altLang="en-US"/>
               <a:t>마스터 텍스트 스타일을 편집합니다</a:t>
             </a:r>
           </a:p>
@@ -2099,7 +2082,7 @@
           <a:p>
             <a:fld id="{3472C40B-9F89-483B-A6AF-7954C33CEF76}" type="datetimeFigureOut">
               <a:rPr lang="ko-KR" altLang="en-US" smtClean="0"/>
-              <a:t>2016-05-02</a:t>
+              <a:t>2016-10-23</a:t>
             </a:fld>
             <a:endParaRPr lang="ko-KR" altLang="en-US"/>
           </a:p>
@@ -2202,10 +2185,9 @@
           </a:lstStyle>
           <a:p>
             <a:r>
-              <a:rPr lang="ko-KR" altLang="en-US" smtClean="0"/>
+              <a:rPr lang="ko-KR" altLang="en-US"/>
               <a:t>마스터 제목 스타일 편집</a:t>
             </a:r>
-            <a:endParaRPr lang="ko-KR" altLang="en-US"/>
           </a:p>
         </p:txBody>
       </p:sp>
@@ -2329,7 +2311,7 @@
           <a:p>
             <a:pPr lvl="0"/>
             <a:r>
-              <a:rPr lang="ko-KR" altLang="en-US" smtClean="0"/>
+              <a:rPr lang="ko-KR" altLang="en-US"/>
               <a:t>마스터 텍스트 스타일을 편집합니다</a:t>
             </a:r>
           </a:p>
@@ -2352,7 +2334,7 @@
           <a:p>
             <a:fld id="{3472C40B-9F89-483B-A6AF-7954C33CEF76}" type="datetimeFigureOut">
               <a:rPr lang="ko-KR" altLang="en-US" smtClean="0"/>
-              <a:t>2016-05-02</a:t>
+              <a:t>2016-10-23</a:t>
             </a:fld>
             <a:endParaRPr lang="ko-KR" altLang="en-US"/>
           </a:p>
@@ -2461,10 +2443,9 @@
           <a:lstStyle/>
           <a:p>
             <a:r>
-              <a:rPr lang="ko-KR" altLang="en-US" smtClean="0"/>
+              <a:rPr lang="ko-KR" altLang="en-US"/>
               <a:t>마스터 제목 스타일 편집</a:t>
             </a:r>
-            <a:endParaRPr lang="ko-KR" altLang="en-US"/>
           </a:p>
         </p:txBody>
       </p:sp>
@@ -2495,38 +2476,37 @@
           <a:p>
             <a:pPr lvl="0"/>
             <a:r>
-              <a:rPr lang="ko-KR" altLang="en-US" smtClean="0"/>
+              <a:rPr lang="ko-KR" altLang="en-US"/>
               <a:t>마스터 텍스트 스타일을 편집합니다</a:t>
             </a:r>
           </a:p>
           <a:p>
             <a:pPr lvl="1"/>
             <a:r>
-              <a:rPr lang="ko-KR" altLang="en-US" smtClean="0"/>
+              <a:rPr lang="ko-KR" altLang="en-US"/>
               <a:t>둘째 수준</a:t>
             </a:r>
           </a:p>
           <a:p>
             <a:pPr lvl="2"/>
             <a:r>
-              <a:rPr lang="ko-KR" altLang="en-US" smtClean="0"/>
+              <a:rPr lang="ko-KR" altLang="en-US"/>
               <a:t>셋째 수준</a:t>
             </a:r>
           </a:p>
           <a:p>
             <a:pPr lvl="3"/>
             <a:r>
-              <a:rPr lang="ko-KR" altLang="en-US" smtClean="0"/>
+              <a:rPr lang="ko-KR" altLang="en-US"/>
               <a:t>넷째 수준</a:t>
             </a:r>
           </a:p>
           <a:p>
             <a:pPr lvl="4"/>
             <a:r>
-              <a:rPr lang="ko-KR" altLang="en-US" smtClean="0"/>
+              <a:rPr lang="ko-KR" altLang="en-US"/>
               <a:t>다섯째 수준</a:t>
             </a:r>
-            <a:endParaRPr lang="ko-KR" altLang="en-US"/>
           </a:p>
         </p:txBody>
       </p:sp>
@@ -2565,7 +2545,7 @@
           <a:p>
             <a:fld id="{3472C40B-9F89-483B-A6AF-7954C33CEF76}" type="datetimeFigureOut">
               <a:rPr lang="ko-KR" altLang="en-US" smtClean="0"/>
-              <a:t>2016-05-02</a:t>
+              <a:t>2016-10-23</a:t>
             </a:fld>
             <a:endParaRPr lang="ko-KR" altLang="en-US"/>
           </a:p>
@@ -3045,10 +3025,9 @@
           <a:p>
             <a:pPr algn="ctr"/>
             <a:r>
-              <a:rPr lang="ko-KR" altLang="en-US" smtClean="0"/>
+              <a:rPr lang="ko-KR" altLang="en-US"/>
               <a:t>음악 목록</a:t>
             </a:r>
-            <a:endParaRPr lang="ko-KR" altLang="en-US"/>
           </a:p>
         </p:txBody>
       </p:sp>
@@ -3088,7 +3067,7 @@
           <a:p>
             <a:pPr algn="ctr"/>
             <a:r>
-              <a:rPr lang="en-US" altLang="ko-KR" smtClean="0"/>
+              <a:rPr lang="en-US" altLang="ko-KR"/>
               <a:t>DB</a:t>
             </a:r>
             <a:endParaRPr lang="ko-KR" altLang="en-US"/>
@@ -3131,10 +3110,9 @@
           <a:p>
             <a:pPr algn="ctr"/>
             <a:r>
-              <a:rPr lang="ko-KR" altLang="en-US" smtClean="0"/>
+              <a:rPr lang="ko-KR" altLang="en-US"/>
               <a:t>노래 선택</a:t>
             </a:r>
-            <a:endParaRPr lang="ko-KR" altLang="en-US"/>
           </a:p>
         </p:txBody>
       </p:sp>
@@ -3174,14 +3152,13 @@
           <a:p>
             <a:pPr algn="ctr"/>
             <a:r>
-              <a:rPr lang="en-US" altLang="ko-KR" smtClean="0"/>
+              <a:rPr lang="en-US" altLang="ko-KR"/>
               <a:t>FFT</a:t>
             </a:r>
             <a:r>
-              <a:rPr lang="ko-KR" altLang="en-US" smtClean="0"/>
+              <a:rPr lang="ko-KR" altLang="en-US"/>
               <a:t>변환</a:t>
             </a:r>
-            <a:endParaRPr lang="ko-KR" altLang="en-US"/>
           </a:p>
         </p:txBody>
       </p:sp>
@@ -3221,10 +3198,9 @@
           <a:p>
             <a:pPr algn="ctr"/>
             <a:r>
-              <a:rPr lang="ko-KR" altLang="en-US" smtClean="0"/>
+              <a:rPr lang="ko-KR" altLang="en-US"/>
               <a:t>노래 재생</a:t>
             </a:r>
-            <a:endParaRPr lang="ko-KR" altLang="en-US"/>
           </a:p>
         </p:txBody>
       </p:sp>
@@ -3264,10 +3240,9 @@
           <a:p>
             <a:pPr algn="ctr"/>
             <a:r>
-              <a:rPr lang="ko-KR" altLang="en-US" smtClean="0"/>
+              <a:rPr lang="ko-KR" altLang="en-US"/>
               <a:t>파일 전송</a:t>
             </a:r>
-            <a:endParaRPr lang="ko-KR" altLang="en-US"/>
           </a:p>
         </p:txBody>
       </p:sp>
@@ -3346,10 +3321,9 @@
           <a:p>
             <a:pPr algn="ctr"/>
             <a:r>
-              <a:rPr lang="ko-KR" altLang="en-US" smtClean="0"/>
+              <a:rPr lang="ko-KR" altLang="en-US"/>
               <a:t>장치연결</a:t>
             </a:r>
-            <a:endParaRPr lang="ko-KR" altLang="en-US"/>
           </a:p>
         </p:txBody>
       </p:sp>
@@ -3389,10 +3363,9 @@
           <a:p>
             <a:pPr algn="ctr"/>
             <a:r>
-              <a:rPr lang="ko-KR" altLang="en-US" smtClean="0"/>
+              <a:rPr lang="ko-KR" altLang="en-US"/>
               <a:t>파일전송</a:t>
             </a:r>
-            <a:endParaRPr lang="ko-KR" altLang="en-US"/>
           </a:p>
         </p:txBody>
       </p:sp>
@@ -3432,10 +3405,9 @@
           <a:p>
             <a:pPr algn="ctr"/>
             <a:r>
-              <a:rPr lang="ko-KR" altLang="en-US" smtClean="0"/>
+              <a:rPr lang="ko-KR" altLang="en-US"/>
               <a:t>재생</a:t>
             </a:r>
-            <a:endParaRPr lang="ko-KR" altLang="en-US"/>
           </a:p>
         </p:txBody>
       </p:sp>
@@ -3946,7 +3918,7 @@
           <a:lstStyle/>
           <a:p>
             <a:r>
-              <a:rPr lang="ko-KR" altLang="en-US" sz="2800" b="1" err="1" smtClean="0"/>
+              <a:rPr lang="ko-KR" altLang="en-US" sz="2800" b="1" err="1"/>
               <a:t>안드로이드</a:t>
             </a:r>
             <a:endParaRPr lang="ko-KR" altLang="en-US" sz="2800" b="1"/>
@@ -3976,10 +3948,9 @@
           <a:lstStyle/>
           <a:p>
             <a:r>
-              <a:rPr lang="ko-KR" altLang="en-US" b="1" smtClean="0"/>
+              <a:rPr lang="ko-KR" altLang="en-US" b="1"/>
               <a:t>음악</a:t>
             </a:r>
-            <a:endParaRPr lang="ko-KR" altLang="en-US" b="1"/>
           </a:p>
         </p:txBody>
       </p:sp>
@@ -4006,7 +3977,7 @@
           <a:lstStyle/>
           <a:p>
             <a:r>
-              <a:rPr lang="en-US" altLang="ko-KR" b="1" smtClean="0"/>
+              <a:rPr lang="en-US" altLang="ko-KR" b="1"/>
               <a:t>READ</a:t>
             </a:r>
             <a:endParaRPr lang="ko-KR" altLang="en-US" b="1"/>
@@ -4036,10 +4007,9 @@
           <a:lstStyle/>
           <a:p>
             <a:r>
-              <a:rPr lang="ko-KR" altLang="en-US" b="1" smtClean="0"/>
+              <a:rPr lang="ko-KR" altLang="en-US" b="1"/>
               <a:t>변환파일</a:t>
             </a:r>
-            <a:endParaRPr lang="ko-KR" altLang="en-US" b="1"/>
           </a:p>
         </p:txBody>
       </p:sp>
@@ -4066,10 +4036,9 @@
           <a:lstStyle/>
           <a:p>
             <a:r>
-              <a:rPr lang="ko-KR" altLang="en-US" b="1" smtClean="0"/>
+              <a:rPr lang="ko-KR" altLang="en-US" b="1"/>
               <a:t>저장</a:t>
             </a:r>
-            <a:endParaRPr lang="ko-KR" altLang="en-US" b="1"/>
           </a:p>
         </p:txBody>
       </p:sp>
@@ -4096,10 +4065,9 @@
           <a:lstStyle/>
           <a:p>
             <a:r>
-              <a:rPr lang="ko-KR" altLang="en-US" b="1" smtClean="0"/>
+              <a:rPr lang="ko-KR" altLang="en-US" b="1"/>
               <a:t>선택</a:t>
             </a:r>
-            <a:endParaRPr lang="ko-KR" altLang="en-US" b="1"/>
           </a:p>
         </p:txBody>
       </p:sp>
@@ -4126,10 +4094,9 @@
           <a:lstStyle/>
           <a:p>
             <a:r>
-              <a:rPr lang="ko-KR" altLang="en-US" b="1" smtClean="0"/>
+              <a:rPr lang="ko-KR" altLang="en-US" b="1"/>
               <a:t>변환파일</a:t>
             </a:r>
-            <a:endParaRPr lang="ko-KR" altLang="en-US" b="1"/>
           </a:p>
         </p:txBody>
       </p:sp>
@@ -4156,10 +4123,9 @@
           <a:lstStyle/>
           <a:p>
             <a:r>
-              <a:rPr lang="ko-KR" altLang="en-US" b="1" smtClean="0"/>
+              <a:rPr lang="ko-KR" altLang="en-US" b="1"/>
               <a:t>변환파일이 있는 경우</a:t>
             </a:r>
-            <a:endParaRPr lang="ko-KR" altLang="en-US" b="1"/>
           </a:p>
         </p:txBody>
       </p:sp>
@@ -4186,7 +4152,7 @@
           <a:lstStyle/>
           <a:p>
             <a:r>
-              <a:rPr lang="en-US" altLang="ko-KR" sz="2400" b="1" smtClean="0"/>
+              <a:rPr lang="en-US" altLang="ko-KR" sz="2400" b="1"/>
               <a:t>Bluetooth</a:t>
             </a:r>
             <a:endParaRPr lang="ko-KR" altLang="en-US" sz="2400" b="1"/>
@@ -4251,13 +4217,6 @@
   <p:clrMapOvr>
     <a:masterClrMapping/>
   </p:clrMapOvr>
-  <p:timing>
-    <p:tnLst>
-      <p:par>
-        <p:cTn id="1" dur="indefinite" restart="never" nodeType="tmRoot"/>
-      </p:par>
-    </p:tnLst>
-  </p:timing>
 </p:sld>
 </file>
 
@@ -4397,14 +4356,13 @@
           <a:p>
             <a:pPr algn="ctr"/>
             <a:r>
-              <a:rPr lang="en-US" altLang="ko-KR" smtClean="0"/>
+              <a:rPr lang="en-US" altLang="ko-KR"/>
               <a:t>SD</a:t>
             </a:r>
             <a:r>
-              <a:rPr lang="ko-KR" altLang="en-US" smtClean="0"/>
+              <a:rPr lang="ko-KR" altLang="en-US"/>
               <a:t>카드</a:t>
             </a:r>
-            <a:endParaRPr lang="ko-KR" altLang="en-US"/>
           </a:p>
         </p:txBody>
       </p:sp>
@@ -4443,10 +4401,9 @@
           <a:p>
             <a:pPr algn="ctr"/>
             <a:r>
-              <a:rPr lang="ko-KR" altLang="en-US" smtClean="0"/>
+              <a:rPr lang="ko-KR" altLang="en-US"/>
               <a:t>재생화면</a:t>
             </a:r>
-            <a:endParaRPr lang="ko-KR" altLang="en-US"/>
           </a:p>
         </p:txBody>
       </p:sp>
@@ -4485,10 +4442,9 @@
           <a:p>
             <a:pPr algn="ctr"/>
             <a:r>
-              <a:rPr lang="ko-KR" altLang="en-US" smtClean="0"/>
+              <a:rPr lang="ko-KR" altLang="en-US"/>
               <a:t>음악목록</a:t>
             </a:r>
-            <a:endParaRPr lang="ko-KR" altLang="en-US"/>
           </a:p>
         </p:txBody>
       </p:sp>
@@ -4527,10 +4483,9 @@
           <a:p>
             <a:pPr algn="ctr"/>
             <a:r>
-              <a:rPr lang="ko-KR" altLang="en-US" smtClean="0"/>
+              <a:rPr lang="ko-KR" altLang="en-US"/>
               <a:t>노래선택</a:t>
             </a:r>
-            <a:endParaRPr lang="ko-KR" altLang="en-US"/>
           </a:p>
         </p:txBody>
       </p:sp>
@@ -4569,14 +4524,13 @@
           <a:p>
             <a:pPr algn="ctr"/>
             <a:r>
-              <a:rPr lang="en-US" altLang="ko-KR" smtClean="0"/>
+              <a:rPr lang="en-US" altLang="ko-KR"/>
               <a:t>FFT</a:t>
             </a:r>
             <a:r>
-              <a:rPr lang="ko-KR" altLang="en-US" smtClean="0"/>
+              <a:rPr lang="ko-KR" altLang="en-US"/>
               <a:t>변환</a:t>
             </a:r>
-            <a:endParaRPr lang="ko-KR" altLang="en-US"/>
           </a:p>
         </p:txBody>
       </p:sp>
@@ -4615,10 +4569,9 @@
           <a:p>
             <a:pPr algn="ctr"/>
             <a:r>
-              <a:rPr lang="ko-KR" altLang="en-US" smtClean="0"/>
+              <a:rPr lang="ko-KR" altLang="en-US"/>
               <a:t>배열값전송</a:t>
             </a:r>
-            <a:endParaRPr lang="ko-KR" altLang="en-US"/>
           </a:p>
         </p:txBody>
       </p:sp>
@@ -4657,14 +4610,13 @@
           <a:p>
             <a:pPr algn="ctr"/>
             <a:r>
-              <a:rPr lang="en-US" altLang="ko-KR" smtClean="0"/>
+              <a:rPr lang="en-US" altLang="ko-KR"/>
               <a:t>FFT</a:t>
             </a:r>
             <a:r>
-              <a:rPr lang="ko-KR" altLang="en-US" smtClean="0"/>
+              <a:rPr lang="ko-KR" altLang="en-US"/>
               <a:t>전송완료</a:t>
             </a:r>
-            <a:endParaRPr lang="ko-KR" altLang="en-US"/>
           </a:p>
         </p:txBody>
       </p:sp>
@@ -4703,10 +4655,9 @@
           <a:p>
             <a:pPr algn="ctr"/>
             <a:r>
-              <a:rPr lang="ko-KR" altLang="en-US" smtClean="0"/>
+              <a:rPr lang="ko-KR" altLang="en-US"/>
               <a:t>장치연결</a:t>
             </a:r>
-            <a:endParaRPr lang="ko-KR" altLang="en-US"/>
           </a:p>
         </p:txBody>
       </p:sp>
@@ -4745,7 +4696,7 @@
           <a:p>
             <a:pPr algn="ctr"/>
             <a:r>
-              <a:rPr lang="en-US" altLang="ko-KR" smtClean="0"/>
+              <a:rPr lang="en-US" altLang="ko-KR"/>
               <a:t>SET =1</a:t>
             </a:r>
             <a:endParaRPr lang="ko-KR" altLang="en-US"/>
@@ -4787,7 +4738,7 @@
           <a:p>
             <a:pPr algn="ctr"/>
             <a:r>
-              <a:rPr lang="en-US" altLang="ko-KR" sz="1600" smtClean="0"/>
+              <a:rPr lang="en-US" altLang="ko-KR" sz="1600"/>
               <a:t>SET=1</a:t>
             </a:r>
             <a:endParaRPr lang="ko-KR" altLang="en-US" sz="1600"/>
@@ -4829,7 +4780,7 @@
           <a:p>
             <a:pPr algn="ctr"/>
             <a:r>
-              <a:rPr lang="en-US" altLang="ko-KR" smtClean="0"/>
+              <a:rPr lang="en-US" altLang="ko-KR"/>
               <a:t>START</a:t>
             </a:r>
             <a:endParaRPr lang="ko-KR" altLang="en-US"/>
@@ -4871,7 +4822,7 @@
           <a:p>
             <a:pPr algn="ctr"/>
             <a:r>
-              <a:rPr lang="en-US" altLang="ko-KR" smtClean="0"/>
+              <a:rPr lang="en-US" altLang="ko-KR"/>
               <a:t>PAUSE</a:t>
             </a:r>
             <a:endParaRPr lang="ko-KR" altLang="en-US"/>
@@ -4913,10 +4864,9 @@
           <a:p>
             <a:pPr algn="ctr"/>
             <a:r>
-              <a:rPr lang="ko-KR" altLang="en-US" smtClean="0"/>
+              <a:rPr lang="ko-KR" altLang="en-US"/>
               <a:t>재생</a:t>
             </a:r>
-            <a:endParaRPr lang="ko-KR" altLang="en-US"/>
           </a:p>
         </p:txBody>
       </p:sp>
@@ -4955,10 +4905,9 @@
           <a:p>
             <a:pPr algn="ctr"/>
             <a:r>
-              <a:rPr lang="ko-KR" altLang="en-US" smtClean="0"/>
+              <a:rPr lang="ko-KR" altLang="en-US"/>
               <a:t>중지</a:t>
             </a:r>
-            <a:endParaRPr lang="ko-KR" altLang="en-US"/>
           </a:p>
         </p:txBody>
       </p:sp>
@@ -5040,11 +4989,11 @@
           <a:p>
             <a:pPr algn="ctr"/>
             <a:r>
-              <a:rPr lang="ko-KR" altLang="en-US" smtClean="0"/>
+              <a:rPr lang="ko-KR" altLang="en-US"/>
               <a:t>배열값 </a:t>
             </a:r>
             <a:r>
-              <a:rPr lang="en-US" altLang="ko-KR" smtClean="0"/>
+              <a:rPr lang="en-US" altLang="ko-KR"/>
               <a:t>read</a:t>
             </a:r>
             <a:endParaRPr lang="ko-KR" altLang="en-US"/>
@@ -5086,10 +5035,9 @@
           <a:p>
             <a:pPr algn="ctr"/>
             <a:r>
-              <a:rPr lang="ko-KR" altLang="en-US" smtClean="0"/>
+              <a:rPr lang="ko-KR" altLang="en-US"/>
               <a:t>배열값 복사</a:t>
             </a:r>
-            <a:endParaRPr lang="ko-KR" altLang="en-US"/>
           </a:p>
         </p:txBody>
       </p:sp>
@@ -5128,10 +5076,9 @@
           <a:p>
             <a:pPr algn="ctr"/>
             <a:r>
-              <a:rPr lang="ko-KR" altLang="en-US" smtClean="0"/>
+              <a:rPr lang="ko-KR" altLang="en-US"/>
               <a:t>전송완료신호</a:t>
             </a:r>
-            <a:endParaRPr lang="ko-KR" altLang="en-US"/>
           </a:p>
         </p:txBody>
       </p:sp>
@@ -5169,35 +5116,31 @@
           <a:lstStyle/>
           <a:p>
             <a:r>
-              <a:rPr lang="en-US" altLang="ko-KR" sz="1600" smtClean="0"/>
+              <a:rPr lang="en-US" altLang="ko-KR" sz="1600"/>
               <a:t>for(i=n;i&lt;600;i++){</a:t>
             </a:r>
           </a:p>
           <a:p>
             <a:r>
-              <a:rPr lang="en-US" altLang="ko-KR" sz="1600" smtClean="0"/>
+              <a:rPr lang="en-US" altLang="ko-KR" sz="1600"/>
               <a:t>  for(j=0;j&lt;5;j++){</a:t>
             </a:r>
           </a:p>
           <a:p>
             <a:r>
-              <a:rPr lang="en-US" altLang="ko-KR" sz="1600" smtClean="0"/>
+              <a:rPr lang="en-US" altLang="ko-KR" sz="1600"/>
               <a:t>   if(array[i][j]==1) turn on(red);</a:t>
             </a:r>
           </a:p>
           <a:p>
             <a:r>
               <a:rPr lang="en-US" altLang="ko-KR" sz="1600"/>
-              <a:t> </a:t>
-            </a:r>
-            <a:r>
-              <a:rPr lang="en-US" altLang="ko-KR" sz="1600" smtClean="0"/>
-              <a:t> else if(arrary[i][j]==2) turn on(green);</a:t>
-            </a:r>
-          </a:p>
-          <a:p>
-            <a:r>
-              <a:rPr lang="en-US" altLang="ko-KR" sz="1600" smtClean="0"/>
+              <a:t>  else if(arrary[i][j]==2) turn on(green);</a:t>
+            </a:r>
+          </a:p>
+          <a:p>
+            <a:r>
+              <a:rPr lang="en-US" altLang="ko-KR" sz="1600"/>
               <a:t>  else turn on(blue); }}</a:t>
             </a:r>
             <a:endParaRPr lang="ko-KR" altLang="en-US" sz="1600"/>
@@ -5239,10 +5182,9 @@
           <a:p>
             <a:pPr algn="ctr"/>
             <a:r>
-              <a:rPr lang="ko-KR" altLang="en-US" smtClean="0"/>
+              <a:rPr lang="ko-KR" altLang="en-US"/>
               <a:t>장치연결</a:t>
             </a:r>
-            <a:endParaRPr lang="ko-KR" altLang="en-US"/>
           </a:p>
         </p:txBody>
       </p:sp>
@@ -5657,11 +5599,11 @@
           <a:lstStyle/>
           <a:p>
             <a:r>
-              <a:rPr lang="en-US" altLang="ko-KR" b="1" smtClean="0"/>
+              <a:rPr lang="en-US" altLang="ko-KR" b="1"/>
               <a:t>.</a:t>
             </a:r>
             <a:r>
-              <a:rPr lang="en-US" altLang="ko-KR" sz="1600" b="1" smtClean="0"/>
+              <a:rPr lang="en-US" altLang="ko-KR" sz="1600" b="1"/>
               <a:t>mp3</a:t>
             </a:r>
             <a:endParaRPr lang="ko-KR" altLang="en-US" sz="1600" b="1"/>
@@ -5691,7 +5633,7 @@
           <a:lstStyle/>
           <a:p>
             <a:r>
-              <a:rPr lang="en-US" altLang="ko-KR" b="1" smtClean="0"/>
+              <a:rPr lang="en-US" altLang="ko-KR" b="1"/>
               <a:t>read</a:t>
             </a:r>
             <a:endParaRPr lang="ko-KR" altLang="en-US" b="1"/>
@@ -5721,7 +5663,7 @@
           <a:lstStyle/>
           <a:p>
             <a:r>
-              <a:rPr lang="en-US" altLang="ko-KR" b="1" smtClean="0"/>
+              <a:rPr lang="en-US" altLang="ko-KR" b="1"/>
               <a:t>.mp3 read</a:t>
             </a:r>
             <a:endParaRPr lang="ko-KR" altLang="en-US" b="1"/>
@@ -5751,7 +5693,7 @@
           <a:lstStyle/>
           <a:p>
             <a:r>
-              <a:rPr lang="en-US" altLang="ko-KR" sz="1600" b="1" smtClean="0"/>
+              <a:rPr lang="en-US" altLang="ko-KR" sz="1600" b="1"/>
               <a:t>SET=0</a:t>
             </a:r>
             <a:endParaRPr lang="ko-KR" altLang="en-US" sz="1600" b="1"/>
@@ -5782,17 +5724,16 @@
           <a:p>
             <a:pPr algn="ctr"/>
             <a:r>
-              <a:rPr lang="en-US" altLang="ko-KR" b="1" smtClean="0"/>
+              <a:rPr lang="en-US" altLang="ko-KR" b="1"/>
               <a:t>int arr[600][6]</a:t>
             </a:r>
           </a:p>
           <a:p>
             <a:pPr algn="ctr"/>
             <a:r>
-              <a:rPr lang="ko-KR" altLang="en-US" b="1" smtClean="0"/>
+              <a:rPr lang="ko-KR" altLang="en-US" b="1"/>
               <a:t>동적할당</a:t>
             </a:r>
-            <a:endParaRPr lang="ko-KR" altLang="en-US" b="1"/>
           </a:p>
         </p:txBody>
       </p:sp>
@@ -5922,7 +5863,7 @@
           <a:lstStyle/>
           <a:p>
             <a:r>
-              <a:rPr lang="en-US" altLang="ko-KR" sz="1200" b="1" smtClean="0"/>
+              <a:rPr lang="en-US" altLang="ko-KR" sz="1200" b="1"/>
               <a:t>NO</a:t>
             </a:r>
             <a:endParaRPr lang="ko-KR" altLang="en-US" sz="1200" b="1"/>
@@ -5952,7 +5893,7 @@
           <a:lstStyle/>
           <a:p>
             <a:r>
-              <a:rPr lang="en-US" altLang="ko-KR" sz="1200" b="1" smtClean="0"/>
+              <a:rPr lang="en-US" altLang="ko-KR" sz="1200" b="1"/>
               <a:t>YES</a:t>
             </a:r>
             <a:endParaRPr lang="ko-KR" altLang="en-US" sz="1200" b="1"/>
@@ -6357,7 +6298,7 @@
           <a:lstStyle/>
           <a:p>
             <a:r>
-              <a:rPr lang="en-US" altLang="ko-KR" b="1" smtClean="0"/>
+              <a:rPr lang="en-US" altLang="ko-KR" b="1"/>
               <a:t>n=0</a:t>
             </a:r>
             <a:endParaRPr lang="ko-KR" altLang="en-US" b="1"/>
@@ -6387,7 +6328,7 @@
           <a:lstStyle/>
           <a:p>
             <a:r>
-              <a:rPr lang="en-US" altLang="ko-KR" b="1" smtClean="0"/>
+              <a:rPr lang="en-US" altLang="ko-KR" b="1"/>
               <a:t>int arr[600][6]</a:t>
             </a:r>
             <a:endParaRPr lang="ko-KR" altLang="en-US" b="1"/>
@@ -6417,16 +6358,15 @@
           <a:lstStyle/>
           <a:p>
             <a:r>
-              <a:rPr lang="en-US" altLang="ko-KR" sz="1600" b="1" smtClean="0"/>
+              <a:rPr lang="en-US" altLang="ko-KR" sz="1600" b="1"/>
               <a:t>int array[600][6] </a:t>
             </a:r>
           </a:p>
           <a:p>
             <a:r>
-              <a:rPr lang="ko-KR" altLang="en-US" sz="1600" b="1" smtClean="0"/>
+              <a:rPr lang="ko-KR" altLang="en-US" sz="1600" b="1"/>
               <a:t>동적할당</a:t>
             </a:r>
-            <a:endParaRPr lang="ko-KR" altLang="en-US" sz="1600" b="1"/>
           </a:p>
         </p:txBody>
       </p:sp>
@@ -6453,7 +6393,7 @@
           <a:lstStyle/>
           <a:p>
             <a:r>
-              <a:rPr lang="en-US" altLang="ko-KR" b="1" smtClean="0"/>
+              <a:rPr lang="en-US" altLang="ko-KR" b="1"/>
               <a:t>.mp3</a:t>
             </a:r>
             <a:endParaRPr lang="ko-KR" altLang="en-US" b="1"/>
@@ -6495,10 +6435,9 @@
           <a:p>
             <a:pPr algn="ctr"/>
             <a:r>
-              <a:rPr lang="ko-KR" altLang="en-US" sz="1600" smtClean="0"/>
+              <a:rPr lang="ko-KR" altLang="en-US" sz="1600"/>
               <a:t>다시시작</a:t>
             </a:r>
-            <a:endParaRPr lang="ko-KR" altLang="en-US" sz="1600"/>
           </a:p>
         </p:txBody>
       </p:sp>
@@ -6591,7 +6530,7 @@
           <a:lstStyle/>
           <a:p>
             <a:r>
-              <a:rPr lang="en-US" altLang="ko-KR" b="1" smtClean="0"/>
+              <a:rPr lang="en-US" altLang="ko-KR" b="1"/>
               <a:t>a=n</a:t>
             </a:r>
             <a:endParaRPr lang="ko-KR" altLang="en-US" b="1"/>
@@ -6687,7 +6626,7 @@
           <a:lstStyle/>
           <a:p>
             <a:r>
-              <a:rPr lang="en-US" altLang="ko-KR" b="1" smtClean="0"/>
+              <a:rPr lang="en-US" altLang="ko-KR" b="1"/>
               <a:t>n=a</a:t>
             </a:r>
             <a:endParaRPr lang="ko-KR" altLang="en-US" b="1"/>
@@ -6781,13 +6720,2517 @@
   <p:clrMapOvr>
     <a:masterClrMapping/>
   </p:clrMapOvr>
-  <p:timing>
-    <p:tnLst>
-      <p:par>
-        <p:cTn id="1" dur="indefinite" restart="never" nodeType="tmRoot"/>
-      </p:par>
-    </p:tnLst>
-  </p:timing>
+</p:sld>
+</file>
+
+<file path=ppt/slides/slide3.xml><?xml version="1.0" encoding="utf-8"?>
+<p:sld xmlns:a="http://schemas.openxmlformats.org/drawingml/2006/main" xmlns:r="http://schemas.openxmlformats.org/officeDocument/2006/relationships" xmlns:p="http://schemas.openxmlformats.org/presentationml/2006/main">
+  <p:cSld>
+    <p:spTree>
+      <p:nvGrpSpPr>
+        <p:cNvPr id="1" name=""/>
+        <p:cNvGrpSpPr/>
+        <p:nvPr/>
+      </p:nvGrpSpPr>
+      <p:grpSpPr>
+        <a:xfrm>
+          <a:off x="0" y="0"/>
+          <a:ext cx="0" cy="0"/>
+          <a:chOff x="0" y="0"/>
+          <a:chExt cx="0" cy="0"/>
+        </a:xfrm>
+      </p:grpSpPr>
+      <p:sp>
+        <p:nvSpPr>
+          <p:cNvPr id="59" name="직사각형 58"/>
+          <p:cNvSpPr/>
+          <p:nvPr/>
+        </p:nvSpPr>
+        <p:spPr>
+          <a:xfrm>
+            <a:off x="684033" y="168906"/>
+            <a:ext cx="10156245" cy="5114225"/>
+          </a:xfrm>
+          <a:prstGeom prst="rect">
+            <a:avLst/>
+          </a:prstGeom>
+          <a:solidFill>
+            <a:schemeClr val="bg1">
+              <a:lumMod val="85000"/>
+            </a:schemeClr>
+          </a:solidFill>
+        </p:spPr>
+        <p:style>
+          <a:lnRef idx="0">
+            <a:schemeClr val="accent3"/>
+          </a:lnRef>
+          <a:fillRef idx="3">
+            <a:schemeClr val="accent3"/>
+          </a:fillRef>
+          <a:effectRef idx="3">
+            <a:schemeClr val="accent3"/>
+          </a:effectRef>
+          <a:fontRef idx="minor">
+            <a:schemeClr val="lt1"/>
+          </a:fontRef>
+        </p:style>
+        <p:txBody>
+          <a:bodyPr rtlCol="0" anchor="ctr"/>
+          <a:lstStyle/>
+          <a:p>
+            <a:pPr algn="ctr"/>
+            <a:endParaRPr lang="ko-KR" altLang="en-US"/>
+          </a:p>
+        </p:txBody>
+      </p:sp>
+      <p:sp>
+        <p:nvSpPr>
+          <p:cNvPr id="9" name="직사각형 8"/>
+          <p:cNvSpPr/>
+          <p:nvPr/>
+        </p:nvSpPr>
+        <p:spPr>
+          <a:xfrm>
+            <a:off x="8109478" y="232874"/>
+            <a:ext cx="1378039" cy="631065"/>
+          </a:xfrm>
+          <a:prstGeom prst="rect">
+            <a:avLst/>
+          </a:prstGeom>
+        </p:spPr>
+        <p:style>
+          <a:lnRef idx="0">
+            <a:schemeClr val="accent6"/>
+          </a:lnRef>
+          <a:fillRef idx="3">
+            <a:schemeClr val="accent6"/>
+          </a:fillRef>
+          <a:effectRef idx="3">
+            <a:schemeClr val="accent6"/>
+          </a:effectRef>
+          <a:fontRef idx="minor">
+            <a:schemeClr val="lt1"/>
+          </a:fontRef>
+        </p:style>
+        <p:txBody>
+          <a:bodyPr rtlCol="0" anchor="ctr"/>
+          <a:lstStyle/>
+          <a:p>
+            <a:pPr algn="ctr"/>
+            <a:r>
+              <a:rPr lang="ko-KR" altLang="en-US"/>
+              <a:t>음악목록</a:t>
+            </a:r>
+          </a:p>
+        </p:txBody>
+      </p:sp>
+      <p:sp>
+        <p:nvSpPr>
+          <p:cNvPr id="10" name="직사각형 9"/>
+          <p:cNvSpPr/>
+          <p:nvPr/>
+        </p:nvSpPr>
+        <p:spPr>
+          <a:xfrm>
+            <a:off x="8116058" y="1263932"/>
+            <a:ext cx="1378039" cy="631065"/>
+          </a:xfrm>
+          <a:prstGeom prst="rect">
+            <a:avLst/>
+          </a:prstGeom>
+        </p:spPr>
+        <p:style>
+          <a:lnRef idx="0">
+            <a:schemeClr val="accent6"/>
+          </a:lnRef>
+          <a:fillRef idx="3">
+            <a:schemeClr val="accent6"/>
+          </a:fillRef>
+          <a:effectRef idx="3">
+            <a:schemeClr val="accent6"/>
+          </a:effectRef>
+          <a:fontRef idx="minor">
+            <a:schemeClr val="lt1"/>
+          </a:fontRef>
+        </p:style>
+        <p:txBody>
+          <a:bodyPr rtlCol="0" anchor="ctr"/>
+          <a:lstStyle/>
+          <a:p>
+            <a:pPr algn="ctr"/>
+            <a:r>
+              <a:rPr lang="ko-KR" altLang="en-US"/>
+              <a:t>노래선택</a:t>
+            </a:r>
+          </a:p>
+        </p:txBody>
+      </p:sp>
+      <p:sp>
+        <p:nvSpPr>
+          <p:cNvPr id="11" name="직사각형 10"/>
+          <p:cNvSpPr/>
+          <p:nvPr/>
+        </p:nvSpPr>
+        <p:spPr>
+          <a:xfrm>
+            <a:off x="8116058" y="2292062"/>
+            <a:ext cx="1378039" cy="631064"/>
+          </a:xfrm>
+          <a:prstGeom prst="rect">
+            <a:avLst/>
+          </a:prstGeom>
+        </p:spPr>
+        <p:style>
+          <a:lnRef idx="0">
+            <a:schemeClr val="accent6"/>
+          </a:lnRef>
+          <a:fillRef idx="3">
+            <a:schemeClr val="accent6"/>
+          </a:fillRef>
+          <a:effectRef idx="3">
+            <a:schemeClr val="accent6"/>
+          </a:effectRef>
+          <a:fontRef idx="minor">
+            <a:schemeClr val="lt1"/>
+          </a:fontRef>
+        </p:style>
+        <p:txBody>
+          <a:bodyPr rtlCol="0" anchor="ctr"/>
+          <a:lstStyle/>
+          <a:p>
+            <a:pPr algn="ctr"/>
+            <a:r>
+              <a:rPr lang="ko-KR" altLang="en-US"/>
+              <a:t>재생화면</a:t>
+            </a:r>
+          </a:p>
+        </p:txBody>
+      </p:sp>
+      <p:sp>
+        <p:nvSpPr>
+          <p:cNvPr id="27" name="직사각형 26"/>
+          <p:cNvSpPr/>
+          <p:nvPr/>
+        </p:nvSpPr>
+        <p:spPr>
+          <a:xfrm>
+            <a:off x="677676" y="5482606"/>
+            <a:ext cx="7578428" cy="1239763"/>
+          </a:xfrm>
+          <a:prstGeom prst="rect">
+            <a:avLst/>
+          </a:prstGeom>
+          <a:solidFill>
+            <a:schemeClr val="bg1">
+              <a:lumMod val="85000"/>
+            </a:schemeClr>
+          </a:solidFill>
+        </p:spPr>
+        <p:style>
+          <a:lnRef idx="0">
+            <a:schemeClr val="accent3"/>
+          </a:lnRef>
+          <a:fillRef idx="3">
+            <a:schemeClr val="accent3"/>
+          </a:fillRef>
+          <a:effectRef idx="3">
+            <a:schemeClr val="accent3"/>
+          </a:effectRef>
+          <a:fontRef idx="minor">
+            <a:schemeClr val="lt1"/>
+          </a:fontRef>
+        </p:style>
+        <p:txBody>
+          <a:bodyPr rtlCol="0" anchor="ctr"/>
+          <a:lstStyle/>
+          <a:p>
+            <a:pPr algn="ctr"/>
+            <a:endParaRPr lang="ko-KR" altLang="en-US"/>
+          </a:p>
+        </p:txBody>
+      </p:sp>
+      <p:pic>
+        <p:nvPicPr>
+          <p:cNvPr id="111" name="그림 110"/>
+          <p:cNvPicPr>
+            <a:picLocks noChangeAspect="1"/>
+          </p:cNvPicPr>
+          <p:nvPr/>
+        </p:nvPicPr>
+        <p:blipFill>
+          <a:blip r:embed="rId2" cstate="print">
+            <a:extLst>
+              <a:ext uri="{28A0092B-C50C-407E-A947-70E740481C1C}">
+                <a14:useLocalDpi xmlns:a14="http://schemas.microsoft.com/office/drawing/2010/main" val="0"/>
+              </a:ext>
+            </a:extLst>
+          </a:blip>
+          <a:stretch>
+            <a:fillRect/>
+          </a:stretch>
+        </p:blipFill>
+        <p:spPr>
+          <a:xfrm>
+            <a:off x="8818425" y="5656980"/>
+            <a:ext cx="2003467" cy="864510"/>
+          </a:xfrm>
+          <a:prstGeom prst="rect">
+            <a:avLst/>
+          </a:prstGeom>
+        </p:spPr>
+      </p:pic>
+      <p:sp>
+        <p:nvSpPr>
+          <p:cNvPr id="120" name="TextBox 119"/>
+          <p:cNvSpPr txBox="1"/>
+          <p:nvPr/>
+        </p:nvSpPr>
+        <p:spPr>
+          <a:xfrm>
+            <a:off x="6952344" y="1335939"/>
+            <a:ext cx="972430" cy="1200329"/>
+          </a:xfrm>
+          <a:prstGeom prst="rect">
+            <a:avLst/>
+          </a:prstGeom>
+          <a:noFill/>
+        </p:spPr>
+        <p:txBody>
+          <a:bodyPr wrap="square" rtlCol="0">
+            <a:spAutoFit/>
+          </a:bodyPr>
+          <a:lstStyle/>
+          <a:p>
+            <a:pPr algn="ctr"/>
+            <a:r>
+              <a:rPr lang="en-US" altLang="ko-KR" b="1"/>
+              <a:t>Music</a:t>
+            </a:r>
+            <a:r>
+              <a:rPr lang="ko-KR" altLang="en-US" b="1"/>
+              <a:t>폴더 내</a:t>
+            </a:r>
+            <a:endParaRPr lang="en-US" altLang="ko-KR" b="1"/>
+          </a:p>
+          <a:p>
+            <a:pPr algn="ctr"/>
+            <a:r>
+              <a:rPr lang="en-US" altLang="ko-KR" b="1"/>
+              <a:t>.mp3</a:t>
+            </a:r>
+          </a:p>
+          <a:p>
+            <a:pPr algn="ctr"/>
+            <a:r>
+              <a:rPr lang="en-US" altLang="ko-KR" b="1"/>
+              <a:t>read</a:t>
+            </a:r>
+            <a:endParaRPr lang="ko-KR" altLang="en-US" b="1"/>
+          </a:p>
+        </p:txBody>
+      </p:sp>
+      <p:sp>
+        <p:nvSpPr>
+          <p:cNvPr id="3" name="타원 2"/>
+          <p:cNvSpPr/>
+          <p:nvPr/>
+        </p:nvSpPr>
+        <p:spPr>
+          <a:xfrm>
+            <a:off x="927236" y="232874"/>
+            <a:ext cx="1472249" cy="630823"/>
+          </a:xfrm>
+          <a:prstGeom prst="ellipse">
+            <a:avLst/>
+          </a:prstGeom>
+          <a:ln/>
+        </p:spPr>
+        <p:style>
+          <a:lnRef idx="0">
+            <a:schemeClr val="accent2"/>
+          </a:lnRef>
+          <a:fillRef idx="3">
+            <a:schemeClr val="accent2"/>
+          </a:fillRef>
+          <a:effectRef idx="3">
+            <a:schemeClr val="accent2"/>
+          </a:effectRef>
+          <a:fontRef idx="minor">
+            <a:schemeClr val="lt1"/>
+          </a:fontRef>
+        </p:style>
+        <p:txBody>
+          <a:bodyPr rtlCol="0" anchor="ctr"/>
+          <a:lstStyle/>
+          <a:p>
+            <a:pPr algn="ctr"/>
+            <a:r>
+              <a:rPr lang="ko-KR" altLang="en-US"/>
+              <a:t>앱 실행</a:t>
+            </a:r>
+          </a:p>
+        </p:txBody>
+      </p:sp>
+      <p:sp>
+        <p:nvSpPr>
+          <p:cNvPr id="72" name="순서도: 판단 71"/>
+          <p:cNvSpPr/>
+          <p:nvPr/>
+        </p:nvSpPr>
+        <p:spPr>
+          <a:xfrm>
+            <a:off x="2893595" y="186279"/>
+            <a:ext cx="1925672" cy="719110"/>
+          </a:xfrm>
+          <a:prstGeom prst="flowChartDecision">
+            <a:avLst/>
+          </a:prstGeom>
+        </p:spPr>
+        <p:style>
+          <a:lnRef idx="0">
+            <a:schemeClr val="accent1"/>
+          </a:lnRef>
+          <a:fillRef idx="3">
+            <a:schemeClr val="accent1"/>
+          </a:fillRef>
+          <a:effectRef idx="3">
+            <a:schemeClr val="accent1"/>
+          </a:effectRef>
+          <a:fontRef idx="minor">
+            <a:schemeClr val="lt1"/>
+          </a:fontRef>
+        </p:style>
+        <p:txBody>
+          <a:bodyPr rtlCol="0" anchor="ctr"/>
+          <a:lstStyle/>
+          <a:p>
+            <a:pPr algn="ctr"/>
+            <a:endParaRPr lang="ko-KR" altLang="en-US" sz="1400"/>
+          </a:p>
+        </p:txBody>
+      </p:sp>
+      <p:sp>
+        <p:nvSpPr>
+          <p:cNvPr id="73" name="직사각형 72"/>
+          <p:cNvSpPr/>
+          <p:nvPr/>
+        </p:nvSpPr>
+        <p:spPr>
+          <a:xfrm>
+            <a:off x="5313377" y="232874"/>
+            <a:ext cx="1378039" cy="631065"/>
+          </a:xfrm>
+          <a:prstGeom prst="rect">
+            <a:avLst/>
+          </a:prstGeom>
+        </p:spPr>
+        <p:style>
+          <a:lnRef idx="0">
+            <a:schemeClr val="accent1"/>
+          </a:lnRef>
+          <a:fillRef idx="3">
+            <a:schemeClr val="accent1"/>
+          </a:fillRef>
+          <a:effectRef idx="3">
+            <a:schemeClr val="accent1"/>
+          </a:effectRef>
+          <a:fontRef idx="minor">
+            <a:schemeClr val="lt1"/>
+          </a:fontRef>
+        </p:style>
+        <p:txBody>
+          <a:bodyPr rtlCol="0" anchor="ctr"/>
+          <a:lstStyle/>
+          <a:p>
+            <a:pPr algn="ctr"/>
+            <a:r>
+              <a:rPr lang="en-US" altLang="ko-KR"/>
+              <a:t>Connect to</a:t>
+            </a:r>
+          </a:p>
+          <a:p>
+            <a:pPr algn="ctr"/>
+            <a:r>
+              <a:rPr lang="en-US" altLang="ko-KR"/>
+              <a:t>device</a:t>
+            </a:r>
+            <a:endParaRPr lang="ko-KR" altLang="en-US"/>
+          </a:p>
+        </p:txBody>
+      </p:sp>
+      <p:sp>
+        <p:nvSpPr>
+          <p:cNvPr id="75" name="직사각형 74"/>
+          <p:cNvSpPr/>
+          <p:nvPr/>
+        </p:nvSpPr>
+        <p:spPr>
+          <a:xfrm>
+            <a:off x="3167411" y="1301889"/>
+            <a:ext cx="1378039" cy="631065"/>
+          </a:xfrm>
+          <a:prstGeom prst="rect">
+            <a:avLst/>
+          </a:prstGeom>
+        </p:spPr>
+        <p:style>
+          <a:lnRef idx="0">
+            <a:schemeClr val="accent1"/>
+          </a:lnRef>
+          <a:fillRef idx="3">
+            <a:schemeClr val="accent1"/>
+          </a:fillRef>
+          <a:effectRef idx="3">
+            <a:schemeClr val="accent1"/>
+          </a:effectRef>
+          <a:fontRef idx="minor">
+            <a:schemeClr val="lt1"/>
+          </a:fontRef>
+        </p:style>
+        <p:txBody>
+          <a:bodyPr rtlCol="0" anchor="ctr"/>
+          <a:lstStyle/>
+          <a:p>
+            <a:pPr algn="ctr"/>
+            <a:r>
+              <a:rPr lang="ko-KR" altLang="en-US"/>
+              <a:t>블루투스</a:t>
+            </a:r>
+            <a:endParaRPr lang="en-US" altLang="ko-KR"/>
+          </a:p>
+          <a:p>
+            <a:pPr algn="ctr"/>
+            <a:r>
+              <a:rPr lang="ko-KR" altLang="en-US"/>
+              <a:t>승인 요청</a:t>
+            </a:r>
+          </a:p>
+        </p:txBody>
+      </p:sp>
+      <p:sp>
+        <p:nvSpPr>
+          <p:cNvPr id="76" name="순서도: 판단 75"/>
+          <p:cNvSpPr/>
+          <p:nvPr/>
+        </p:nvSpPr>
+        <p:spPr>
+          <a:xfrm>
+            <a:off x="2912598" y="2329454"/>
+            <a:ext cx="1925672" cy="719110"/>
+          </a:xfrm>
+          <a:prstGeom prst="flowChartDecision">
+            <a:avLst/>
+          </a:prstGeom>
+        </p:spPr>
+        <p:style>
+          <a:lnRef idx="0">
+            <a:schemeClr val="accent1"/>
+          </a:lnRef>
+          <a:fillRef idx="3">
+            <a:schemeClr val="accent1"/>
+          </a:fillRef>
+          <a:effectRef idx="3">
+            <a:schemeClr val="accent1"/>
+          </a:effectRef>
+          <a:fontRef idx="minor">
+            <a:schemeClr val="lt1"/>
+          </a:fontRef>
+        </p:style>
+        <p:txBody>
+          <a:bodyPr rtlCol="0" anchor="ctr"/>
+          <a:lstStyle/>
+          <a:p>
+            <a:pPr algn="ctr"/>
+            <a:r>
+              <a:rPr lang="ko-KR" altLang="en-US"/>
+              <a:t>승인</a:t>
+            </a:r>
+          </a:p>
+        </p:txBody>
+      </p:sp>
+      <p:sp>
+        <p:nvSpPr>
+          <p:cNvPr id="80" name="직사각형 79"/>
+          <p:cNvSpPr/>
+          <p:nvPr/>
+        </p:nvSpPr>
+        <p:spPr>
+          <a:xfrm>
+            <a:off x="5341653" y="1301325"/>
+            <a:ext cx="1378039" cy="631065"/>
+          </a:xfrm>
+          <a:prstGeom prst="rect">
+            <a:avLst/>
+          </a:prstGeom>
+        </p:spPr>
+        <p:style>
+          <a:lnRef idx="0">
+            <a:schemeClr val="accent1"/>
+          </a:lnRef>
+          <a:fillRef idx="3">
+            <a:schemeClr val="accent1"/>
+          </a:fillRef>
+          <a:effectRef idx="3">
+            <a:schemeClr val="accent1"/>
+          </a:effectRef>
+          <a:fontRef idx="minor">
+            <a:schemeClr val="lt1"/>
+          </a:fontRef>
+        </p:style>
+        <p:txBody>
+          <a:bodyPr rtlCol="0" anchor="ctr"/>
+          <a:lstStyle/>
+          <a:p>
+            <a:pPr algn="ctr"/>
+            <a:r>
+              <a:rPr lang="ko-KR" altLang="en-US"/>
+              <a:t>페어링된 </a:t>
+            </a:r>
+            <a:endParaRPr lang="en-US" altLang="ko-KR"/>
+          </a:p>
+          <a:p>
+            <a:pPr algn="ctr"/>
+            <a:r>
+              <a:rPr lang="ko-KR" altLang="en-US"/>
+              <a:t>기기목록</a:t>
+            </a:r>
+          </a:p>
+        </p:txBody>
+      </p:sp>
+      <p:sp>
+        <p:nvSpPr>
+          <p:cNvPr id="81" name="직사각형 80"/>
+          <p:cNvSpPr/>
+          <p:nvPr/>
+        </p:nvSpPr>
+        <p:spPr>
+          <a:xfrm>
+            <a:off x="5318917" y="2373476"/>
+            <a:ext cx="1378039" cy="631065"/>
+          </a:xfrm>
+          <a:prstGeom prst="rect">
+            <a:avLst/>
+          </a:prstGeom>
+        </p:spPr>
+        <p:style>
+          <a:lnRef idx="0">
+            <a:schemeClr val="accent1"/>
+          </a:lnRef>
+          <a:fillRef idx="3">
+            <a:schemeClr val="accent1"/>
+          </a:fillRef>
+          <a:effectRef idx="3">
+            <a:schemeClr val="accent1"/>
+          </a:effectRef>
+          <a:fontRef idx="minor">
+            <a:schemeClr val="lt1"/>
+          </a:fontRef>
+        </p:style>
+        <p:txBody>
+          <a:bodyPr rtlCol="0" anchor="ctr"/>
+          <a:lstStyle/>
+          <a:p>
+            <a:pPr algn="ctr"/>
+            <a:r>
+              <a:rPr lang="en-US" altLang="ko-KR"/>
+              <a:t>HC-06</a:t>
+            </a:r>
+            <a:r>
+              <a:rPr lang="ko-KR" altLang="en-US"/>
+              <a:t>선택</a:t>
+            </a:r>
+          </a:p>
+        </p:txBody>
+      </p:sp>
+      <p:sp>
+        <p:nvSpPr>
+          <p:cNvPr id="82" name="직사각형 81"/>
+          <p:cNvSpPr/>
+          <p:nvPr/>
+        </p:nvSpPr>
+        <p:spPr>
+          <a:xfrm>
+            <a:off x="5313376" y="3447190"/>
+            <a:ext cx="1378039" cy="631065"/>
+          </a:xfrm>
+          <a:prstGeom prst="rect">
+            <a:avLst/>
+          </a:prstGeom>
+        </p:spPr>
+        <p:style>
+          <a:lnRef idx="0">
+            <a:schemeClr val="accent1"/>
+          </a:lnRef>
+          <a:fillRef idx="3">
+            <a:schemeClr val="accent1"/>
+          </a:fillRef>
+          <a:effectRef idx="3">
+            <a:schemeClr val="accent1"/>
+          </a:effectRef>
+          <a:fontRef idx="minor">
+            <a:schemeClr val="lt1"/>
+          </a:fontRef>
+        </p:style>
+        <p:txBody>
+          <a:bodyPr rtlCol="0" anchor="ctr"/>
+          <a:lstStyle/>
+          <a:p>
+            <a:pPr algn="ctr"/>
+            <a:r>
+              <a:rPr lang="ko-KR" altLang="en-US"/>
+              <a:t>연결</a:t>
+            </a:r>
+          </a:p>
+        </p:txBody>
+      </p:sp>
+      <p:sp>
+        <p:nvSpPr>
+          <p:cNvPr id="83" name="직사각형 82"/>
+          <p:cNvSpPr/>
+          <p:nvPr/>
+        </p:nvSpPr>
+        <p:spPr>
+          <a:xfrm>
+            <a:off x="7096270" y="3409799"/>
+            <a:ext cx="1030308" cy="646111"/>
+          </a:xfrm>
+          <a:prstGeom prst="rect">
+            <a:avLst/>
+          </a:prstGeom>
+        </p:spPr>
+        <p:style>
+          <a:lnRef idx="0">
+            <a:schemeClr val="accent4"/>
+          </a:lnRef>
+          <a:fillRef idx="3">
+            <a:schemeClr val="accent4"/>
+          </a:fillRef>
+          <a:effectRef idx="3">
+            <a:schemeClr val="accent4"/>
+          </a:effectRef>
+          <a:fontRef idx="minor">
+            <a:schemeClr val="lt1"/>
+          </a:fontRef>
+        </p:style>
+        <p:txBody>
+          <a:bodyPr rtlCol="0" anchor="ctr"/>
+          <a:lstStyle/>
+          <a:p>
+            <a:pPr algn="ctr"/>
+            <a:r>
+              <a:rPr lang="ko-KR" altLang="en-US"/>
+              <a:t>중지</a:t>
+            </a:r>
+          </a:p>
+        </p:txBody>
+      </p:sp>
+      <p:sp>
+        <p:nvSpPr>
+          <p:cNvPr id="84" name="직사각형 83"/>
+          <p:cNvSpPr/>
+          <p:nvPr/>
+        </p:nvSpPr>
+        <p:spPr>
+          <a:xfrm>
+            <a:off x="8289922" y="3396547"/>
+            <a:ext cx="1030308" cy="646111"/>
+          </a:xfrm>
+          <a:prstGeom prst="rect">
+            <a:avLst/>
+          </a:prstGeom>
+        </p:spPr>
+        <p:style>
+          <a:lnRef idx="0">
+            <a:schemeClr val="accent4"/>
+          </a:lnRef>
+          <a:fillRef idx="3">
+            <a:schemeClr val="accent4"/>
+          </a:fillRef>
+          <a:effectRef idx="3">
+            <a:schemeClr val="accent4"/>
+          </a:effectRef>
+          <a:fontRef idx="minor">
+            <a:schemeClr val="lt1"/>
+          </a:fontRef>
+        </p:style>
+        <p:txBody>
+          <a:bodyPr rtlCol="0" anchor="ctr"/>
+          <a:lstStyle/>
+          <a:p>
+            <a:pPr algn="ctr"/>
+            <a:r>
+              <a:rPr lang="ko-KR" altLang="en-US"/>
+              <a:t>재생</a:t>
+            </a:r>
+          </a:p>
+        </p:txBody>
+      </p:sp>
+      <p:sp>
+        <p:nvSpPr>
+          <p:cNvPr id="87" name="직사각형 86"/>
+          <p:cNvSpPr/>
+          <p:nvPr/>
+        </p:nvSpPr>
+        <p:spPr>
+          <a:xfrm>
+            <a:off x="9473050" y="3408986"/>
+            <a:ext cx="1030308" cy="646111"/>
+          </a:xfrm>
+          <a:prstGeom prst="rect">
+            <a:avLst/>
+          </a:prstGeom>
+        </p:spPr>
+        <p:style>
+          <a:lnRef idx="0">
+            <a:schemeClr val="accent4"/>
+          </a:lnRef>
+          <a:fillRef idx="3">
+            <a:schemeClr val="accent4"/>
+          </a:fillRef>
+          <a:effectRef idx="3">
+            <a:schemeClr val="accent4"/>
+          </a:effectRef>
+          <a:fontRef idx="minor">
+            <a:schemeClr val="lt1"/>
+          </a:fontRef>
+        </p:style>
+        <p:txBody>
+          <a:bodyPr rtlCol="0" anchor="ctr"/>
+          <a:lstStyle/>
+          <a:p>
+            <a:pPr algn="ctr"/>
+            <a:r>
+              <a:rPr lang="ko-KR" altLang="en-US" sz="1600"/>
+              <a:t>일시정지</a:t>
+            </a:r>
+          </a:p>
+        </p:txBody>
+      </p:sp>
+      <p:sp>
+        <p:nvSpPr>
+          <p:cNvPr id="89" name="직사각형 88"/>
+          <p:cNvSpPr/>
+          <p:nvPr/>
+        </p:nvSpPr>
+        <p:spPr>
+          <a:xfrm>
+            <a:off x="8256104" y="4485307"/>
+            <a:ext cx="1378039" cy="631064"/>
+          </a:xfrm>
+          <a:prstGeom prst="rect">
+            <a:avLst/>
+          </a:prstGeom>
+          <a:solidFill>
+            <a:srgbClr val="CC0099"/>
+          </a:solidFill>
+        </p:spPr>
+        <p:style>
+          <a:lnRef idx="0">
+            <a:schemeClr val="accent6"/>
+          </a:lnRef>
+          <a:fillRef idx="3">
+            <a:schemeClr val="accent6"/>
+          </a:fillRef>
+          <a:effectRef idx="3">
+            <a:schemeClr val="accent6"/>
+          </a:effectRef>
+          <a:fontRef idx="minor">
+            <a:schemeClr val="lt1"/>
+          </a:fontRef>
+        </p:style>
+        <p:txBody>
+          <a:bodyPr rtlCol="0" anchor="ctr"/>
+          <a:lstStyle/>
+          <a:p>
+            <a:pPr algn="ctr"/>
+            <a:r>
+              <a:rPr lang="en-US" altLang="ko-KR"/>
+              <a:t>FFT</a:t>
+            </a:r>
+            <a:r>
+              <a:rPr lang="ko-KR" altLang="en-US"/>
+              <a:t>변환</a:t>
+            </a:r>
+          </a:p>
+        </p:txBody>
+      </p:sp>
+      <p:sp>
+        <p:nvSpPr>
+          <p:cNvPr id="90" name="직사각형 89"/>
+          <p:cNvSpPr/>
+          <p:nvPr/>
+        </p:nvSpPr>
+        <p:spPr>
+          <a:xfrm>
+            <a:off x="5847757" y="4485307"/>
+            <a:ext cx="1378039" cy="631064"/>
+          </a:xfrm>
+          <a:prstGeom prst="rect">
+            <a:avLst/>
+          </a:prstGeom>
+          <a:solidFill>
+            <a:srgbClr val="CC0099"/>
+          </a:solidFill>
+        </p:spPr>
+        <p:style>
+          <a:lnRef idx="0">
+            <a:schemeClr val="accent6"/>
+          </a:lnRef>
+          <a:fillRef idx="3">
+            <a:schemeClr val="accent6"/>
+          </a:fillRef>
+          <a:effectRef idx="3">
+            <a:schemeClr val="accent6"/>
+          </a:effectRef>
+          <a:fontRef idx="minor">
+            <a:schemeClr val="lt1"/>
+          </a:fontRef>
+        </p:style>
+        <p:txBody>
+          <a:bodyPr rtlCol="0" anchor="ctr"/>
+          <a:lstStyle/>
+          <a:p>
+            <a:pPr algn="ctr"/>
+            <a:r>
+              <a:rPr lang="en-US" altLang="ko-KR"/>
+              <a:t>Write( )</a:t>
+            </a:r>
+            <a:endParaRPr lang="ko-KR" altLang="en-US"/>
+          </a:p>
+        </p:txBody>
+      </p:sp>
+      <p:sp>
+        <p:nvSpPr>
+          <p:cNvPr id="91" name="직사각형 90"/>
+          <p:cNvSpPr/>
+          <p:nvPr/>
+        </p:nvSpPr>
+        <p:spPr>
+          <a:xfrm>
+            <a:off x="927236" y="5786955"/>
+            <a:ext cx="1378039" cy="631064"/>
+          </a:xfrm>
+          <a:prstGeom prst="rect">
+            <a:avLst/>
+          </a:prstGeom>
+          <a:solidFill>
+            <a:srgbClr val="CC0099"/>
+          </a:solidFill>
+        </p:spPr>
+        <p:style>
+          <a:lnRef idx="0">
+            <a:schemeClr val="accent6"/>
+          </a:lnRef>
+          <a:fillRef idx="3">
+            <a:schemeClr val="accent6"/>
+          </a:fillRef>
+          <a:effectRef idx="3">
+            <a:schemeClr val="accent6"/>
+          </a:effectRef>
+          <a:fontRef idx="minor">
+            <a:schemeClr val="lt1"/>
+          </a:fontRef>
+        </p:style>
+        <p:txBody>
+          <a:bodyPr rtlCol="0" anchor="ctr"/>
+          <a:lstStyle/>
+          <a:p>
+            <a:pPr algn="ctr"/>
+            <a:r>
+              <a:rPr lang="en-US" altLang="ko-KR"/>
+              <a:t>Read( )</a:t>
+            </a:r>
+            <a:endParaRPr lang="ko-KR" altLang="en-US"/>
+          </a:p>
+        </p:txBody>
+      </p:sp>
+      <p:sp>
+        <p:nvSpPr>
+          <p:cNvPr id="92" name="직사각형 91"/>
+          <p:cNvSpPr/>
+          <p:nvPr/>
+        </p:nvSpPr>
+        <p:spPr>
+          <a:xfrm>
+            <a:off x="3777870" y="5786955"/>
+            <a:ext cx="1378039" cy="631064"/>
+          </a:xfrm>
+          <a:prstGeom prst="rect">
+            <a:avLst/>
+          </a:prstGeom>
+          <a:solidFill>
+            <a:srgbClr val="CC0099"/>
+          </a:solidFill>
+        </p:spPr>
+        <p:style>
+          <a:lnRef idx="0">
+            <a:schemeClr val="accent6"/>
+          </a:lnRef>
+          <a:fillRef idx="3">
+            <a:schemeClr val="accent6"/>
+          </a:fillRef>
+          <a:effectRef idx="3">
+            <a:schemeClr val="accent6"/>
+          </a:effectRef>
+          <a:fontRef idx="minor">
+            <a:schemeClr val="lt1"/>
+          </a:fontRef>
+        </p:style>
+        <p:txBody>
+          <a:bodyPr rtlCol="0" anchor="ctr"/>
+          <a:lstStyle/>
+          <a:p>
+            <a:pPr algn="ctr"/>
+            <a:r>
+              <a:rPr lang="ko-KR" altLang="en-US"/>
+              <a:t>조명색지정</a:t>
+            </a:r>
+          </a:p>
+        </p:txBody>
+      </p:sp>
+      <p:sp>
+        <p:nvSpPr>
+          <p:cNvPr id="93" name="직사각형 92"/>
+          <p:cNvSpPr/>
+          <p:nvPr/>
+        </p:nvSpPr>
+        <p:spPr>
+          <a:xfrm>
+            <a:off x="5943784" y="5786955"/>
+            <a:ext cx="1951270" cy="631064"/>
+          </a:xfrm>
+          <a:prstGeom prst="rect">
+            <a:avLst/>
+          </a:prstGeom>
+          <a:solidFill>
+            <a:srgbClr val="CC0099"/>
+          </a:solidFill>
+        </p:spPr>
+        <p:style>
+          <a:lnRef idx="0">
+            <a:schemeClr val="accent6"/>
+          </a:lnRef>
+          <a:fillRef idx="3">
+            <a:schemeClr val="accent6"/>
+          </a:fillRef>
+          <a:effectRef idx="3">
+            <a:schemeClr val="accent6"/>
+          </a:effectRef>
+          <a:fontRef idx="minor">
+            <a:schemeClr val="lt1"/>
+          </a:fontRef>
+        </p:style>
+        <p:txBody>
+          <a:bodyPr rtlCol="0" anchor="ctr"/>
+          <a:lstStyle/>
+          <a:p>
+            <a:pPr algn="ctr"/>
+            <a:r>
+              <a:rPr lang="en-US" altLang="ko-KR"/>
+              <a:t>digitalWrite</a:t>
+            </a:r>
+          </a:p>
+          <a:p>
+            <a:pPr algn="ctr"/>
+            <a:r>
+              <a:rPr lang="en-US" altLang="ko-KR"/>
+              <a:t>(HIGH)</a:t>
+            </a:r>
+            <a:endParaRPr lang="ko-KR" altLang="en-US"/>
+          </a:p>
+        </p:txBody>
+      </p:sp>
+      <p:sp>
+        <p:nvSpPr>
+          <p:cNvPr id="7" name="TextBox 6"/>
+          <p:cNvSpPr txBox="1"/>
+          <p:nvPr/>
+        </p:nvSpPr>
+        <p:spPr>
+          <a:xfrm>
+            <a:off x="3309770" y="360302"/>
+            <a:ext cx="1235680" cy="371061"/>
+          </a:xfrm>
+          <a:prstGeom prst="rect">
+            <a:avLst/>
+          </a:prstGeom>
+          <a:noFill/>
+        </p:spPr>
+        <p:txBody>
+          <a:bodyPr wrap="square" rtlCol="0">
+            <a:spAutoFit/>
+          </a:bodyPr>
+          <a:lstStyle/>
+          <a:p>
+            <a:r>
+              <a:rPr lang="en-US" altLang="ko-KR">
+                <a:solidFill>
+                  <a:schemeClr val="bg1"/>
+                </a:solidFill>
+              </a:rPr>
+              <a:t>Bluetooth</a:t>
+            </a:r>
+            <a:endParaRPr lang="ko-KR" altLang="en-US">
+              <a:solidFill>
+                <a:schemeClr val="bg1"/>
+              </a:solidFill>
+            </a:endParaRPr>
+          </a:p>
+        </p:txBody>
+      </p:sp>
+      <p:cxnSp>
+        <p:nvCxnSpPr>
+          <p:cNvPr id="18" name="직선 화살표 연결선 17"/>
+          <p:cNvCxnSpPr>
+            <a:stCxn id="3" idx="6"/>
+            <a:endCxn id="72" idx="1"/>
+          </p:cNvCxnSpPr>
+          <p:nvPr/>
+        </p:nvCxnSpPr>
+        <p:spPr>
+          <a:xfrm flipV="1">
+            <a:off x="2399485" y="545834"/>
+            <a:ext cx="494110" cy="2452"/>
+          </a:xfrm>
+          <a:prstGeom prst="straightConnector1">
+            <a:avLst/>
+          </a:prstGeom>
+          <a:ln w="38100">
+            <a:solidFill>
+              <a:schemeClr val="tx1"/>
+            </a:solidFill>
+            <a:tailEnd type="triangle"/>
+          </a:ln>
+        </p:spPr>
+        <p:style>
+          <a:lnRef idx="1">
+            <a:schemeClr val="accent1"/>
+          </a:lnRef>
+          <a:fillRef idx="0">
+            <a:schemeClr val="accent1"/>
+          </a:fillRef>
+          <a:effectRef idx="0">
+            <a:schemeClr val="accent1"/>
+          </a:effectRef>
+          <a:fontRef idx="minor">
+            <a:schemeClr val="tx1"/>
+          </a:fontRef>
+        </p:style>
+      </p:cxnSp>
+      <p:cxnSp>
+        <p:nvCxnSpPr>
+          <p:cNvPr id="94" name="직선 화살표 연결선 93"/>
+          <p:cNvCxnSpPr/>
+          <p:nvPr/>
+        </p:nvCxnSpPr>
+        <p:spPr>
+          <a:xfrm flipV="1">
+            <a:off x="4819266" y="543380"/>
+            <a:ext cx="494110" cy="2452"/>
+          </a:xfrm>
+          <a:prstGeom prst="straightConnector1">
+            <a:avLst/>
+          </a:prstGeom>
+          <a:ln w="38100">
+            <a:solidFill>
+              <a:schemeClr val="tx1"/>
+            </a:solidFill>
+            <a:tailEnd type="triangle"/>
+          </a:ln>
+        </p:spPr>
+        <p:style>
+          <a:lnRef idx="1">
+            <a:schemeClr val="accent1"/>
+          </a:lnRef>
+          <a:fillRef idx="0">
+            <a:schemeClr val="accent1"/>
+          </a:fillRef>
+          <a:effectRef idx="0">
+            <a:schemeClr val="accent1"/>
+          </a:effectRef>
+          <a:fontRef idx="minor">
+            <a:schemeClr val="tx1"/>
+          </a:fontRef>
+        </p:style>
+      </p:cxnSp>
+      <p:cxnSp>
+        <p:nvCxnSpPr>
+          <p:cNvPr id="23" name="직선 화살표 연결선 22"/>
+          <p:cNvCxnSpPr/>
+          <p:nvPr/>
+        </p:nvCxnSpPr>
+        <p:spPr>
+          <a:xfrm>
+            <a:off x="3856431" y="918641"/>
+            <a:ext cx="0" cy="396500"/>
+          </a:xfrm>
+          <a:prstGeom prst="straightConnector1">
+            <a:avLst/>
+          </a:prstGeom>
+          <a:ln w="38100">
+            <a:solidFill>
+              <a:schemeClr val="tx1"/>
+            </a:solidFill>
+            <a:tailEnd type="triangle"/>
+          </a:ln>
+        </p:spPr>
+        <p:style>
+          <a:lnRef idx="1">
+            <a:schemeClr val="accent1"/>
+          </a:lnRef>
+          <a:fillRef idx="0">
+            <a:schemeClr val="accent1"/>
+          </a:fillRef>
+          <a:effectRef idx="0">
+            <a:schemeClr val="accent1"/>
+          </a:effectRef>
+          <a:fontRef idx="minor">
+            <a:schemeClr val="tx1"/>
+          </a:fontRef>
+        </p:style>
+      </p:cxnSp>
+      <p:cxnSp>
+        <p:nvCxnSpPr>
+          <p:cNvPr id="96" name="직선 화살표 연결선 95"/>
+          <p:cNvCxnSpPr/>
+          <p:nvPr/>
+        </p:nvCxnSpPr>
+        <p:spPr>
+          <a:xfrm>
+            <a:off x="3888733" y="1932389"/>
+            <a:ext cx="0" cy="396500"/>
+          </a:xfrm>
+          <a:prstGeom prst="straightConnector1">
+            <a:avLst/>
+          </a:prstGeom>
+          <a:ln w="38100">
+            <a:solidFill>
+              <a:schemeClr val="tx1"/>
+            </a:solidFill>
+            <a:tailEnd type="triangle"/>
+          </a:ln>
+        </p:spPr>
+        <p:style>
+          <a:lnRef idx="1">
+            <a:schemeClr val="accent1"/>
+          </a:lnRef>
+          <a:fillRef idx="0">
+            <a:schemeClr val="accent1"/>
+          </a:fillRef>
+          <a:effectRef idx="0">
+            <a:schemeClr val="accent1"/>
+          </a:effectRef>
+          <a:fontRef idx="minor">
+            <a:schemeClr val="tx1"/>
+          </a:fontRef>
+        </p:style>
+      </p:cxnSp>
+      <p:cxnSp>
+        <p:nvCxnSpPr>
+          <p:cNvPr id="97" name="직선 화살표 연결선 96"/>
+          <p:cNvCxnSpPr/>
+          <p:nvPr/>
+        </p:nvCxnSpPr>
+        <p:spPr>
+          <a:xfrm>
+            <a:off x="6002395" y="891572"/>
+            <a:ext cx="0" cy="396500"/>
+          </a:xfrm>
+          <a:prstGeom prst="straightConnector1">
+            <a:avLst/>
+          </a:prstGeom>
+          <a:ln w="38100">
+            <a:solidFill>
+              <a:schemeClr val="tx1"/>
+            </a:solidFill>
+            <a:tailEnd type="triangle"/>
+          </a:ln>
+        </p:spPr>
+        <p:style>
+          <a:lnRef idx="1">
+            <a:schemeClr val="accent1"/>
+          </a:lnRef>
+          <a:fillRef idx="0">
+            <a:schemeClr val="accent1"/>
+          </a:fillRef>
+          <a:effectRef idx="0">
+            <a:schemeClr val="accent1"/>
+          </a:effectRef>
+          <a:fontRef idx="minor">
+            <a:schemeClr val="tx1"/>
+          </a:fontRef>
+        </p:style>
+      </p:cxnSp>
+      <p:cxnSp>
+        <p:nvCxnSpPr>
+          <p:cNvPr id="99" name="직선 화살표 연결선 98"/>
+          <p:cNvCxnSpPr/>
+          <p:nvPr/>
+        </p:nvCxnSpPr>
+        <p:spPr>
+          <a:xfrm>
+            <a:off x="6002395" y="1969228"/>
+            <a:ext cx="0" cy="396500"/>
+          </a:xfrm>
+          <a:prstGeom prst="straightConnector1">
+            <a:avLst/>
+          </a:prstGeom>
+          <a:ln w="38100">
+            <a:solidFill>
+              <a:schemeClr val="tx1"/>
+            </a:solidFill>
+            <a:tailEnd type="triangle"/>
+          </a:ln>
+        </p:spPr>
+        <p:style>
+          <a:lnRef idx="1">
+            <a:schemeClr val="accent1"/>
+          </a:lnRef>
+          <a:fillRef idx="0">
+            <a:schemeClr val="accent1"/>
+          </a:fillRef>
+          <a:effectRef idx="0">
+            <a:schemeClr val="accent1"/>
+          </a:effectRef>
+          <a:fontRef idx="minor">
+            <a:schemeClr val="tx1"/>
+          </a:fontRef>
+        </p:style>
+      </p:cxnSp>
+      <p:cxnSp>
+        <p:nvCxnSpPr>
+          <p:cNvPr id="101" name="직선 화살표 연결선 100"/>
+          <p:cNvCxnSpPr/>
+          <p:nvPr/>
+        </p:nvCxnSpPr>
+        <p:spPr>
+          <a:xfrm>
+            <a:off x="6002395" y="3049878"/>
+            <a:ext cx="0" cy="396500"/>
+          </a:xfrm>
+          <a:prstGeom prst="straightConnector1">
+            <a:avLst/>
+          </a:prstGeom>
+          <a:ln w="38100">
+            <a:solidFill>
+              <a:schemeClr val="tx1"/>
+            </a:solidFill>
+            <a:tailEnd type="triangle"/>
+          </a:ln>
+        </p:spPr>
+        <p:style>
+          <a:lnRef idx="1">
+            <a:schemeClr val="accent1"/>
+          </a:lnRef>
+          <a:fillRef idx="0">
+            <a:schemeClr val="accent1"/>
+          </a:fillRef>
+          <a:effectRef idx="0">
+            <a:schemeClr val="accent1"/>
+          </a:effectRef>
+          <a:fontRef idx="minor">
+            <a:schemeClr val="tx1"/>
+          </a:fontRef>
+        </p:style>
+      </p:cxnSp>
+      <p:cxnSp>
+        <p:nvCxnSpPr>
+          <p:cNvPr id="103" name="직선 화살표 연결선 102"/>
+          <p:cNvCxnSpPr/>
+          <p:nvPr/>
+        </p:nvCxnSpPr>
+        <p:spPr>
+          <a:xfrm>
+            <a:off x="8805076" y="867432"/>
+            <a:ext cx="0" cy="396500"/>
+          </a:xfrm>
+          <a:prstGeom prst="straightConnector1">
+            <a:avLst/>
+          </a:prstGeom>
+          <a:ln w="38100">
+            <a:solidFill>
+              <a:schemeClr val="tx1"/>
+            </a:solidFill>
+            <a:tailEnd type="triangle"/>
+          </a:ln>
+        </p:spPr>
+        <p:style>
+          <a:lnRef idx="1">
+            <a:schemeClr val="accent1"/>
+          </a:lnRef>
+          <a:fillRef idx="0">
+            <a:schemeClr val="accent1"/>
+          </a:fillRef>
+          <a:effectRef idx="0">
+            <a:schemeClr val="accent1"/>
+          </a:effectRef>
+          <a:fontRef idx="minor">
+            <a:schemeClr val="tx1"/>
+          </a:fontRef>
+        </p:style>
+      </p:cxnSp>
+      <p:cxnSp>
+        <p:nvCxnSpPr>
+          <p:cNvPr id="105" name="직선 화살표 연결선 104"/>
+          <p:cNvCxnSpPr/>
+          <p:nvPr/>
+        </p:nvCxnSpPr>
+        <p:spPr>
+          <a:xfrm>
+            <a:off x="3856431" y="905389"/>
+            <a:ext cx="0" cy="396500"/>
+          </a:xfrm>
+          <a:prstGeom prst="straightConnector1">
+            <a:avLst/>
+          </a:prstGeom>
+          <a:ln w="38100">
+            <a:solidFill>
+              <a:schemeClr val="tx1"/>
+            </a:solidFill>
+            <a:tailEnd type="triangle"/>
+          </a:ln>
+        </p:spPr>
+        <p:style>
+          <a:lnRef idx="1">
+            <a:schemeClr val="accent1"/>
+          </a:lnRef>
+          <a:fillRef idx="0">
+            <a:schemeClr val="accent1"/>
+          </a:fillRef>
+          <a:effectRef idx="0">
+            <a:schemeClr val="accent1"/>
+          </a:effectRef>
+          <a:fontRef idx="minor">
+            <a:schemeClr val="tx1"/>
+          </a:fontRef>
+        </p:style>
+      </p:cxnSp>
+      <p:cxnSp>
+        <p:nvCxnSpPr>
+          <p:cNvPr id="107" name="직선 화살표 연결선 106"/>
+          <p:cNvCxnSpPr/>
+          <p:nvPr/>
+        </p:nvCxnSpPr>
+        <p:spPr>
+          <a:xfrm>
+            <a:off x="8798498" y="1894997"/>
+            <a:ext cx="0" cy="396500"/>
+          </a:xfrm>
+          <a:prstGeom prst="straightConnector1">
+            <a:avLst/>
+          </a:prstGeom>
+          <a:ln w="38100">
+            <a:solidFill>
+              <a:schemeClr val="tx1"/>
+            </a:solidFill>
+            <a:tailEnd type="triangle"/>
+          </a:ln>
+        </p:spPr>
+        <p:style>
+          <a:lnRef idx="1">
+            <a:schemeClr val="accent1"/>
+          </a:lnRef>
+          <a:fillRef idx="0">
+            <a:schemeClr val="accent1"/>
+          </a:fillRef>
+          <a:effectRef idx="0">
+            <a:schemeClr val="accent1"/>
+          </a:effectRef>
+          <a:fontRef idx="minor">
+            <a:schemeClr val="tx1"/>
+          </a:fontRef>
+        </p:style>
+      </p:cxnSp>
+      <p:cxnSp>
+        <p:nvCxnSpPr>
+          <p:cNvPr id="109" name="직선 화살표 연결선 108"/>
+          <p:cNvCxnSpPr/>
+          <p:nvPr/>
+        </p:nvCxnSpPr>
+        <p:spPr>
+          <a:xfrm>
+            <a:off x="8818425" y="2956560"/>
+            <a:ext cx="0" cy="396500"/>
+          </a:xfrm>
+          <a:prstGeom prst="straightConnector1">
+            <a:avLst/>
+          </a:prstGeom>
+          <a:ln w="38100">
+            <a:solidFill>
+              <a:schemeClr val="tx1"/>
+            </a:solidFill>
+            <a:tailEnd type="triangle"/>
+          </a:ln>
+        </p:spPr>
+        <p:style>
+          <a:lnRef idx="1">
+            <a:schemeClr val="accent1"/>
+          </a:lnRef>
+          <a:fillRef idx="0">
+            <a:schemeClr val="accent1"/>
+          </a:fillRef>
+          <a:effectRef idx="0">
+            <a:schemeClr val="accent1"/>
+          </a:effectRef>
+          <a:fontRef idx="minor">
+            <a:schemeClr val="tx1"/>
+          </a:fontRef>
+        </p:style>
+      </p:cxnSp>
+      <p:cxnSp>
+        <p:nvCxnSpPr>
+          <p:cNvPr id="39" name="직선 화살표 연결선 38"/>
+          <p:cNvCxnSpPr>
+            <a:stCxn id="89" idx="1"/>
+          </p:cNvCxnSpPr>
+          <p:nvPr/>
+        </p:nvCxnSpPr>
+        <p:spPr>
+          <a:xfrm flipH="1">
+            <a:off x="7225796" y="4800839"/>
+            <a:ext cx="1030308" cy="0"/>
+          </a:xfrm>
+          <a:prstGeom prst="straightConnector1">
+            <a:avLst/>
+          </a:prstGeom>
+          <a:ln w="38100">
+            <a:solidFill>
+              <a:schemeClr val="tx1"/>
+            </a:solidFill>
+            <a:tailEnd type="triangle"/>
+          </a:ln>
+        </p:spPr>
+        <p:style>
+          <a:lnRef idx="1">
+            <a:schemeClr val="accent1"/>
+          </a:lnRef>
+          <a:fillRef idx="0">
+            <a:schemeClr val="accent1"/>
+          </a:fillRef>
+          <a:effectRef idx="0">
+            <a:schemeClr val="accent1"/>
+          </a:effectRef>
+          <a:fontRef idx="minor">
+            <a:schemeClr val="tx1"/>
+          </a:fontRef>
+        </p:style>
+      </p:cxnSp>
+      <p:cxnSp>
+        <p:nvCxnSpPr>
+          <p:cNvPr id="41" name="직선 화살표 연결선 40"/>
+          <p:cNvCxnSpPr/>
+          <p:nvPr/>
+        </p:nvCxnSpPr>
+        <p:spPr>
+          <a:xfrm>
+            <a:off x="2305275" y="6128991"/>
+            <a:ext cx="1472595" cy="0"/>
+          </a:xfrm>
+          <a:prstGeom prst="straightConnector1">
+            <a:avLst/>
+          </a:prstGeom>
+          <a:ln w="38100">
+            <a:solidFill>
+              <a:schemeClr val="tx1"/>
+            </a:solidFill>
+            <a:tailEnd type="triangle"/>
+          </a:ln>
+        </p:spPr>
+        <p:style>
+          <a:lnRef idx="1">
+            <a:schemeClr val="accent1"/>
+          </a:lnRef>
+          <a:fillRef idx="0">
+            <a:schemeClr val="accent1"/>
+          </a:fillRef>
+          <a:effectRef idx="0">
+            <a:schemeClr val="accent1"/>
+          </a:effectRef>
+          <a:fontRef idx="minor">
+            <a:schemeClr val="tx1"/>
+          </a:fontRef>
+        </p:style>
+      </p:cxnSp>
+      <p:cxnSp>
+        <p:nvCxnSpPr>
+          <p:cNvPr id="115" name="직선 화살표 연결선 114"/>
+          <p:cNvCxnSpPr>
+            <a:endCxn id="93" idx="1"/>
+          </p:cNvCxnSpPr>
+          <p:nvPr/>
+        </p:nvCxnSpPr>
+        <p:spPr>
+          <a:xfrm>
+            <a:off x="5155909" y="6102487"/>
+            <a:ext cx="787875" cy="0"/>
+          </a:xfrm>
+          <a:prstGeom prst="straightConnector1">
+            <a:avLst/>
+          </a:prstGeom>
+          <a:ln w="38100">
+            <a:solidFill>
+              <a:schemeClr val="tx1"/>
+            </a:solidFill>
+            <a:tailEnd type="triangle"/>
+          </a:ln>
+        </p:spPr>
+        <p:style>
+          <a:lnRef idx="1">
+            <a:schemeClr val="accent1"/>
+          </a:lnRef>
+          <a:fillRef idx="0">
+            <a:schemeClr val="accent1"/>
+          </a:fillRef>
+          <a:effectRef idx="0">
+            <a:schemeClr val="accent1"/>
+          </a:effectRef>
+          <a:fontRef idx="minor">
+            <a:schemeClr val="tx1"/>
+          </a:fontRef>
+        </p:style>
+      </p:cxnSp>
+      <p:cxnSp>
+        <p:nvCxnSpPr>
+          <p:cNvPr id="117" name="직선 화살표 연결선 116"/>
+          <p:cNvCxnSpPr>
+            <a:stCxn id="93" idx="3"/>
+            <a:endCxn id="111" idx="1"/>
+          </p:cNvCxnSpPr>
+          <p:nvPr/>
+        </p:nvCxnSpPr>
+        <p:spPr>
+          <a:xfrm flipV="1">
+            <a:off x="7895054" y="6089235"/>
+            <a:ext cx="923371" cy="13252"/>
+          </a:xfrm>
+          <a:prstGeom prst="straightConnector1">
+            <a:avLst/>
+          </a:prstGeom>
+          <a:ln w="38100">
+            <a:solidFill>
+              <a:schemeClr val="tx1"/>
+            </a:solidFill>
+            <a:tailEnd type="triangle"/>
+          </a:ln>
+        </p:spPr>
+        <p:style>
+          <a:lnRef idx="1">
+            <a:schemeClr val="accent1"/>
+          </a:lnRef>
+          <a:fillRef idx="0">
+            <a:schemeClr val="accent1"/>
+          </a:fillRef>
+          <a:effectRef idx="0">
+            <a:schemeClr val="accent1"/>
+          </a:effectRef>
+          <a:fontRef idx="minor">
+            <a:schemeClr val="tx1"/>
+          </a:fontRef>
+        </p:style>
+      </p:cxnSp>
+      <p:cxnSp>
+        <p:nvCxnSpPr>
+          <p:cNvPr id="45" name="직선 연결선 44"/>
+          <p:cNvCxnSpPr>
+            <a:stCxn id="82" idx="3"/>
+          </p:cNvCxnSpPr>
+          <p:nvPr/>
+        </p:nvCxnSpPr>
+        <p:spPr>
+          <a:xfrm flipV="1">
+            <a:off x="6691415" y="3756994"/>
+            <a:ext cx="228004" cy="5729"/>
+          </a:xfrm>
+          <a:prstGeom prst="line">
+            <a:avLst/>
+          </a:prstGeom>
+          <a:ln w="38100">
+            <a:solidFill>
+              <a:schemeClr val="tx1"/>
+            </a:solidFill>
+          </a:ln>
+        </p:spPr>
+        <p:style>
+          <a:lnRef idx="1">
+            <a:schemeClr val="accent1"/>
+          </a:lnRef>
+          <a:fillRef idx="0">
+            <a:schemeClr val="accent1"/>
+          </a:fillRef>
+          <a:effectRef idx="0">
+            <a:schemeClr val="accent1"/>
+          </a:effectRef>
+          <a:fontRef idx="minor">
+            <a:schemeClr val="tx1"/>
+          </a:fontRef>
+        </p:style>
+      </p:cxnSp>
+      <p:cxnSp>
+        <p:nvCxnSpPr>
+          <p:cNvPr id="53" name="꺾인 연결선 52"/>
+          <p:cNvCxnSpPr>
+            <a:endCxn id="9" idx="1"/>
+          </p:cNvCxnSpPr>
+          <p:nvPr/>
+        </p:nvCxnSpPr>
+        <p:spPr>
+          <a:xfrm rot="5400000" flipH="1" flipV="1">
+            <a:off x="5903934" y="1563892"/>
+            <a:ext cx="3221029" cy="1190060"/>
+          </a:xfrm>
+          <a:prstGeom prst="bentConnector2">
+            <a:avLst/>
+          </a:prstGeom>
+          <a:ln w="38100">
+            <a:solidFill>
+              <a:schemeClr val="tx1"/>
+            </a:solidFill>
+            <a:tailEnd type="triangle"/>
+          </a:ln>
+        </p:spPr>
+        <p:style>
+          <a:lnRef idx="1">
+            <a:schemeClr val="accent1"/>
+          </a:lnRef>
+          <a:fillRef idx="0">
+            <a:schemeClr val="accent1"/>
+          </a:fillRef>
+          <a:effectRef idx="0">
+            <a:schemeClr val="accent1"/>
+          </a:effectRef>
+          <a:fontRef idx="minor">
+            <a:schemeClr val="tx1"/>
+          </a:fontRef>
+        </p:style>
+      </p:cxnSp>
+      <p:cxnSp>
+        <p:nvCxnSpPr>
+          <p:cNvPr id="68" name="직선 화살표 연결선 67"/>
+          <p:cNvCxnSpPr>
+            <a:endCxn id="83" idx="0"/>
+          </p:cNvCxnSpPr>
+          <p:nvPr/>
+        </p:nvCxnSpPr>
+        <p:spPr>
+          <a:xfrm>
+            <a:off x="7611424" y="2629605"/>
+            <a:ext cx="0" cy="780194"/>
+          </a:xfrm>
+          <a:prstGeom prst="straightConnector1">
+            <a:avLst/>
+          </a:prstGeom>
+          <a:ln w="38100">
+            <a:solidFill>
+              <a:schemeClr val="tx1"/>
+            </a:solidFill>
+            <a:tailEnd type="triangle"/>
+          </a:ln>
+        </p:spPr>
+        <p:style>
+          <a:lnRef idx="1">
+            <a:schemeClr val="accent1"/>
+          </a:lnRef>
+          <a:fillRef idx="0">
+            <a:schemeClr val="accent1"/>
+          </a:fillRef>
+          <a:effectRef idx="0">
+            <a:schemeClr val="accent1"/>
+          </a:effectRef>
+          <a:fontRef idx="minor">
+            <a:schemeClr val="tx1"/>
+          </a:fontRef>
+        </p:style>
+      </p:cxnSp>
+      <p:cxnSp>
+        <p:nvCxnSpPr>
+          <p:cNvPr id="121" name="직선 연결선 120"/>
+          <p:cNvCxnSpPr>
+            <a:stCxn id="11" idx="1"/>
+          </p:cNvCxnSpPr>
+          <p:nvPr/>
+        </p:nvCxnSpPr>
+        <p:spPr>
+          <a:xfrm flipH="1">
+            <a:off x="7621679" y="2607594"/>
+            <a:ext cx="494379" cy="0"/>
+          </a:xfrm>
+          <a:prstGeom prst="line">
+            <a:avLst/>
+          </a:prstGeom>
+          <a:ln w="38100">
+            <a:solidFill>
+              <a:schemeClr val="tx1"/>
+            </a:solidFill>
+          </a:ln>
+        </p:spPr>
+        <p:style>
+          <a:lnRef idx="1">
+            <a:schemeClr val="accent1"/>
+          </a:lnRef>
+          <a:fillRef idx="0">
+            <a:schemeClr val="accent1"/>
+          </a:fillRef>
+          <a:effectRef idx="0">
+            <a:schemeClr val="accent1"/>
+          </a:effectRef>
+          <a:fontRef idx="minor">
+            <a:schemeClr val="tx1"/>
+          </a:fontRef>
+        </p:style>
+      </p:cxnSp>
+      <p:cxnSp>
+        <p:nvCxnSpPr>
+          <p:cNvPr id="133" name="직선 화살표 연결선 132"/>
+          <p:cNvCxnSpPr/>
+          <p:nvPr/>
+        </p:nvCxnSpPr>
+        <p:spPr>
+          <a:xfrm flipH="1">
+            <a:off x="9994536" y="2603665"/>
+            <a:ext cx="0" cy="780194"/>
+          </a:xfrm>
+          <a:prstGeom prst="straightConnector1">
+            <a:avLst/>
+          </a:prstGeom>
+          <a:ln w="38100">
+            <a:solidFill>
+              <a:schemeClr val="tx1"/>
+            </a:solidFill>
+            <a:tailEnd type="triangle"/>
+          </a:ln>
+        </p:spPr>
+        <p:style>
+          <a:lnRef idx="1">
+            <a:schemeClr val="accent1"/>
+          </a:lnRef>
+          <a:fillRef idx="0">
+            <a:schemeClr val="accent1"/>
+          </a:fillRef>
+          <a:effectRef idx="0">
+            <a:schemeClr val="accent1"/>
+          </a:effectRef>
+          <a:fontRef idx="minor">
+            <a:schemeClr val="tx1"/>
+          </a:fontRef>
+        </p:style>
+      </p:cxnSp>
+      <p:cxnSp>
+        <p:nvCxnSpPr>
+          <p:cNvPr id="134" name="직선 연결선 133"/>
+          <p:cNvCxnSpPr/>
+          <p:nvPr/>
+        </p:nvCxnSpPr>
+        <p:spPr>
+          <a:xfrm>
+            <a:off x="9504617" y="2607594"/>
+            <a:ext cx="494379" cy="0"/>
+          </a:xfrm>
+          <a:prstGeom prst="line">
+            <a:avLst/>
+          </a:prstGeom>
+          <a:ln w="38100">
+            <a:solidFill>
+              <a:schemeClr val="tx1"/>
+            </a:solidFill>
+          </a:ln>
+        </p:spPr>
+        <p:style>
+          <a:lnRef idx="1">
+            <a:schemeClr val="accent1"/>
+          </a:lnRef>
+          <a:fillRef idx="0">
+            <a:schemeClr val="accent1"/>
+          </a:fillRef>
+          <a:effectRef idx="0">
+            <a:schemeClr val="accent1"/>
+          </a:effectRef>
+          <a:fontRef idx="minor">
+            <a:schemeClr val="tx1"/>
+          </a:fontRef>
+        </p:style>
+      </p:cxnSp>
+      <p:cxnSp>
+        <p:nvCxnSpPr>
+          <p:cNvPr id="135" name="직선 화살표 연결선 134"/>
+          <p:cNvCxnSpPr/>
+          <p:nvPr/>
+        </p:nvCxnSpPr>
+        <p:spPr>
+          <a:xfrm>
+            <a:off x="8818425" y="4055097"/>
+            <a:ext cx="0" cy="396500"/>
+          </a:xfrm>
+          <a:prstGeom prst="straightConnector1">
+            <a:avLst/>
+          </a:prstGeom>
+          <a:ln w="38100">
+            <a:solidFill>
+              <a:schemeClr val="tx1"/>
+            </a:solidFill>
+            <a:tailEnd type="triangle"/>
+          </a:ln>
+        </p:spPr>
+        <p:style>
+          <a:lnRef idx="1">
+            <a:schemeClr val="accent1"/>
+          </a:lnRef>
+          <a:fillRef idx="0">
+            <a:schemeClr val="accent1"/>
+          </a:fillRef>
+          <a:effectRef idx="0">
+            <a:schemeClr val="accent1"/>
+          </a:effectRef>
+          <a:fontRef idx="minor">
+            <a:schemeClr val="tx1"/>
+          </a:fontRef>
+        </p:style>
+      </p:cxnSp>
+      <p:cxnSp>
+        <p:nvCxnSpPr>
+          <p:cNvPr id="158" name="직선 화살표 연결선 157"/>
+          <p:cNvCxnSpPr/>
+          <p:nvPr/>
+        </p:nvCxnSpPr>
+        <p:spPr>
+          <a:xfrm flipV="1">
+            <a:off x="9199875" y="4047000"/>
+            <a:ext cx="282" cy="298234"/>
+          </a:xfrm>
+          <a:prstGeom prst="straightConnector1">
+            <a:avLst/>
+          </a:prstGeom>
+          <a:ln w="38100">
+            <a:solidFill>
+              <a:schemeClr val="tx1"/>
+            </a:solidFill>
+            <a:tailEnd type="triangle"/>
+          </a:ln>
+        </p:spPr>
+        <p:style>
+          <a:lnRef idx="1">
+            <a:schemeClr val="accent1"/>
+          </a:lnRef>
+          <a:fillRef idx="0">
+            <a:schemeClr val="accent1"/>
+          </a:fillRef>
+          <a:effectRef idx="0">
+            <a:schemeClr val="accent1"/>
+          </a:effectRef>
+          <a:fontRef idx="minor">
+            <a:schemeClr val="tx1"/>
+          </a:fontRef>
+        </p:style>
+      </p:cxnSp>
+      <p:cxnSp>
+        <p:nvCxnSpPr>
+          <p:cNvPr id="160" name="직선 화살표 연결선 159"/>
+          <p:cNvCxnSpPr/>
+          <p:nvPr/>
+        </p:nvCxnSpPr>
+        <p:spPr>
+          <a:xfrm flipV="1">
+            <a:off x="10029361" y="4038001"/>
+            <a:ext cx="282" cy="298234"/>
+          </a:xfrm>
+          <a:prstGeom prst="straightConnector1">
+            <a:avLst/>
+          </a:prstGeom>
+          <a:ln w="38100">
+            <a:solidFill>
+              <a:schemeClr val="tx1"/>
+            </a:solidFill>
+            <a:tailEnd type="triangle"/>
+          </a:ln>
+        </p:spPr>
+        <p:style>
+          <a:lnRef idx="1">
+            <a:schemeClr val="accent1"/>
+          </a:lnRef>
+          <a:fillRef idx="0">
+            <a:schemeClr val="accent1"/>
+          </a:fillRef>
+          <a:effectRef idx="0">
+            <a:schemeClr val="accent1"/>
+          </a:effectRef>
+          <a:fontRef idx="minor">
+            <a:schemeClr val="tx1"/>
+          </a:fontRef>
+        </p:style>
+      </p:cxnSp>
+      <p:cxnSp>
+        <p:nvCxnSpPr>
+          <p:cNvPr id="162" name="직선 연결선 161"/>
+          <p:cNvCxnSpPr/>
+          <p:nvPr/>
+        </p:nvCxnSpPr>
+        <p:spPr>
+          <a:xfrm flipH="1">
+            <a:off x="9181782" y="4345234"/>
+            <a:ext cx="847579" cy="0"/>
+          </a:xfrm>
+          <a:prstGeom prst="line">
+            <a:avLst/>
+          </a:prstGeom>
+          <a:ln w="38100">
+            <a:solidFill>
+              <a:schemeClr val="tx1"/>
+            </a:solidFill>
+          </a:ln>
+        </p:spPr>
+        <p:style>
+          <a:lnRef idx="1">
+            <a:schemeClr val="accent1"/>
+          </a:lnRef>
+          <a:fillRef idx="0">
+            <a:schemeClr val="accent1"/>
+          </a:fillRef>
+          <a:effectRef idx="0">
+            <a:schemeClr val="accent1"/>
+          </a:effectRef>
+          <a:fontRef idx="minor">
+            <a:schemeClr val="tx1"/>
+          </a:fontRef>
+        </p:style>
+      </p:cxnSp>
+      <p:cxnSp>
+        <p:nvCxnSpPr>
+          <p:cNvPr id="165" name="직선 화살표 연결선 164"/>
+          <p:cNvCxnSpPr/>
+          <p:nvPr/>
+        </p:nvCxnSpPr>
+        <p:spPr>
+          <a:xfrm flipV="1">
+            <a:off x="7756975" y="2726019"/>
+            <a:ext cx="378438" cy="3014"/>
+          </a:xfrm>
+          <a:prstGeom prst="straightConnector1">
+            <a:avLst/>
+          </a:prstGeom>
+          <a:ln w="38100">
+            <a:solidFill>
+              <a:schemeClr val="tx1"/>
+            </a:solidFill>
+            <a:tailEnd type="triangle"/>
+          </a:ln>
+        </p:spPr>
+        <p:style>
+          <a:lnRef idx="1">
+            <a:schemeClr val="accent1"/>
+          </a:lnRef>
+          <a:fillRef idx="0">
+            <a:schemeClr val="accent1"/>
+          </a:fillRef>
+          <a:effectRef idx="0">
+            <a:schemeClr val="accent1"/>
+          </a:effectRef>
+          <a:fontRef idx="minor">
+            <a:schemeClr val="tx1"/>
+          </a:fontRef>
+        </p:style>
+      </p:cxnSp>
+      <p:cxnSp>
+        <p:nvCxnSpPr>
+          <p:cNvPr id="168" name="직선 연결선 167"/>
+          <p:cNvCxnSpPr/>
+          <p:nvPr/>
+        </p:nvCxnSpPr>
+        <p:spPr>
+          <a:xfrm>
+            <a:off x="7756975" y="2752840"/>
+            <a:ext cx="0" cy="656146"/>
+          </a:xfrm>
+          <a:prstGeom prst="line">
+            <a:avLst/>
+          </a:prstGeom>
+          <a:ln w="38100">
+            <a:solidFill>
+              <a:schemeClr val="tx1"/>
+            </a:solidFill>
+          </a:ln>
+        </p:spPr>
+        <p:style>
+          <a:lnRef idx="1">
+            <a:schemeClr val="accent1"/>
+          </a:lnRef>
+          <a:fillRef idx="0">
+            <a:schemeClr val="accent1"/>
+          </a:fillRef>
+          <a:effectRef idx="0">
+            <a:schemeClr val="accent1"/>
+          </a:effectRef>
+          <a:fontRef idx="minor">
+            <a:schemeClr val="tx1"/>
+          </a:fontRef>
+        </p:style>
+      </p:cxnSp>
+      <p:cxnSp>
+        <p:nvCxnSpPr>
+          <p:cNvPr id="173" name="직선 연결선 172"/>
+          <p:cNvCxnSpPr>
+            <a:stCxn id="90" idx="1"/>
+          </p:cNvCxnSpPr>
+          <p:nvPr/>
+        </p:nvCxnSpPr>
+        <p:spPr>
+          <a:xfrm flipH="1">
+            <a:off x="1616255" y="4800839"/>
+            <a:ext cx="4231502" cy="38358"/>
+          </a:xfrm>
+          <a:prstGeom prst="line">
+            <a:avLst/>
+          </a:prstGeom>
+          <a:ln w="38100">
+            <a:solidFill>
+              <a:schemeClr val="tx1"/>
+            </a:solidFill>
+          </a:ln>
+        </p:spPr>
+        <p:style>
+          <a:lnRef idx="1">
+            <a:schemeClr val="accent1"/>
+          </a:lnRef>
+          <a:fillRef idx="0">
+            <a:schemeClr val="accent1"/>
+          </a:fillRef>
+          <a:effectRef idx="0">
+            <a:schemeClr val="accent1"/>
+          </a:effectRef>
+          <a:fontRef idx="minor">
+            <a:schemeClr val="tx1"/>
+          </a:fontRef>
+        </p:style>
+      </p:cxnSp>
+      <p:cxnSp>
+        <p:nvCxnSpPr>
+          <p:cNvPr id="174" name="직선 화살표 연결선 173"/>
+          <p:cNvCxnSpPr>
+            <a:endCxn id="91" idx="0"/>
+          </p:cNvCxnSpPr>
+          <p:nvPr/>
+        </p:nvCxnSpPr>
+        <p:spPr>
+          <a:xfrm>
+            <a:off x="1616255" y="4839197"/>
+            <a:ext cx="1" cy="947758"/>
+          </a:xfrm>
+          <a:prstGeom prst="straightConnector1">
+            <a:avLst/>
+          </a:prstGeom>
+          <a:ln w="38100">
+            <a:solidFill>
+              <a:schemeClr val="tx1"/>
+            </a:solidFill>
+            <a:tailEnd type="triangle"/>
+          </a:ln>
+        </p:spPr>
+        <p:style>
+          <a:lnRef idx="1">
+            <a:schemeClr val="accent1"/>
+          </a:lnRef>
+          <a:fillRef idx="0">
+            <a:schemeClr val="accent1"/>
+          </a:fillRef>
+          <a:effectRef idx="0">
+            <a:schemeClr val="accent1"/>
+          </a:effectRef>
+          <a:fontRef idx="minor">
+            <a:schemeClr val="tx1"/>
+          </a:fontRef>
+        </p:style>
+      </p:cxnSp>
+      <p:cxnSp>
+        <p:nvCxnSpPr>
+          <p:cNvPr id="178" name="직선 화살표 연결선 177"/>
+          <p:cNvCxnSpPr/>
+          <p:nvPr/>
+        </p:nvCxnSpPr>
+        <p:spPr>
+          <a:xfrm flipH="1" flipV="1">
+            <a:off x="5018993" y="574600"/>
+            <a:ext cx="7104" cy="2139677"/>
+          </a:xfrm>
+          <a:prstGeom prst="straightConnector1">
+            <a:avLst/>
+          </a:prstGeom>
+          <a:ln w="38100">
+            <a:solidFill>
+              <a:schemeClr val="tx1"/>
+            </a:solidFill>
+            <a:tailEnd type="triangle"/>
+          </a:ln>
+        </p:spPr>
+        <p:style>
+          <a:lnRef idx="1">
+            <a:schemeClr val="accent1"/>
+          </a:lnRef>
+          <a:fillRef idx="0">
+            <a:schemeClr val="accent1"/>
+          </a:fillRef>
+          <a:effectRef idx="0">
+            <a:schemeClr val="accent1"/>
+          </a:effectRef>
+          <a:fontRef idx="minor">
+            <a:schemeClr val="tx1"/>
+          </a:fontRef>
+        </p:style>
+      </p:cxnSp>
+      <p:cxnSp>
+        <p:nvCxnSpPr>
+          <p:cNvPr id="181" name="직선 연결선 180"/>
+          <p:cNvCxnSpPr/>
+          <p:nvPr/>
+        </p:nvCxnSpPr>
+        <p:spPr>
+          <a:xfrm flipV="1">
+            <a:off x="4819266" y="2696022"/>
+            <a:ext cx="241466" cy="7742"/>
+          </a:xfrm>
+          <a:prstGeom prst="line">
+            <a:avLst/>
+          </a:prstGeom>
+          <a:ln w="38100">
+            <a:solidFill>
+              <a:schemeClr val="tx1"/>
+            </a:solidFill>
+          </a:ln>
+        </p:spPr>
+        <p:style>
+          <a:lnRef idx="3">
+            <a:schemeClr val="dk1"/>
+          </a:lnRef>
+          <a:fillRef idx="0">
+            <a:schemeClr val="dk1"/>
+          </a:fillRef>
+          <a:effectRef idx="2">
+            <a:schemeClr val="dk1"/>
+          </a:effectRef>
+          <a:fontRef idx="minor">
+            <a:schemeClr val="tx1"/>
+          </a:fontRef>
+        </p:style>
+      </p:cxnSp>
+      <p:cxnSp>
+        <p:nvCxnSpPr>
+          <p:cNvPr id="188" name="직선 연결선 187"/>
+          <p:cNvCxnSpPr>
+            <a:stCxn id="76" idx="2"/>
+          </p:cNvCxnSpPr>
+          <p:nvPr/>
+        </p:nvCxnSpPr>
+        <p:spPr>
+          <a:xfrm>
+            <a:off x="3875434" y="3048564"/>
+            <a:ext cx="0" cy="500472"/>
+          </a:xfrm>
+          <a:prstGeom prst="line">
+            <a:avLst/>
+          </a:prstGeom>
+          <a:ln w="38100">
+            <a:solidFill>
+              <a:schemeClr val="tx1"/>
+            </a:solidFill>
+          </a:ln>
+        </p:spPr>
+        <p:style>
+          <a:lnRef idx="1">
+            <a:schemeClr val="accent1"/>
+          </a:lnRef>
+          <a:fillRef idx="0">
+            <a:schemeClr val="accent1"/>
+          </a:fillRef>
+          <a:effectRef idx="0">
+            <a:schemeClr val="accent1"/>
+          </a:effectRef>
+          <a:fontRef idx="minor">
+            <a:schemeClr val="tx1"/>
+          </a:fontRef>
+        </p:style>
+      </p:cxnSp>
+      <p:cxnSp>
+        <p:nvCxnSpPr>
+          <p:cNvPr id="190" name="직선 연결선 189"/>
+          <p:cNvCxnSpPr/>
+          <p:nvPr/>
+        </p:nvCxnSpPr>
+        <p:spPr>
+          <a:xfrm flipH="1">
+            <a:off x="2646540" y="3562288"/>
+            <a:ext cx="1242193" cy="0"/>
+          </a:xfrm>
+          <a:prstGeom prst="line">
+            <a:avLst/>
+          </a:prstGeom>
+          <a:ln w="38100">
+            <a:solidFill>
+              <a:schemeClr val="tx1"/>
+            </a:solidFill>
+          </a:ln>
+        </p:spPr>
+        <p:style>
+          <a:lnRef idx="1">
+            <a:schemeClr val="accent1"/>
+          </a:lnRef>
+          <a:fillRef idx="0">
+            <a:schemeClr val="accent1"/>
+          </a:fillRef>
+          <a:effectRef idx="0">
+            <a:schemeClr val="accent1"/>
+          </a:effectRef>
+          <a:fontRef idx="minor">
+            <a:schemeClr val="tx1"/>
+          </a:fontRef>
+        </p:style>
+      </p:cxnSp>
+      <p:cxnSp>
+        <p:nvCxnSpPr>
+          <p:cNvPr id="192" name="직선 화살표 연결선 191"/>
+          <p:cNvCxnSpPr/>
+          <p:nvPr/>
+        </p:nvCxnSpPr>
+        <p:spPr>
+          <a:xfrm flipV="1">
+            <a:off x="2646540" y="574600"/>
+            <a:ext cx="0" cy="2974436"/>
+          </a:xfrm>
+          <a:prstGeom prst="straightConnector1">
+            <a:avLst/>
+          </a:prstGeom>
+          <a:ln w="38100">
+            <a:solidFill>
+              <a:schemeClr val="tx1"/>
+            </a:solidFill>
+            <a:tailEnd type="triangle"/>
+          </a:ln>
+        </p:spPr>
+        <p:style>
+          <a:lnRef idx="1">
+            <a:schemeClr val="accent1"/>
+          </a:lnRef>
+          <a:fillRef idx="0">
+            <a:schemeClr val="accent1"/>
+          </a:fillRef>
+          <a:effectRef idx="0">
+            <a:schemeClr val="accent1"/>
+          </a:effectRef>
+          <a:fontRef idx="minor">
+            <a:schemeClr val="tx1"/>
+          </a:fontRef>
+        </p:style>
+      </p:cxnSp>
+      <p:sp>
+        <p:nvSpPr>
+          <p:cNvPr id="193" name="TextBox 192"/>
+          <p:cNvSpPr txBox="1"/>
+          <p:nvPr/>
+        </p:nvSpPr>
+        <p:spPr>
+          <a:xfrm>
+            <a:off x="4643904" y="141270"/>
+            <a:ext cx="757282" cy="369332"/>
+          </a:xfrm>
+          <a:prstGeom prst="rect">
+            <a:avLst/>
+          </a:prstGeom>
+          <a:noFill/>
+        </p:spPr>
+        <p:txBody>
+          <a:bodyPr wrap="square" rtlCol="0">
+            <a:spAutoFit/>
+          </a:bodyPr>
+          <a:lstStyle/>
+          <a:p>
+            <a:pPr algn="ctr"/>
+            <a:r>
+              <a:rPr lang="en-US" altLang="ko-KR" b="1"/>
+              <a:t>on</a:t>
+            </a:r>
+            <a:endParaRPr lang="ko-KR" altLang="en-US" b="1"/>
+          </a:p>
+        </p:txBody>
+      </p:sp>
+      <p:sp>
+        <p:nvSpPr>
+          <p:cNvPr id="194" name="TextBox 193"/>
+          <p:cNvSpPr txBox="1"/>
+          <p:nvPr/>
+        </p:nvSpPr>
+        <p:spPr>
+          <a:xfrm>
+            <a:off x="3751605" y="862347"/>
+            <a:ext cx="757282" cy="369332"/>
+          </a:xfrm>
+          <a:prstGeom prst="rect">
+            <a:avLst/>
+          </a:prstGeom>
+          <a:noFill/>
+        </p:spPr>
+        <p:txBody>
+          <a:bodyPr wrap="square" rtlCol="0">
+            <a:spAutoFit/>
+          </a:bodyPr>
+          <a:lstStyle/>
+          <a:p>
+            <a:pPr algn="ctr"/>
+            <a:r>
+              <a:rPr lang="en-US" altLang="ko-KR" b="1"/>
+              <a:t>off</a:t>
+            </a:r>
+            <a:endParaRPr lang="ko-KR" altLang="en-US" b="1"/>
+          </a:p>
+        </p:txBody>
+      </p:sp>
+      <p:sp>
+        <p:nvSpPr>
+          <p:cNvPr id="195" name="TextBox 194"/>
+          <p:cNvSpPr txBox="1"/>
+          <p:nvPr/>
+        </p:nvSpPr>
+        <p:spPr>
+          <a:xfrm>
+            <a:off x="4427115" y="2265114"/>
+            <a:ext cx="757282" cy="369332"/>
+          </a:xfrm>
+          <a:prstGeom prst="rect">
+            <a:avLst/>
+          </a:prstGeom>
+          <a:noFill/>
+        </p:spPr>
+        <p:txBody>
+          <a:bodyPr wrap="square" rtlCol="0">
+            <a:spAutoFit/>
+          </a:bodyPr>
+          <a:lstStyle/>
+          <a:p>
+            <a:pPr algn="ctr"/>
+            <a:r>
+              <a:rPr lang="en-US" altLang="ko-KR" b="1"/>
+              <a:t>yes</a:t>
+            </a:r>
+            <a:endParaRPr lang="ko-KR" altLang="en-US" b="1"/>
+          </a:p>
+        </p:txBody>
+      </p:sp>
+      <p:sp>
+        <p:nvSpPr>
+          <p:cNvPr id="196" name="TextBox 195"/>
+          <p:cNvSpPr txBox="1"/>
+          <p:nvPr/>
+        </p:nvSpPr>
+        <p:spPr>
+          <a:xfrm>
+            <a:off x="3747692" y="3064607"/>
+            <a:ext cx="757282" cy="369332"/>
+          </a:xfrm>
+          <a:prstGeom prst="rect">
+            <a:avLst/>
+          </a:prstGeom>
+          <a:noFill/>
+        </p:spPr>
+        <p:txBody>
+          <a:bodyPr wrap="square" rtlCol="0">
+            <a:spAutoFit/>
+          </a:bodyPr>
+          <a:lstStyle/>
+          <a:p>
+            <a:pPr algn="ctr"/>
+            <a:r>
+              <a:rPr lang="en-US" altLang="ko-KR" b="1"/>
+              <a:t>no</a:t>
+            </a:r>
+            <a:endParaRPr lang="ko-KR" altLang="en-US" b="1"/>
+          </a:p>
+        </p:txBody>
+      </p:sp>
+      <p:sp>
+        <p:nvSpPr>
+          <p:cNvPr id="197" name="TextBox 196"/>
+          <p:cNvSpPr txBox="1"/>
+          <p:nvPr/>
+        </p:nvSpPr>
+        <p:spPr>
+          <a:xfrm>
+            <a:off x="1491848" y="1945973"/>
+            <a:ext cx="1200246" cy="646331"/>
+          </a:xfrm>
+          <a:prstGeom prst="rect">
+            <a:avLst/>
+          </a:prstGeom>
+          <a:noFill/>
+        </p:spPr>
+        <p:txBody>
+          <a:bodyPr wrap="square" rtlCol="0">
+            <a:spAutoFit/>
+          </a:bodyPr>
+          <a:lstStyle/>
+          <a:p>
+            <a:pPr algn="ctr"/>
+            <a:r>
+              <a:rPr lang="ko-KR" altLang="en-US" b="1"/>
+              <a:t>연결 </a:t>
+            </a:r>
+            <a:endParaRPr lang="en-US" altLang="ko-KR" b="1"/>
+          </a:p>
+          <a:p>
+            <a:pPr algn="ctr"/>
+            <a:r>
+              <a:rPr lang="ko-KR" altLang="en-US" b="1"/>
+              <a:t>다시시도</a:t>
+            </a:r>
+          </a:p>
+        </p:txBody>
+      </p:sp>
+      <p:sp>
+        <p:nvSpPr>
+          <p:cNvPr id="198" name="TextBox 197"/>
+          <p:cNvSpPr txBox="1"/>
+          <p:nvPr/>
+        </p:nvSpPr>
+        <p:spPr>
+          <a:xfrm>
+            <a:off x="2441449" y="5767040"/>
+            <a:ext cx="1200246" cy="646331"/>
+          </a:xfrm>
+          <a:prstGeom prst="rect">
+            <a:avLst/>
+          </a:prstGeom>
+          <a:noFill/>
+        </p:spPr>
+        <p:txBody>
+          <a:bodyPr wrap="square" rtlCol="0">
+            <a:spAutoFit/>
+          </a:bodyPr>
+          <a:lstStyle/>
+          <a:p>
+            <a:pPr algn="ctr"/>
+            <a:r>
+              <a:rPr lang="en-US" altLang="ko-KR" b="1"/>
+              <a:t>db</a:t>
+            </a:r>
+            <a:r>
+              <a:rPr lang="ko-KR" altLang="en-US" b="1"/>
+              <a:t>값에</a:t>
+            </a:r>
+            <a:endParaRPr lang="en-US" altLang="ko-KR" b="1"/>
+          </a:p>
+          <a:p>
+            <a:pPr algn="ctr"/>
+            <a:r>
+              <a:rPr lang="ko-KR" altLang="en-US" b="1"/>
+              <a:t>따라</a:t>
+            </a:r>
+          </a:p>
+        </p:txBody>
+      </p:sp>
+    </p:spTree>
+    <p:extLst>
+      <p:ext uri="{BB962C8B-B14F-4D97-AF65-F5344CB8AC3E}">
+        <p14:creationId xmlns:p14="http://schemas.microsoft.com/office/powerpoint/2010/main" val="1178347724"/>
+      </p:ext>
+    </p:extLst>
+  </p:cSld>
+  <p:clrMapOvr>
+    <a:masterClrMapping/>
+  </p:clrMapOvr>
 </p:sld>
 </file>
 
